--- a/web api/Web API.pptx
+++ b/web api/Web API.pptx
@@ -111,6 +111,11 @@
       </a:defRPr>
     </a:lvl9pPr>
   </p:defaultTextStyle>
+  <p:extLst>
+    <p:ext uri="{EFAFB233-063F-42B5-8137-9DF3F51BA10A}">
+      <p15:sldGuideLst xmlns:p15="http://schemas.microsoft.com/office/powerpoint/2012/main"/>
+    </p:ext>
+  </p:extLst>
 </p:presentation>
 </file>
 
@@ -360,7 +365,7 @@
             <a:fld id="{B61BEF0D-F0BB-DE4B-95CE-6DB70DBA9567}" type="datetimeFigureOut">
               <a:rPr lang="en-US" smtClean="0"/>
               <a:pPr/>
-              <a:t>10/3/2018</a:t>
+              <a:t>10/8/2018</a:t>
             </a:fld>
             <a:endParaRPr lang="en-US" dirty="0"/>
           </a:p>
@@ -624,7 +629,7 @@
             <a:fld id="{B61BEF0D-F0BB-DE4B-95CE-6DB70DBA9567}" type="datetimeFigureOut">
               <a:rPr lang="en-US" smtClean="0"/>
               <a:pPr/>
-              <a:t>10/3/2018</a:t>
+              <a:t>10/8/2018</a:t>
             </a:fld>
             <a:endParaRPr lang="en-US" dirty="0"/>
           </a:p>
@@ -861,7 +866,7 @@
             <a:fld id="{B61BEF0D-F0BB-DE4B-95CE-6DB70DBA9567}" type="datetimeFigureOut">
               <a:rPr lang="en-US" smtClean="0"/>
               <a:pPr/>
-              <a:t>10/3/2018</a:t>
+              <a:t>10/8/2018</a:t>
             </a:fld>
             <a:endParaRPr lang="en-US" dirty="0"/>
           </a:p>
@@ -1103,7 +1108,7 @@
             <a:fld id="{B61BEF0D-F0BB-DE4B-95CE-6DB70DBA9567}" type="datetimeFigureOut">
               <a:rPr lang="en-US" smtClean="0"/>
               <a:pPr/>
-              <a:t>10/3/2018</a:t>
+              <a:t>10/8/2018</a:t>
             </a:fld>
             <a:endParaRPr lang="en-US" dirty="0"/>
           </a:p>
@@ -1412,7 +1417,7 @@
             <a:fld id="{B61BEF0D-F0BB-DE4B-95CE-6DB70DBA9567}" type="datetimeFigureOut">
               <a:rPr lang="en-US" smtClean="0"/>
               <a:pPr/>
-              <a:t>10/3/2018</a:t>
+              <a:t>10/8/2018</a:t>
             </a:fld>
             <a:endParaRPr lang="en-US" dirty="0"/>
           </a:p>
@@ -1716,7 +1721,7 @@
             <a:fld id="{B61BEF0D-F0BB-DE4B-95CE-6DB70DBA9567}" type="datetimeFigureOut">
               <a:rPr lang="en-US" smtClean="0"/>
               <a:pPr/>
-              <a:t>10/3/2018</a:t>
+              <a:t>10/8/2018</a:t>
             </a:fld>
             <a:endParaRPr lang="en-US" dirty="0"/>
           </a:p>
@@ -2140,7 +2145,7 @@
             <a:fld id="{B61BEF0D-F0BB-DE4B-95CE-6DB70DBA9567}" type="datetimeFigureOut">
               <a:rPr lang="en-US" smtClean="0"/>
               <a:pPr/>
-              <a:t>10/3/2018</a:t>
+              <a:t>10/8/2018</a:t>
             </a:fld>
             <a:endParaRPr lang="en-US" dirty="0"/>
           </a:p>
@@ -2304,7 +2309,7 @@
             <a:fld id="{B61BEF0D-F0BB-DE4B-95CE-6DB70DBA9567}" type="datetimeFigureOut">
               <a:rPr lang="en-US" smtClean="0"/>
               <a:pPr/>
-              <a:t>10/3/2018</a:t>
+              <a:t>10/8/2018</a:t>
             </a:fld>
             <a:endParaRPr lang="en-US" dirty="0"/>
           </a:p>
@@ -2401,7 +2406,7 @@
             <a:fld id="{B61BEF0D-F0BB-DE4B-95CE-6DB70DBA9567}" type="datetimeFigureOut">
               <a:rPr lang="en-US" smtClean="0"/>
               <a:pPr/>
-              <a:t>10/3/2018</a:t>
+              <a:t>10/8/2018</a:t>
             </a:fld>
             <a:endParaRPr lang="en-US" dirty="0"/>
           </a:p>
@@ -2781,7 +2786,7 @@
             <a:fld id="{B61BEF0D-F0BB-DE4B-95CE-6DB70DBA9567}" type="datetimeFigureOut">
               <a:rPr lang="en-US" smtClean="0"/>
               <a:pPr/>
-              <a:t>10/3/2018</a:t>
+              <a:t>10/8/2018</a:t>
             </a:fld>
             <a:endParaRPr lang="en-US" dirty="0"/>
           </a:p>
@@ -3072,7 +3077,7 @@
             <a:fld id="{B61BEF0D-F0BB-DE4B-95CE-6DB70DBA9567}" type="datetimeFigureOut">
               <a:rPr lang="en-US" smtClean="0"/>
               <a:pPr/>
-              <a:t>10/3/2018</a:t>
+              <a:t>10/8/2018</a:t>
             </a:fld>
             <a:endParaRPr lang="en-US" dirty="0"/>
           </a:p>
@@ -3285,7 +3290,7 @@
             <a:fld id="{B61BEF0D-F0BB-DE4B-95CE-6DB70DBA9567}" type="datetimeFigureOut">
               <a:rPr lang="en-US" smtClean="0"/>
               <a:pPr/>
-              <a:t>10/3/2018</a:t>
+              <a:t>10/8/2018</a:t>
             </a:fld>
             <a:endParaRPr lang="en-US" dirty="0"/>
           </a:p>
@@ -4061,7 +4066,7 @@
           <a:p>
             <a:r>
               <a:rPr lang="en-US" dirty="0"/>
-              <a:t>assignment</a:t>
+              <a:t>Assignment</a:t>
             </a:r>
           </a:p>
           <a:p>
@@ -5822,15 +5827,7 @@
           <a:p>
             <a:r>
               <a:rPr lang="en-US" dirty="0"/>
-              <a:t>Create Controller that contain method for GET</a:t>
-            </a:r>
-            <a:r>
-              <a:rPr lang="en-US"/>
-              <a:t>, POST</a:t>
-            </a:r>
-            <a:r>
-              <a:rPr lang="en-US" dirty="0"/>
-              <a:t>, PUT, DELETE</a:t>
+              <a:t>Create Controller that contain method for GET, POST, PUT, DELETE</a:t>
             </a:r>
           </a:p>
           <a:p>

--- a/web api/Web API.pptx
+++ b/web api/Web API.pptx
@@ -10,9 +10,16 @@
     <p:sldId id="258" r:id="rId4"/>
     <p:sldId id="259" r:id="rId5"/>
     <p:sldId id="261" r:id="rId6"/>
-    <p:sldId id="260" r:id="rId7"/>
-    <p:sldId id="262" r:id="rId8"/>
-    <p:sldId id="263" r:id="rId9"/>
+    <p:sldId id="264" r:id="rId7"/>
+    <p:sldId id="265" r:id="rId8"/>
+    <p:sldId id="266" r:id="rId9"/>
+    <p:sldId id="267" r:id="rId10"/>
+    <p:sldId id="260" r:id="rId11"/>
+    <p:sldId id="268" r:id="rId12"/>
+    <p:sldId id="270" r:id="rId13"/>
+    <p:sldId id="269" r:id="rId14"/>
+    <p:sldId id="262" r:id="rId15"/>
+    <p:sldId id="263" r:id="rId16"/>
   </p:sldIdLst>
   <p:sldSz cx="12192000" cy="6858000"/>
   <p:notesSz cx="6858000" cy="9144000"/>
@@ -365,7 +372,7 @@
             <a:fld id="{B61BEF0D-F0BB-DE4B-95CE-6DB70DBA9567}" type="datetimeFigureOut">
               <a:rPr lang="en-US" smtClean="0"/>
               <a:pPr/>
-              <a:t>10/8/2018</a:t>
+              <a:t>10/10/2018</a:t>
             </a:fld>
             <a:endParaRPr lang="en-US" dirty="0"/>
           </a:p>
@@ -629,7 +636,7 @@
             <a:fld id="{B61BEF0D-F0BB-DE4B-95CE-6DB70DBA9567}" type="datetimeFigureOut">
               <a:rPr lang="en-US" smtClean="0"/>
               <a:pPr/>
-              <a:t>10/8/2018</a:t>
+              <a:t>10/10/2018</a:t>
             </a:fld>
             <a:endParaRPr lang="en-US" dirty="0"/>
           </a:p>
@@ -866,7 +873,7 @@
             <a:fld id="{B61BEF0D-F0BB-DE4B-95CE-6DB70DBA9567}" type="datetimeFigureOut">
               <a:rPr lang="en-US" smtClean="0"/>
               <a:pPr/>
-              <a:t>10/8/2018</a:t>
+              <a:t>10/10/2018</a:t>
             </a:fld>
             <a:endParaRPr lang="en-US" dirty="0"/>
           </a:p>
@@ -1108,7 +1115,7 @@
             <a:fld id="{B61BEF0D-F0BB-DE4B-95CE-6DB70DBA9567}" type="datetimeFigureOut">
               <a:rPr lang="en-US" smtClean="0"/>
               <a:pPr/>
-              <a:t>10/8/2018</a:t>
+              <a:t>10/10/2018</a:t>
             </a:fld>
             <a:endParaRPr lang="en-US" dirty="0"/>
           </a:p>
@@ -1417,7 +1424,7 @@
             <a:fld id="{B61BEF0D-F0BB-DE4B-95CE-6DB70DBA9567}" type="datetimeFigureOut">
               <a:rPr lang="en-US" smtClean="0"/>
               <a:pPr/>
-              <a:t>10/8/2018</a:t>
+              <a:t>10/10/2018</a:t>
             </a:fld>
             <a:endParaRPr lang="en-US" dirty="0"/>
           </a:p>
@@ -1721,7 +1728,7 @@
             <a:fld id="{B61BEF0D-F0BB-DE4B-95CE-6DB70DBA9567}" type="datetimeFigureOut">
               <a:rPr lang="en-US" smtClean="0"/>
               <a:pPr/>
-              <a:t>10/8/2018</a:t>
+              <a:t>10/10/2018</a:t>
             </a:fld>
             <a:endParaRPr lang="en-US" dirty="0"/>
           </a:p>
@@ -2145,7 +2152,7 @@
             <a:fld id="{B61BEF0D-F0BB-DE4B-95CE-6DB70DBA9567}" type="datetimeFigureOut">
               <a:rPr lang="en-US" smtClean="0"/>
               <a:pPr/>
-              <a:t>10/8/2018</a:t>
+              <a:t>10/10/2018</a:t>
             </a:fld>
             <a:endParaRPr lang="en-US" dirty="0"/>
           </a:p>
@@ -2309,7 +2316,7 @@
             <a:fld id="{B61BEF0D-F0BB-DE4B-95CE-6DB70DBA9567}" type="datetimeFigureOut">
               <a:rPr lang="en-US" smtClean="0"/>
               <a:pPr/>
-              <a:t>10/8/2018</a:t>
+              <a:t>10/10/2018</a:t>
             </a:fld>
             <a:endParaRPr lang="en-US" dirty="0"/>
           </a:p>
@@ -2406,7 +2413,7 @@
             <a:fld id="{B61BEF0D-F0BB-DE4B-95CE-6DB70DBA9567}" type="datetimeFigureOut">
               <a:rPr lang="en-US" smtClean="0"/>
               <a:pPr/>
-              <a:t>10/8/2018</a:t>
+              <a:t>10/10/2018</a:t>
             </a:fld>
             <a:endParaRPr lang="en-US" dirty="0"/>
           </a:p>
@@ -2786,7 +2793,7 @@
             <a:fld id="{B61BEF0D-F0BB-DE4B-95CE-6DB70DBA9567}" type="datetimeFigureOut">
               <a:rPr lang="en-US" smtClean="0"/>
               <a:pPr/>
-              <a:t>10/8/2018</a:t>
+              <a:t>10/10/2018</a:t>
             </a:fld>
             <a:endParaRPr lang="en-US" dirty="0"/>
           </a:p>
@@ -3077,7 +3084,7 @@
             <a:fld id="{B61BEF0D-F0BB-DE4B-95CE-6DB70DBA9567}" type="datetimeFigureOut">
               <a:rPr lang="en-US" smtClean="0"/>
               <a:pPr/>
-              <a:t>10/8/2018</a:t>
+              <a:t>10/10/2018</a:t>
             </a:fld>
             <a:endParaRPr lang="en-US" dirty="0"/>
           </a:p>
@@ -3290,7 +3297,7 @@
             <a:fld id="{B61BEF0D-F0BB-DE4B-95CE-6DB70DBA9567}" type="datetimeFigureOut">
               <a:rPr lang="en-US" smtClean="0"/>
               <a:pPr/>
-              <a:t>10/8/2018</a:t>
+              <a:t>10/10/2018</a:t>
             </a:fld>
             <a:endParaRPr lang="en-US" dirty="0"/>
           </a:p>
@@ -3961,1071 +3968,7 @@
 </p:sld>
 </file>
 
-<file path=ppt/slides/slide2.xml><?xml version="1.0" encoding="utf-8"?>
-<p:sld xmlns:a="http://schemas.openxmlformats.org/drawingml/2006/main" xmlns:r="http://schemas.openxmlformats.org/officeDocument/2006/relationships" xmlns:p="http://schemas.openxmlformats.org/presentationml/2006/main">
-  <p:cSld>
-    <p:spTree>
-      <p:nvGrpSpPr>
-        <p:cNvPr id="1" name=""/>
-        <p:cNvGrpSpPr/>
-        <p:nvPr/>
-      </p:nvGrpSpPr>
-      <p:grpSpPr>
-        <a:xfrm>
-          <a:off x="0" y="0"/>
-          <a:ext cx="0" cy="0"/>
-          <a:chOff x="0" y="0"/>
-          <a:chExt cx="0" cy="0"/>
-        </a:xfrm>
-      </p:grpSpPr>
-      <p:sp>
-        <p:nvSpPr>
-          <p:cNvPr id="2" name="Title 1">
-            <a:extLst>
-              <a:ext uri="{FF2B5EF4-FFF2-40B4-BE49-F238E27FC236}">
-                <a16:creationId xmlns:a16="http://schemas.microsoft.com/office/drawing/2014/main" id="{3C5DF63E-40EB-43FC-9342-517B5AF0FC5F}"/>
-              </a:ext>
-            </a:extLst>
-          </p:cNvPr>
-          <p:cNvSpPr>
-            <a:spLocks noGrp="1"/>
-          </p:cNvSpPr>
-          <p:nvPr>
-            <p:ph type="title"/>
-          </p:nvPr>
-        </p:nvSpPr>
-        <p:spPr/>
-        <p:txBody>
-          <a:bodyPr/>
-          <a:lstStyle/>
-          <a:p>
-            <a:r>
-              <a:rPr lang="en-US" dirty="0"/>
-              <a:t>Topic</a:t>
-            </a:r>
-          </a:p>
-        </p:txBody>
-      </p:sp>
-      <p:sp>
-        <p:nvSpPr>
-          <p:cNvPr id="3" name="Content Placeholder 2">
-            <a:extLst>
-              <a:ext uri="{FF2B5EF4-FFF2-40B4-BE49-F238E27FC236}">
-                <a16:creationId xmlns:a16="http://schemas.microsoft.com/office/drawing/2014/main" id="{7381C32C-4C18-4CCD-9049-4A4BBE0DFE37}"/>
-              </a:ext>
-            </a:extLst>
-          </p:cNvPr>
-          <p:cNvSpPr>
-            <a:spLocks noGrp="1"/>
-          </p:cNvSpPr>
-          <p:nvPr>
-            <p:ph idx="1"/>
-          </p:nvPr>
-        </p:nvSpPr>
-        <p:spPr/>
-        <p:txBody>
-          <a:bodyPr/>
-          <a:lstStyle/>
-          <a:p>
-            <a:r>
-              <a:rPr lang="en-US" dirty="0"/>
-              <a:t>What is Web </a:t>
-            </a:r>
-            <a:r>
-              <a:rPr lang="en-US" dirty="0" err="1"/>
-              <a:t>api</a:t>
-            </a:r>
-            <a:endParaRPr lang="en-US" dirty="0"/>
-          </a:p>
-          <a:p>
-            <a:r>
-              <a:rPr lang="en-US" dirty="0"/>
-              <a:t>Web API components</a:t>
-            </a:r>
-          </a:p>
-          <a:p>
-            <a:r>
-              <a:rPr lang="en-US" dirty="0"/>
-              <a:t>How web </a:t>
-            </a:r>
-            <a:r>
-              <a:rPr lang="en-US" dirty="0" err="1"/>
-              <a:t>api</a:t>
-            </a:r>
-            <a:r>
-              <a:rPr lang="en-US" dirty="0"/>
-              <a:t> works</a:t>
-            </a:r>
-          </a:p>
-          <a:p>
-            <a:r>
-              <a:rPr lang="en-US" dirty="0"/>
-              <a:t>Data Formats</a:t>
-            </a:r>
-          </a:p>
-          <a:p>
-            <a:r>
-              <a:rPr lang="en-US" dirty="0"/>
-              <a:t>Assignment</a:t>
-            </a:r>
-          </a:p>
-          <a:p>
-            <a:endParaRPr lang="en-US" dirty="0"/>
-          </a:p>
-        </p:txBody>
-      </p:sp>
-    </p:spTree>
-    <p:extLst>
-      <p:ext uri="{BB962C8B-B14F-4D97-AF65-F5344CB8AC3E}">
-        <p14:creationId xmlns:p14="http://schemas.microsoft.com/office/powerpoint/2010/main" val="3279377774"/>
-      </p:ext>
-    </p:extLst>
-  </p:cSld>
-  <p:clrMapOvr>
-    <a:masterClrMapping/>
-  </p:clrMapOvr>
-</p:sld>
-</file>
-
-<file path=ppt/slides/slide3.xml><?xml version="1.0" encoding="utf-8"?>
-<p:sld xmlns:a="http://schemas.openxmlformats.org/drawingml/2006/main" xmlns:r="http://schemas.openxmlformats.org/officeDocument/2006/relationships" xmlns:p="http://schemas.openxmlformats.org/presentationml/2006/main">
-  <p:cSld>
-    <p:spTree>
-      <p:nvGrpSpPr>
-        <p:cNvPr id="1" name=""/>
-        <p:cNvGrpSpPr/>
-        <p:nvPr/>
-      </p:nvGrpSpPr>
-      <p:grpSpPr>
-        <a:xfrm>
-          <a:off x="0" y="0"/>
-          <a:ext cx="0" cy="0"/>
-          <a:chOff x="0" y="0"/>
-          <a:chExt cx="0" cy="0"/>
-        </a:xfrm>
-      </p:grpSpPr>
-      <p:sp>
-        <p:nvSpPr>
-          <p:cNvPr id="2" name="Title 1">
-            <a:extLst>
-              <a:ext uri="{FF2B5EF4-FFF2-40B4-BE49-F238E27FC236}">
-                <a16:creationId xmlns:a16="http://schemas.microsoft.com/office/drawing/2014/main" id="{60E1E694-D481-4886-81E0-508BE1CFCF35}"/>
-              </a:ext>
-            </a:extLst>
-          </p:cNvPr>
-          <p:cNvSpPr>
-            <a:spLocks noGrp="1"/>
-          </p:cNvSpPr>
-          <p:nvPr>
-            <p:ph type="title"/>
-          </p:nvPr>
-        </p:nvSpPr>
-        <p:spPr/>
-        <p:txBody>
-          <a:bodyPr/>
-          <a:lstStyle/>
-          <a:p>
-            <a:r>
-              <a:rPr lang="en-US" dirty="0"/>
-              <a:t>What is Web </a:t>
-            </a:r>
-            <a:r>
-              <a:rPr lang="en-US" dirty="0" err="1"/>
-              <a:t>api</a:t>
-            </a:r>
-            <a:endParaRPr lang="en-US" dirty="0"/>
-          </a:p>
-        </p:txBody>
-      </p:sp>
-      <p:sp>
-        <p:nvSpPr>
-          <p:cNvPr id="3" name="Content Placeholder 2">
-            <a:extLst>
-              <a:ext uri="{FF2B5EF4-FFF2-40B4-BE49-F238E27FC236}">
-                <a16:creationId xmlns:a16="http://schemas.microsoft.com/office/drawing/2014/main" id="{5AD1122B-8C06-4F83-8D20-D01D7CB64AEF}"/>
-              </a:ext>
-            </a:extLst>
-          </p:cNvPr>
-          <p:cNvSpPr>
-            <a:spLocks noGrp="1"/>
-          </p:cNvSpPr>
-          <p:nvPr>
-            <p:ph idx="1"/>
-          </p:nvPr>
-        </p:nvSpPr>
-        <p:spPr>
-          <a:xfrm>
-            <a:off x="581192" y="2180496"/>
-            <a:ext cx="11029615" cy="1921947"/>
-          </a:xfrm>
-        </p:spPr>
-        <p:txBody>
-          <a:bodyPr/>
-          <a:lstStyle/>
-          <a:p>
-            <a:r>
-              <a:rPr lang="en-US" dirty="0"/>
-              <a:t>Web API is a framework for building HTTP services that can be consumed by a broad range of clients including browsers, mobiles, </a:t>
-            </a:r>
-            <a:r>
-              <a:rPr lang="en-US" dirty="0" err="1"/>
-              <a:t>iphone</a:t>
-            </a:r>
-            <a:r>
-              <a:rPr lang="en-US" dirty="0"/>
-              <a:t> and tablets. </a:t>
-            </a:r>
-          </a:p>
-          <a:p>
-            <a:r>
-              <a:rPr lang="en-US" dirty="0"/>
-              <a:t>Web API is the great framework for exposing your data and service to different-different devices. </a:t>
-            </a:r>
-          </a:p>
-          <a:p>
-            <a:endParaRPr lang="en-US" dirty="0"/>
-          </a:p>
-        </p:txBody>
-      </p:sp>
-      <p:pic>
-        <p:nvPicPr>
-          <p:cNvPr id="5" name="Picture 4">
-            <a:extLst>
-              <a:ext uri="{FF2B5EF4-FFF2-40B4-BE49-F238E27FC236}">
-                <a16:creationId xmlns:a16="http://schemas.microsoft.com/office/drawing/2014/main" id="{6E65CE2F-8C2D-4A51-8E93-56FEE7C39204}"/>
-              </a:ext>
-            </a:extLst>
-          </p:cNvPr>
-          <p:cNvPicPr>
-            <a:picLocks noChangeAspect="1"/>
-          </p:cNvPicPr>
-          <p:nvPr/>
-        </p:nvPicPr>
-        <p:blipFill>
-          <a:blip r:embed="rId2"/>
-          <a:stretch>
-            <a:fillRect/>
-          </a:stretch>
-        </p:blipFill>
-        <p:spPr>
-          <a:xfrm>
-            <a:off x="2213687" y="3787744"/>
-            <a:ext cx="7764624" cy="2517032"/>
-          </a:xfrm>
-          <a:prstGeom prst="rect">
-            <a:avLst/>
-          </a:prstGeom>
-        </p:spPr>
-      </p:pic>
-    </p:spTree>
-    <p:extLst>
-      <p:ext uri="{BB962C8B-B14F-4D97-AF65-F5344CB8AC3E}">
-        <p14:creationId xmlns:p14="http://schemas.microsoft.com/office/powerpoint/2010/main" val="4120816385"/>
-      </p:ext>
-    </p:extLst>
-  </p:cSld>
-  <p:clrMapOvr>
-    <a:masterClrMapping/>
-  </p:clrMapOvr>
-</p:sld>
-</file>
-
-<file path=ppt/slides/slide4.xml><?xml version="1.0" encoding="utf-8"?>
-<p:sld xmlns:a="http://schemas.openxmlformats.org/drawingml/2006/main" xmlns:r="http://schemas.openxmlformats.org/officeDocument/2006/relationships" xmlns:p="http://schemas.openxmlformats.org/presentationml/2006/main">
-  <p:cSld>
-    <p:spTree>
-      <p:nvGrpSpPr>
-        <p:cNvPr id="1" name=""/>
-        <p:cNvGrpSpPr/>
-        <p:nvPr/>
-      </p:nvGrpSpPr>
-      <p:grpSpPr>
-        <a:xfrm>
-          <a:off x="0" y="0"/>
-          <a:ext cx="0" cy="0"/>
-          <a:chOff x="0" y="0"/>
-          <a:chExt cx="0" cy="0"/>
-        </a:xfrm>
-      </p:grpSpPr>
-      <p:sp>
-        <p:nvSpPr>
-          <p:cNvPr id="2" name="Title 1">
-            <a:extLst>
-              <a:ext uri="{FF2B5EF4-FFF2-40B4-BE49-F238E27FC236}">
-                <a16:creationId xmlns:a16="http://schemas.microsoft.com/office/drawing/2014/main" id="{D5328B9A-7E23-41D9-AD0D-72FFE9DBB0AA}"/>
-              </a:ext>
-            </a:extLst>
-          </p:cNvPr>
-          <p:cNvSpPr>
-            <a:spLocks noGrp="1"/>
-          </p:cNvSpPr>
-          <p:nvPr>
-            <p:ph type="title"/>
-          </p:nvPr>
-        </p:nvSpPr>
-        <p:spPr/>
-        <p:txBody>
-          <a:bodyPr/>
-          <a:lstStyle/>
-          <a:p>
-            <a:r>
-              <a:rPr lang="en-US" dirty="0"/>
-              <a:t>Web API components</a:t>
-            </a:r>
-          </a:p>
-        </p:txBody>
-      </p:sp>
-      <p:sp>
-        <p:nvSpPr>
-          <p:cNvPr id="3" name="Content Placeholder 2">
-            <a:extLst>
-              <a:ext uri="{FF2B5EF4-FFF2-40B4-BE49-F238E27FC236}">
-                <a16:creationId xmlns:a16="http://schemas.microsoft.com/office/drawing/2014/main" id="{CF26505D-D5CA-4FCD-8FF7-DE8121B74DFE}"/>
-              </a:ext>
-            </a:extLst>
-          </p:cNvPr>
-          <p:cNvSpPr>
-            <a:spLocks noGrp="1"/>
-          </p:cNvSpPr>
-          <p:nvPr>
-            <p:ph idx="1"/>
-          </p:nvPr>
-        </p:nvSpPr>
-        <p:spPr>
-          <a:xfrm>
-            <a:off x="575259" y="2011211"/>
-            <a:ext cx="3002267" cy="937525"/>
-          </a:xfrm>
-        </p:spPr>
-        <p:txBody>
-          <a:bodyPr>
-            <a:normAutofit/>
-          </a:bodyPr>
-          <a:lstStyle/>
-          <a:p>
-            <a:r>
-              <a:rPr lang="en-US" b="1" dirty="0"/>
-              <a:t>HTTP Request</a:t>
-            </a:r>
-          </a:p>
-          <a:p>
-            <a:pPr marL="0" indent="0">
-              <a:buNone/>
-            </a:pPr>
-            <a:endParaRPr lang="en-US" dirty="0"/>
-          </a:p>
-          <a:p>
-            <a:pPr lvl="1"/>
-            <a:endParaRPr lang="en-US" dirty="0"/>
-          </a:p>
-        </p:txBody>
-      </p:sp>
-      <p:pic>
-        <p:nvPicPr>
-          <p:cNvPr id="7" name="Picture 6">
-            <a:extLst>
-              <a:ext uri="{FF2B5EF4-FFF2-40B4-BE49-F238E27FC236}">
-                <a16:creationId xmlns:a16="http://schemas.microsoft.com/office/drawing/2014/main" id="{304D3C93-7B93-4550-A691-FA13A3786B63}"/>
-              </a:ext>
-            </a:extLst>
-          </p:cNvPr>
-          <p:cNvPicPr>
-            <a:picLocks noChangeAspect="1"/>
-          </p:cNvPicPr>
-          <p:nvPr/>
-        </p:nvPicPr>
-        <p:blipFill rotWithShape="1">
-          <a:blip r:embed="rId2"/>
-          <a:srcRect t="5411" r="6209"/>
-          <a:stretch/>
-        </p:blipFill>
-        <p:spPr>
-          <a:xfrm>
-            <a:off x="575259" y="2376829"/>
-            <a:ext cx="5221028" cy="3685811"/>
-          </a:xfrm>
-          <a:prstGeom prst="rect">
-            <a:avLst/>
-          </a:prstGeom>
-        </p:spPr>
-      </p:pic>
-      <p:pic>
-        <p:nvPicPr>
-          <p:cNvPr id="9" name="Picture 8">
-            <a:extLst>
-              <a:ext uri="{FF2B5EF4-FFF2-40B4-BE49-F238E27FC236}">
-                <a16:creationId xmlns:a16="http://schemas.microsoft.com/office/drawing/2014/main" id="{97390264-9CCF-42F8-A43C-B2B90B26E9C7}"/>
-              </a:ext>
-            </a:extLst>
-          </p:cNvPr>
-          <p:cNvPicPr>
-            <a:picLocks noChangeAspect="1"/>
-          </p:cNvPicPr>
-          <p:nvPr/>
-        </p:nvPicPr>
-        <p:blipFill rotWithShape="1">
-          <a:blip r:embed="rId3"/>
-          <a:srcRect t="6172" r="7919" b="2297"/>
-          <a:stretch/>
-        </p:blipFill>
-        <p:spPr>
-          <a:xfrm>
-            <a:off x="6395715" y="2479974"/>
-            <a:ext cx="5123698" cy="3055854"/>
-          </a:xfrm>
-          <a:prstGeom prst="rect">
-            <a:avLst/>
-          </a:prstGeom>
-        </p:spPr>
-      </p:pic>
-      <p:sp>
-        <p:nvSpPr>
-          <p:cNvPr id="10" name="Content Placeholder 2">
-            <a:extLst>
-              <a:ext uri="{FF2B5EF4-FFF2-40B4-BE49-F238E27FC236}">
-                <a16:creationId xmlns:a16="http://schemas.microsoft.com/office/drawing/2014/main" id="{9FB9DE3B-7262-4DCC-B2AF-E2A2673DA659}"/>
-              </a:ext>
-            </a:extLst>
-          </p:cNvPr>
-          <p:cNvSpPr txBox="1">
-            <a:spLocks/>
-          </p:cNvSpPr>
-          <p:nvPr/>
-        </p:nvSpPr>
-        <p:spPr>
-          <a:xfrm>
-            <a:off x="7505094" y="2011212"/>
-            <a:ext cx="3002267" cy="937525"/>
-          </a:xfrm>
-          <a:prstGeom prst="rect">
-            <a:avLst/>
-          </a:prstGeom>
-        </p:spPr>
-        <p:txBody>
-          <a:bodyPr vert="horz" lIns="91440" tIns="45720" rIns="91440" bIns="45720" rtlCol="0" anchor="ctr">
-            <a:normAutofit/>
-          </a:bodyPr>
-          <a:lstStyle>
-            <a:lvl1pPr marL="306000" indent="-306000" algn="l" defTabSz="457200" rtl="0" eaLnBrk="1" latinLnBrk="0" hangingPunct="1">
-              <a:spcBef>
-                <a:spcPct val="20000"/>
-              </a:spcBef>
-              <a:spcAft>
-                <a:spcPts val="600"/>
-              </a:spcAft>
-              <a:buClr>
-                <a:schemeClr val="accent2"/>
-              </a:buClr>
-              <a:buSzPct val="92000"/>
-              <a:buFont typeface="Wingdings 2" panose="05020102010507070707" pitchFamily="18" charset="2"/>
-              <a:buChar char=""/>
-              <a:defRPr sz="1800" kern="1200">
-                <a:solidFill>
-                  <a:schemeClr val="tx2"/>
-                </a:solidFill>
-                <a:latin typeface="+mn-lt"/>
-                <a:ea typeface="+mn-ea"/>
-                <a:cs typeface="+mn-cs"/>
-              </a:defRPr>
-            </a:lvl1pPr>
-            <a:lvl2pPr marL="630000" indent="-306000" algn="l" defTabSz="457200" rtl="0" eaLnBrk="1" latinLnBrk="0" hangingPunct="1">
-              <a:spcBef>
-                <a:spcPct val="20000"/>
-              </a:spcBef>
-              <a:spcAft>
-                <a:spcPts val="600"/>
-              </a:spcAft>
-              <a:buClr>
-                <a:schemeClr val="accent2"/>
-              </a:buClr>
-              <a:buSzPct val="92000"/>
-              <a:buFont typeface="Wingdings 2" panose="05020102010507070707" pitchFamily="18" charset="2"/>
-              <a:buChar char=""/>
-              <a:defRPr sz="1600" kern="1200">
-                <a:solidFill>
-                  <a:schemeClr val="tx2"/>
-                </a:solidFill>
-                <a:latin typeface="+mn-lt"/>
-                <a:ea typeface="+mn-ea"/>
-                <a:cs typeface="+mn-cs"/>
-              </a:defRPr>
-            </a:lvl2pPr>
-            <a:lvl3pPr marL="900000" indent="-270000" algn="l" defTabSz="457200" rtl="0" eaLnBrk="1" latinLnBrk="0" hangingPunct="1">
-              <a:spcBef>
-                <a:spcPct val="20000"/>
-              </a:spcBef>
-              <a:spcAft>
-                <a:spcPts val="600"/>
-              </a:spcAft>
-              <a:buClr>
-                <a:schemeClr val="accent2"/>
-              </a:buClr>
-              <a:buSzPct val="92000"/>
-              <a:buFont typeface="Wingdings 2" panose="05020102010507070707" pitchFamily="18" charset="2"/>
-              <a:buChar char=""/>
-              <a:defRPr sz="1400" kern="1200">
-                <a:solidFill>
-                  <a:schemeClr val="tx2"/>
-                </a:solidFill>
-                <a:latin typeface="+mn-lt"/>
-                <a:ea typeface="+mn-ea"/>
-                <a:cs typeface="+mn-cs"/>
-              </a:defRPr>
-            </a:lvl3pPr>
-            <a:lvl4pPr marL="1242000" indent="-234000" algn="l" defTabSz="457200" rtl="0" eaLnBrk="1" latinLnBrk="0" hangingPunct="1">
-              <a:spcBef>
-                <a:spcPct val="20000"/>
-              </a:spcBef>
-              <a:spcAft>
-                <a:spcPts val="600"/>
-              </a:spcAft>
-              <a:buClr>
-                <a:schemeClr val="accent2"/>
-              </a:buClr>
-              <a:buSzPct val="92000"/>
-              <a:buFont typeface="Wingdings 2" panose="05020102010507070707" pitchFamily="18" charset="2"/>
-              <a:buChar char=""/>
-              <a:defRPr sz="1200" kern="1200">
-                <a:solidFill>
-                  <a:schemeClr val="tx2"/>
-                </a:solidFill>
-                <a:latin typeface="+mn-lt"/>
-                <a:ea typeface="+mn-ea"/>
-                <a:cs typeface="+mn-cs"/>
-              </a:defRPr>
-            </a:lvl4pPr>
-            <a:lvl5pPr marL="1602000" indent="-234000" algn="l" defTabSz="457200" rtl="0" eaLnBrk="1" latinLnBrk="0" hangingPunct="1">
-              <a:spcBef>
-                <a:spcPct val="20000"/>
-              </a:spcBef>
-              <a:spcAft>
-                <a:spcPts val="600"/>
-              </a:spcAft>
-              <a:buClr>
-                <a:schemeClr val="accent2"/>
-              </a:buClr>
-              <a:buSzPct val="92000"/>
-              <a:buFont typeface="Wingdings 2" panose="05020102010507070707" pitchFamily="18" charset="2"/>
-              <a:buChar char=""/>
-              <a:defRPr sz="1200" kern="1200">
-                <a:solidFill>
-                  <a:schemeClr val="tx2"/>
-                </a:solidFill>
-                <a:latin typeface="+mn-lt"/>
-                <a:ea typeface="+mn-ea"/>
-                <a:cs typeface="+mn-cs"/>
-              </a:defRPr>
-            </a:lvl5pPr>
-            <a:lvl6pPr marL="1900000" indent="-228600" algn="l" defTabSz="457200" rtl="0" eaLnBrk="1" latinLnBrk="0" hangingPunct="1">
-              <a:spcBef>
-                <a:spcPct val="20000"/>
-              </a:spcBef>
-              <a:spcAft>
-                <a:spcPts val="600"/>
-              </a:spcAft>
-              <a:buClr>
-                <a:schemeClr val="accent2"/>
-              </a:buClr>
-              <a:buSzPct val="92000"/>
-              <a:buFont typeface="Wingdings 2" panose="05020102010507070707" pitchFamily="18" charset="2"/>
-              <a:buChar char=""/>
-              <a:defRPr sz="1200" kern="1200">
-                <a:solidFill>
-                  <a:schemeClr val="tx2"/>
-                </a:solidFill>
-                <a:latin typeface="+mn-lt"/>
-                <a:ea typeface="+mn-ea"/>
-                <a:cs typeface="+mn-cs"/>
-              </a:defRPr>
-            </a:lvl6pPr>
-            <a:lvl7pPr marL="2200000" indent="-228600" algn="l" defTabSz="457200" rtl="0" eaLnBrk="1" latinLnBrk="0" hangingPunct="1">
-              <a:spcBef>
-                <a:spcPct val="20000"/>
-              </a:spcBef>
-              <a:spcAft>
-                <a:spcPts val="600"/>
-              </a:spcAft>
-              <a:buClr>
-                <a:schemeClr val="accent2"/>
-              </a:buClr>
-              <a:buSzPct val="92000"/>
-              <a:buFont typeface="Wingdings 2" panose="05020102010507070707" pitchFamily="18" charset="2"/>
-              <a:buChar char=""/>
-              <a:defRPr sz="1200" kern="1200">
-                <a:solidFill>
-                  <a:schemeClr val="tx2"/>
-                </a:solidFill>
-                <a:latin typeface="+mn-lt"/>
-                <a:ea typeface="+mn-ea"/>
-                <a:cs typeface="+mn-cs"/>
-              </a:defRPr>
-            </a:lvl7pPr>
-            <a:lvl8pPr marL="2500000" indent="-228600" algn="l" defTabSz="457200" rtl="0" eaLnBrk="1" latinLnBrk="0" hangingPunct="1">
-              <a:spcBef>
-                <a:spcPct val="20000"/>
-              </a:spcBef>
-              <a:spcAft>
-                <a:spcPts val="600"/>
-              </a:spcAft>
-              <a:buClr>
-                <a:schemeClr val="accent2"/>
-              </a:buClr>
-              <a:buSzPct val="92000"/>
-              <a:buFont typeface="Wingdings 2" panose="05020102010507070707" pitchFamily="18" charset="2"/>
-              <a:buChar char=""/>
-              <a:defRPr sz="1200" kern="1200">
-                <a:solidFill>
-                  <a:schemeClr val="tx2"/>
-                </a:solidFill>
-                <a:latin typeface="+mn-lt"/>
-                <a:ea typeface="+mn-ea"/>
-                <a:cs typeface="+mn-cs"/>
-              </a:defRPr>
-            </a:lvl8pPr>
-            <a:lvl9pPr marL="2800000" indent="-228600" algn="l" defTabSz="457200" rtl="0" eaLnBrk="1" latinLnBrk="0" hangingPunct="1">
-              <a:spcBef>
-                <a:spcPct val="20000"/>
-              </a:spcBef>
-              <a:spcAft>
-                <a:spcPts val="600"/>
-              </a:spcAft>
-              <a:buClr>
-                <a:schemeClr val="accent2"/>
-              </a:buClr>
-              <a:buSzPct val="92000"/>
-              <a:buFont typeface="Wingdings 2" panose="05020102010507070707" pitchFamily="18" charset="2"/>
-              <a:buChar char=""/>
-              <a:defRPr sz="1200" kern="1200">
-                <a:solidFill>
-                  <a:schemeClr val="tx2"/>
-                </a:solidFill>
-                <a:latin typeface="+mn-lt"/>
-                <a:ea typeface="+mn-ea"/>
-                <a:cs typeface="+mn-cs"/>
-              </a:defRPr>
-            </a:lvl9pPr>
-          </a:lstStyle>
-          <a:p>
-            <a:r>
-              <a:rPr lang="en-US" b="1" dirty="0"/>
-              <a:t>HTTP Response</a:t>
-            </a:r>
-          </a:p>
-          <a:p>
-            <a:pPr marL="0" indent="0">
-              <a:buFont typeface="Wingdings 2" panose="05020102010507070707" pitchFamily="18" charset="2"/>
-              <a:buNone/>
-            </a:pPr>
-            <a:endParaRPr lang="en-US" dirty="0"/>
-          </a:p>
-          <a:p>
-            <a:pPr lvl="1"/>
-            <a:endParaRPr lang="en-US" dirty="0"/>
-          </a:p>
-        </p:txBody>
-      </p:sp>
-    </p:spTree>
-    <p:extLst>
-      <p:ext uri="{BB962C8B-B14F-4D97-AF65-F5344CB8AC3E}">
-        <p14:creationId xmlns:p14="http://schemas.microsoft.com/office/powerpoint/2010/main" val="4025200346"/>
-      </p:ext>
-    </p:extLst>
-  </p:cSld>
-  <p:clrMapOvr>
-    <a:masterClrMapping/>
-  </p:clrMapOvr>
-</p:sld>
-</file>
-
-<file path=ppt/slides/slide5.xml><?xml version="1.0" encoding="utf-8"?>
-<p:sld xmlns:a="http://schemas.openxmlformats.org/drawingml/2006/main" xmlns:r="http://schemas.openxmlformats.org/officeDocument/2006/relationships" xmlns:p="http://schemas.openxmlformats.org/presentationml/2006/main">
-  <p:cSld>
-    <p:spTree>
-      <p:nvGrpSpPr>
-        <p:cNvPr id="1" name=""/>
-        <p:cNvGrpSpPr/>
-        <p:nvPr/>
-      </p:nvGrpSpPr>
-      <p:grpSpPr>
-        <a:xfrm>
-          <a:off x="0" y="0"/>
-          <a:ext cx="0" cy="0"/>
-          <a:chOff x="0" y="0"/>
-          <a:chExt cx="0" cy="0"/>
-        </a:xfrm>
-      </p:grpSpPr>
-      <p:sp>
-        <p:nvSpPr>
-          <p:cNvPr id="2" name="Title 1">
-            <a:extLst>
-              <a:ext uri="{FF2B5EF4-FFF2-40B4-BE49-F238E27FC236}">
-                <a16:creationId xmlns:a16="http://schemas.microsoft.com/office/drawing/2014/main" id="{D5328B9A-7E23-41D9-AD0D-72FFE9DBB0AA}"/>
-              </a:ext>
-            </a:extLst>
-          </p:cNvPr>
-          <p:cNvSpPr>
-            <a:spLocks noGrp="1"/>
-          </p:cNvSpPr>
-          <p:nvPr>
-            <p:ph type="title"/>
-          </p:nvPr>
-        </p:nvSpPr>
-        <p:spPr/>
-        <p:txBody>
-          <a:bodyPr/>
-          <a:lstStyle/>
-          <a:p>
-            <a:r>
-              <a:rPr lang="en-US" dirty="0"/>
-              <a:t>Web API components</a:t>
-            </a:r>
-          </a:p>
-        </p:txBody>
-      </p:sp>
-      <p:sp>
-        <p:nvSpPr>
-          <p:cNvPr id="6" name="Content Placeholder 2">
-            <a:extLst>
-              <a:ext uri="{FF2B5EF4-FFF2-40B4-BE49-F238E27FC236}">
-                <a16:creationId xmlns:a16="http://schemas.microsoft.com/office/drawing/2014/main" id="{AD545B91-5301-44A5-BB20-762A3E8D0B88}"/>
-              </a:ext>
-            </a:extLst>
-          </p:cNvPr>
-          <p:cNvSpPr txBox="1">
-            <a:spLocks/>
-          </p:cNvSpPr>
-          <p:nvPr/>
-        </p:nvSpPr>
-        <p:spPr>
-          <a:xfrm>
-            <a:off x="444844" y="2180496"/>
-            <a:ext cx="11261124" cy="4467439"/>
-          </a:xfrm>
-          <a:prstGeom prst="rect">
-            <a:avLst/>
-          </a:prstGeom>
-        </p:spPr>
-        <p:txBody>
-          <a:bodyPr vert="horz" lIns="91440" tIns="45720" rIns="91440" bIns="45720" rtlCol="0" anchor="ctr">
-            <a:normAutofit fontScale="92500" lnSpcReduction="20000"/>
-          </a:bodyPr>
-          <a:lstStyle>
-            <a:lvl1pPr marL="306000" indent="-306000" algn="l" defTabSz="457200" rtl="0" eaLnBrk="1" latinLnBrk="0" hangingPunct="1">
-              <a:spcBef>
-                <a:spcPct val="20000"/>
-              </a:spcBef>
-              <a:spcAft>
-                <a:spcPts val="600"/>
-              </a:spcAft>
-              <a:buClr>
-                <a:schemeClr val="accent2"/>
-              </a:buClr>
-              <a:buSzPct val="92000"/>
-              <a:buFont typeface="Wingdings 2" panose="05020102010507070707" pitchFamily="18" charset="2"/>
-              <a:buChar char=""/>
-              <a:defRPr sz="1800" kern="1200">
-                <a:solidFill>
-                  <a:schemeClr val="tx2"/>
-                </a:solidFill>
-                <a:latin typeface="+mn-lt"/>
-                <a:ea typeface="+mn-ea"/>
-                <a:cs typeface="+mn-cs"/>
-              </a:defRPr>
-            </a:lvl1pPr>
-            <a:lvl2pPr marL="630000" indent="-306000" algn="l" defTabSz="457200" rtl="0" eaLnBrk="1" latinLnBrk="0" hangingPunct="1">
-              <a:spcBef>
-                <a:spcPct val="20000"/>
-              </a:spcBef>
-              <a:spcAft>
-                <a:spcPts val="600"/>
-              </a:spcAft>
-              <a:buClr>
-                <a:schemeClr val="accent2"/>
-              </a:buClr>
-              <a:buSzPct val="92000"/>
-              <a:buFont typeface="Wingdings 2" panose="05020102010507070707" pitchFamily="18" charset="2"/>
-              <a:buChar char=""/>
-              <a:defRPr sz="1600" kern="1200">
-                <a:solidFill>
-                  <a:schemeClr val="tx2"/>
-                </a:solidFill>
-                <a:latin typeface="+mn-lt"/>
-                <a:ea typeface="+mn-ea"/>
-                <a:cs typeface="+mn-cs"/>
-              </a:defRPr>
-            </a:lvl2pPr>
-            <a:lvl3pPr marL="900000" indent="-270000" algn="l" defTabSz="457200" rtl="0" eaLnBrk="1" latinLnBrk="0" hangingPunct="1">
-              <a:spcBef>
-                <a:spcPct val="20000"/>
-              </a:spcBef>
-              <a:spcAft>
-                <a:spcPts val="600"/>
-              </a:spcAft>
-              <a:buClr>
-                <a:schemeClr val="accent2"/>
-              </a:buClr>
-              <a:buSzPct val="92000"/>
-              <a:buFont typeface="Wingdings 2" panose="05020102010507070707" pitchFamily="18" charset="2"/>
-              <a:buChar char=""/>
-              <a:defRPr sz="1400" kern="1200">
-                <a:solidFill>
-                  <a:schemeClr val="tx2"/>
-                </a:solidFill>
-                <a:latin typeface="+mn-lt"/>
-                <a:ea typeface="+mn-ea"/>
-                <a:cs typeface="+mn-cs"/>
-              </a:defRPr>
-            </a:lvl3pPr>
-            <a:lvl4pPr marL="1242000" indent="-234000" algn="l" defTabSz="457200" rtl="0" eaLnBrk="1" latinLnBrk="0" hangingPunct="1">
-              <a:spcBef>
-                <a:spcPct val="20000"/>
-              </a:spcBef>
-              <a:spcAft>
-                <a:spcPts val="600"/>
-              </a:spcAft>
-              <a:buClr>
-                <a:schemeClr val="accent2"/>
-              </a:buClr>
-              <a:buSzPct val="92000"/>
-              <a:buFont typeface="Wingdings 2" panose="05020102010507070707" pitchFamily="18" charset="2"/>
-              <a:buChar char=""/>
-              <a:defRPr sz="1200" kern="1200">
-                <a:solidFill>
-                  <a:schemeClr val="tx2"/>
-                </a:solidFill>
-                <a:latin typeface="+mn-lt"/>
-                <a:ea typeface="+mn-ea"/>
-                <a:cs typeface="+mn-cs"/>
-              </a:defRPr>
-            </a:lvl4pPr>
-            <a:lvl5pPr marL="1602000" indent="-234000" algn="l" defTabSz="457200" rtl="0" eaLnBrk="1" latinLnBrk="0" hangingPunct="1">
-              <a:spcBef>
-                <a:spcPct val="20000"/>
-              </a:spcBef>
-              <a:spcAft>
-                <a:spcPts val="600"/>
-              </a:spcAft>
-              <a:buClr>
-                <a:schemeClr val="accent2"/>
-              </a:buClr>
-              <a:buSzPct val="92000"/>
-              <a:buFont typeface="Wingdings 2" panose="05020102010507070707" pitchFamily="18" charset="2"/>
-              <a:buChar char=""/>
-              <a:defRPr sz="1200" kern="1200">
-                <a:solidFill>
-                  <a:schemeClr val="tx2"/>
-                </a:solidFill>
-                <a:latin typeface="+mn-lt"/>
-                <a:ea typeface="+mn-ea"/>
-                <a:cs typeface="+mn-cs"/>
-              </a:defRPr>
-            </a:lvl5pPr>
-            <a:lvl6pPr marL="1900000" indent="-228600" algn="l" defTabSz="457200" rtl="0" eaLnBrk="1" latinLnBrk="0" hangingPunct="1">
-              <a:spcBef>
-                <a:spcPct val="20000"/>
-              </a:spcBef>
-              <a:spcAft>
-                <a:spcPts val="600"/>
-              </a:spcAft>
-              <a:buClr>
-                <a:schemeClr val="accent2"/>
-              </a:buClr>
-              <a:buSzPct val="92000"/>
-              <a:buFont typeface="Wingdings 2" panose="05020102010507070707" pitchFamily="18" charset="2"/>
-              <a:buChar char=""/>
-              <a:defRPr sz="1200" kern="1200">
-                <a:solidFill>
-                  <a:schemeClr val="tx2"/>
-                </a:solidFill>
-                <a:latin typeface="+mn-lt"/>
-                <a:ea typeface="+mn-ea"/>
-                <a:cs typeface="+mn-cs"/>
-              </a:defRPr>
-            </a:lvl6pPr>
-            <a:lvl7pPr marL="2200000" indent="-228600" algn="l" defTabSz="457200" rtl="0" eaLnBrk="1" latinLnBrk="0" hangingPunct="1">
-              <a:spcBef>
-                <a:spcPct val="20000"/>
-              </a:spcBef>
-              <a:spcAft>
-                <a:spcPts val="600"/>
-              </a:spcAft>
-              <a:buClr>
-                <a:schemeClr val="accent2"/>
-              </a:buClr>
-              <a:buSzPct val="92000"/>
-              <a:buFont typeface="Wingdings 2" panose="05020102010507070707" pitchFamily="18" charset="2"/>
-              <a:buChar char=""/>
-              <a:defRPr sz="1200" kern="1200">
-                <a:solidFill>
-                  <a:schemeClr val="tx2"/>
-                </a:solidFill>
-                <a:latin typeface="+mn-lt"/>
-                <a:ea typeface="+mn-ea"/>
-                <a:cs typeface="+mn-cs"/>
-              </a:defRPr>
-            </a:lvl7pPr>
-            <a:lvl8pPr marL="2500000" indent="-228600" algn="l" defTabSz="457200" rtl="0" eaLnBrk="1" latinLnBrk="0" hangingPunct="1">
-              <a:spcBef>
-                <a:spcPct val="20000"/>
-              </a:spcBef>
-              <a:spcAft>
-                <a:spcPts val="600"/>
-              </a:spcAft>
-              <a:buClr>
-                <a:schemeClr val="accent2"/>
-              </a:buClr>
-              <a:buSzPct val="92000"/>
-              <a:buFont typeface="Wingdings 2" panose="05020102010507070707" pitchFamily="18" charset="2"/>
-              <a:buChar char=""/>
-              <a:defRPr sz="1200" kern="1200">
-                <a:solidFill>
-                  <a:schemeClr val="tx2"/>
-                </a:solidFill>
-                <a:latin typeface="+mn-lt"/>
-                <a:ea typeface="+mn-ea"/>
-                <a:cs typeface="+mn-cs"/>
-              </a:defRPr>
-            </a:lvl8pPr>
-            <a:lvl9pPr marL="2800000" indent="-228600" algn="l" defTabSz="457200" rtl="0" eaLnBrk="1" latinLnBrk="0" hangingPunct="1">
-              <a:spcBef>
-                <a:spcPct val="20000"/>
-              </a:spcBef>
-              <a:spcAft>
-                <a:spcPts val="600"/>
-              </a:spcAft>
-              <a:buClr>
-                <a:schemeClr val="accent2"/>
-              </a:buClr>
-              <a:buSzPct val="92000"/>
-              <a:buFont typeface="Wingdings 2" panose="05020102010507070707" pitchFamily="18" charset="2"/>
-              <a:buChar char=""/>
-              <a:defRPr sz="1200" kern="1200">
-                <a:solidFill>
-                  <a:schemeClr val="tx2"/>
-                </a:solidFill>
-                <a:latin typeface="+mn-lt"/>
-                <a:ea typeface="+mn-ea"/>
-                <a:cs typeface="+mn-cs"/>
-              </a:defRPr>
-            </a:lvl9pPr>
-          </a:lstStyle>
-          <a:p>
-            <a:r>
-              <a:rPr lang="en-US" b="1" dirty="0"/>
-              <a:t>URL</a:t>
-            </a:r>
-          </a:p>
-          <a:p>
-            <a:pPr lvl="1"/>
-            <a:r>
-              <a:rPr lang="en-US" dirty="0"/>
-              <a:t>URLs become an easy way for the client to tell the server which things it wants to interact with, called </a:t>
-            </a:r>
-            <a:r>
-              <a:rPr lang="en-US" b="1" dirty="0"/>
-              <a:t>resources</a:t>
-            </a:r>
-            <a:r>
-              <a:rPr lang="en-US" dirty="0"/>
-              <a:t>.</a:t>
-            </a:r>
-          </a:p>
-          <a:p>
-            <a:r>
-              <a:rPr lang="en-US" b="1" dirty="0"/>
-              <a:t>Method</a:t>
-            </a:r>
-          </a:p>
-          <a:p>
-            <a:pPr lvl="1"/>
-            <a:r>
-              <a:rPr lang="en-US" dirty="0"/>
-              <a:t>The method request tells the server what kind of action the client wants the server to take in. The four most commonly seen in API’s are:</a:t>
-            </a:r>
-          </a:p>
-          <a:p>
-            <a:pPr lvl="1"/>
-            <a:r>
-              <a:rPr lang="en-US" dirty="0"/>
-              <a:t>GET — Asks the server to retrieve a resource.</a:t>
-            </a:r>
-            <a:br>
-              <a:rPr lang="en-US" dirty="0"/>
-            </a:br>
-            <a:r>
-              <a:rPr lang="en-US" dirty="0"/>
-              <a:t>POST — Asks the server to create a new resource.</a:t>
-            </a:r>
-            <a:br>
-              <a:rPr lang="en-US" dirty="0"/>
-            </a:br>
-            <a:r>
-              <a:rPr lang="en-US" dirty="0"/>
-              <a:t>PUT — Asks the server to edit/update an existing resource.</a:t>
-            </a:r>
-            <a:br>
-              <a:rPr lang="en-US" dirty="0"/>
-            </a:br>
-            <a:r>
-              <a:rPr lang="en-US" dirty="0"/>
-              <a:t>DELETE — Asks the server to delete a resource.</a:t>
-            </a:r>
-          </a:p>
-          <a:p>
-            <a:r>
-              <a:rPr lang="en-US" b="1" dirty="0"/>
-              <a:t>Headers</a:t>
-            </a:r>
-          </a:p>
-          <a:p>
-            <a:pPr lvl="1"/>
-            <a:r>
-              <a:rPr lang="en-US" dirty="0"/>
-              <a:t>Headers provide meta-information about a request.</a:t>
-            </a:r>
-          </a:p>
-          <a:p>
-            <a:r>
-              <a:rPr lang="en-US" b="1" dirty="0"/>
-              <a:t>Body</a:t>
-            </a:r>
-          </a:p>
-          <a:p>
-            <a:pPr lvl="1"/>
-            <a:r>
-              <a:rPr lang="en-US" dirty="0"/>
-              <a:t>The request body contains the data the client wants to send the server.</a:t>
-            </a:r>
-          </a:p>
-          <a:p>
-            <a:r>
-              <a:rPr lang="en-US" b="1" dirty="0"/>
-              <a:t>Status code </a:t>
-            </a:r>
-          </a:p>
-          <a:p>
-            <a:pPr lvl="1"/>
-            <a:r>
-              <a:rPr lang="en-US" dirty="0"/>
-              <a:t>Status code are three-digit numbers.</a:t>
-            </a:r>
-          </a:p>
-        </p:txBody>
-      </p:sp>
-    </p:spTree>
-    <p:extLst>
-      <p:ext uri="{BB962C8B-B14F-4D97-AF65-F5344CB8AC3E}">
-        <p14:creationId xmlns:p14="http://schemas.microsoft.com/office/powerpoint/2010/main" val="1449793550"/>
-      </p:ext>
-    </p:extLst>
-  </p:cSld>
-  <p:clrMapOvr>
-    <a:masterClrMapping/>
-  </p:clrMapOvr>
-</p:sld>
-</file>
-
-<file path=ppt/slides/slide6.xml><?xml version="1.0" encoding="utf-8"?>
+<file path=ppt/slides/slide10.xml><?xml version="1.0" encoding="utf-8"?>
 <p:sld xmlns:a="http://schemas.openxmlformats.org/drawingml/2006/main" xmlns:r="http://schemas.openxmlformats.org/officeDocument/2006/relationships" xmlns:p="http://schemas.openxmlformats.org/presentationml/2006/main">
   <p:cSld>
     <p:spTree>
@@ -5120,7 +4063,434 @@
 </p:sld>
 </file>
 
-<file path=ppt/slides/slide7.xml><?xml version="1.0" encoding="utf-8"?>
+<file path=ppt/slides/slide11.xml><?xml version="1.0" encoding="utf-8"?>
+<p:sld xmlns:a="http://schemas.openxmlformats.org/drawingml/2006/main" xmlns:r="http://schemas.openxmlformats.org/officeDocument/2006/relationships" xmlns:p="http://schemas.openxmlformats.org/presentationml/2006/main">
+  <p:cSld>
+    <p:spTree>
+      <p:nvGrpSpPr>
+        <p:cNvPr id="1" name=""/>
+        <p:cNvGrpSpPr/>
+        <p:nvPr/>
+      </p:nvGrpSpPr>
+      <p:grpSpPr>
+        <a:xfrm>
+          <a:off x="0" y="0"/>
+          <a:ext cx="0" cy="0"/>
+          <a:chOff x="0" y="0"/>
+          <a:chExt cx="0" cy="0"/>
+        </a:xfrm>
+      </p:grpSpPr>
+      <p:sp>
+        <p:nvSpPr>
+          <p:cNvPr id="2" name="Title 1">
+            <a:extLst>
+              <a:ext uri="{FF2B5EF4-FFF2-40B4-BE49-F238E27FC236}">
+                <a16:creationId xmlns:a16="http://schemas.microsoft.com/office/drawing/2014/main" id="{D476406C-8553-4B14-BAC3-368762562FDE}"/>
+              </a:ext>
+            </a:extLst>
+          </p:cNvPr>
+          <p:cNvSpPr>
+            <a:spLocks noGrp="1"/>
+          </p:cNvSpPr>
+          <p:nvPr>
+            <p:ph type="title"/>
+          </p:nvPr>
+        </p:nvSpPr>
+        <p:spPr/>
+        <p:txBody>
+          <a:bodyPr/>
+          <a:lstStyle/>
+          <a:p>
+            <a:r>
+              <a:rPr lang="en-US" dirty="0"/>
+              <a:t>Cross-Origin Resource Sharing (CORS)</a:t>
+            </a:r>
+          </a:p>
+        </p:txBody>
+      </p:sp>
+      <p:sp>
+        <p:nvSpPr>
+          <p:cNvPr id="11" name="Content Placeholder 10">
+            <a:extLst>
+              <a:ext uri="{FF2B5EF4-FFF2-40B4-BE49-F238E27FC236}">
+                <a16:creationId xmlns:a16="http://schemas.microsoft.com/office/drawing/2014/main" id="{A080354F-EBE2-423D-A69D-F80DF19219D6}"/>
+              </a:ext>
+            </a:extLst>
+          </p:cNvPr>
+          <p:cNvSpPr>
+            <a:spLocks noGrp="1"/>
+          </p:cNvSpPr>
+          <p:nvPr>
+            <p:ph idx="1"/>
+          </p:nvPr>
+        </p:nvSpPr>
+        <p:spPr>
+          <a:xfrm>
+            <a:off x="581192" y="2180497"/>
+            <a:ext cx="11029615" cy="1394726"/>
+          </a:xfrm>
+        </p:spPr>
+        <p:txBody>
+          <a:bodyPr/>
+          <a:lstStyle/>
+          <a:p>
+            <a:pPr marL="0" indent="0">
+              <a:buNone/>
+            </a:pPr>
+            <a:r>
+              <a:rPr lang="en-US" dirty="0"/>
+              <a:t>	Cross-Origin Resource Sharing (CORS) is a mechanism that uses additional HTTP headers to tell a browser to let a web application running at one origin (domain) have permission to access selected resources from a server at a different origin</a:t>
+            </a:r>
+          </a:p>
+        </p:txBody>
+      </p:sp>
+      <p:pic>
+        <p:nvPicPr>
+          <p:cNvPr id="13" name="Picture 12">
+            <a:extLst>
+              <a:ext uri="{FF2B5EF4-FFF2-40B4-BE49-F238E27FC236}">
+                <a16:creationId xmlns:a16="http://schemas.microsoft.com/office/drawing/2014/main" id="{92F4CD2D-61A4-401D-82FF-0FFC81FDA64C}"/>
+              </a:ext>
+            </a:extLst>
+          </p:cNvPr>
+          <p:cNvPicPr>
+            <a:picLocks noChangeAspect="1"/>
+          </p:cNvPicPr>
+          <p:nvPr/>
+        </p:nvPicPr>
+        <p:blipFill>
+          <a:blip r:embed="rId2"/>
+          <a:stretch>
+            <a:fillRect/>
+          </a:stretch>
+        </p:blipFill>
+        <p:spPr>
+          <a:xfrm>
+            <a:off x="3387012" y="3201532"/>
+            <a:ext cx="4893614" cy="3401723"/>
+          </a:xfrm>
+          <a:prstGeom prst="rect">
+            <a:avLst/>
+          </a:prstGeom>
+        </p:spPr>
+      </p:pic>
+    </p:spTree>
+    <p:extLst>
+      <p:ext uri="{BB962C8B-B14F-4D97-AF65-F5344CB8AC3E}">
+        <p14:creationId xmlns:p14="http://schemas.microsoft.com/office/powerpoint/2010/main" val="3285357706"/>
+      </p:ext>
+    </p:extLst>
+  </p:cSld>
+  <p:clrMapOvr>
+    <a:masterClrMapping/>
+  </p:clrMapOvr>
+</p:sld>
+</file>
+
+<file path=ppt/slides/slide12.xml><?xml version="1.0" encoding="utf-8"?>
+<p:sld xmlns:a="http://schemas.openxmlformats.org/drawingml/2006/main" xmlns:r="http://schemas.openxmlformats.org/officeDocument/2006/relationships" xmlns:p="http://schemas.openxmlformats.org/presentationml/2006/main">
+  <p:cSld>
+    <p:spTree>
+      <p:nvGrpSpPr>
+        <p:cNvPr id="1" name=""/>
+        <p:cNvGrpSpPr/>
+        <p:nvPr/>
+      </p:nvGrpSpPr>
+      <p:grpSpPr>
+        <a:xfrm>
+          <a:off x="0" y="0"/>
+          <a:ext cx="0" cy="0"/>
+          <a:chOff x="0" y="0"/>
+          <a:chExt cx="0" cy="0"/>
+        </a:xfrm>
+      </p:grpSpPr>
+      <p:sp>
+        <p:nvSpPr>
+          <p:cNvPr id="2" name="Title 1">
+            <a:extLst>
+              <a:ext uri="{FF2B5EF4-FFF2-40B4-BE49-F238E27FC236}">
+                <a16:creationId xmlns:a16="http://schemas.microsoft.com/office/drawing/2014/main" id="{D476406C-8553-4B14-BAC3-368762562FDE}"/>
+              </a:ext>
+            </a:extLst>
+          </p:cNvPr>
+          <p:cNvSpPr>
+            <a:spLocks noGrp="1"/>
+          </p:cNvSpPr>
+          <p:nvPr>
+            <p:ph type="title"/>
+          </p:nvPr>
+        </p:nvSpPr>
+        <p:spPr/>
+        <p:txBody>
+          <a:bodyPr/>
+          <a:lstStyle/>
+          <a:p>
+            <a:r>
+              <a:rPr lang="en-US" dirty="0"/>
+              <a:t>Cross-Origin Resource Sharing (CORS)</a:t>
+            </a:r>
+          </a:p>
+        </p:txBody>
+      </p:sp>
+      <p:pic>
+        <p:nvPicPr>
+          <p:cNvPr id="5" name="Content Placeholder 4">
+            <a:extLst>
+              <a:ext uri="{FF2B5EF4-FFF2-40B4-BE49-F238E27FC236}">
+                <a16:creationId xmlns:a16="http://schemas.microsoft.com/office/drawing/2014/main" id="{0A235E97-1E96-4719-831E-F7DAFB5968D4}"/>
+              </a:ext>
+            </a:extLst>
+          </p:cNvPr>
+          <p:cNvPicPr>
+            <a:picLocks noGrp="1" noChangeAspect="1"/>
+          </p:cNvPicPr>
+          <p:nvPr>
+            <p:ph idx="1"/>
+          </p:nvPr>
+        </p:nvPicPr>
+        <p:blipFill>
+          <a:blip r:embed="rId2">
+            <a:extLst>
+              <a:ext uri="{96DAC541-7B7A-43D3-8B79-37D633B846F1}">
+                <asvg:svgBlip xmlns:asvg="http://schemas.microsoft.com/office/drawing/2016/SVG/main" r:embed="rId3"/>
+              </a:ext>
+            </a:extLst>
+          </a:blip>
+          <a:stretch>
+            <a:fillRect/>
+          </a:stretch>
+        </p:blipFill>
+        <p:spPr>
+          <a:xfrm>
+            <a:off x="6207064" y="2060089"/>
+            <a:ext cx="5491686" cy="4256736"/>
+          </a:xfrm>
+        </p:spPr>
+      </p:pic>
+      <p:pic>
+        <p:nvPicPr>
+          <p:cNvPr id="9" name="Graphic 8">
+            <a:extLst>
+              <a:ext uri="{FF2B5EF4-FFF2-40B4-BE49-F238E27FC236}">
+                <a16:creationId xmlns:a16="http://schemas.microsoft.com/office/drawing/2014/main" id="{5A28FEFF-B3BA-4982-A1B4-E1C1AA001C14}"/>
+              </a:ext>
+            </a:extLst>
+          </p:cNvPr>
+          <p:cNvPicPr>
+            <a:picLocks noChangeAspect="1"/>
+          </p:cNvPicPr>
+          <p:nvPr/>
+        </p:nvPicPr>
+        <p:blipFill>
+          <a:blip r:embed="rId4">
+            <a:extLst>
+              <a:ext uri="{96DAC541-7B7A-43D3-8B79-37D633B846F1}">
+                <asvg:svgBlip xmlns:asvg="http://schemas.microsoft.com/office/drawing/2016/SVG/main" r:embed="rId5"/>
+              </a:ext>
+            </a:extLst>
+          </a:blip>
+          <a:stretch>
+            <a:fillRect/>
+          </a:stretch>
+        </p:blipFill>
+        <p:spPr>
+          <a:xfrm>
+            <a:off x="493252" y="2060090"/>
+            <a:ext cx="5491686" cy="4256735"/>
+          </a:xfrm>
+          <a:prstGeom prst="rect">
+            <a:avLst/>
+          </a:prstGeom>
+        </p:spPr>
+      </p:pic>
+    </p:spTree>
+    <p:extLst>
+      <p:ext uri="{BB962C8B-B14F-4D97-AF65-F5344CB8AC3E}">
+        <p14:creationId xmlns:p14="http://schemas.microsoft.com/office/powerpoint/2010/main" val="3441663080"/>
+      </p:ext>
+    </p:extLst>
+  </p:cSld>
+  <p:clrMapOvr>
+    <a:masterClrMapping/>
+  </p:clrMapOvr>
+</p:sld>
+</file>
+
+<file path=ppt/slides/slide13.xml><?xml version="1.0" encoding="utf-8"?>
+<p:sld xmlns:a="http://schemas.openxmlformats.org/drawingml/2006/main" xmlns:r="http://schemas.openxmlformats.org/officeDocument/2006/relationships" xmlns:p="http://schemas.openxmlformats.org/presentationml/2006/main">
+  <p:cSld>
+    <p:spTree>
+      <p:nvGrpSpPr>
+        <p:cNvPr id="1" name=""/>
+        <p:cNvGrpSpPr/>
+        <p:nvPr/>
+      </p:nvGrpSpPr>
+      <p:grpSpPr>
+        <a:xfrm>
+          <a:off x="0" y="0"/>
+          <a:ext cx="0" cy="0"/>
+          <a:chOff x="0" y="0"/>
+          <a:chExt cx="0" cy="0"/>
+        </a:xfrm>
+      </p:grpSpPr>
+      <p:sp>
+        <p:nvSpPr>
+          <p:cNvPr id="2" name="Title 1">
+            <a:extLst>
+              <a:ext uri="{FF2B5EF4-FFF2-40B4-BE49-F238E27FC236}">
+                <a16:creationId xmlns:a16="http://schemas.microsoft.com/office/drawing/2014/main" id="{D476406C-8553-4B14-BAC3-368762562FDE}"/>
+              </a:ext>
+            </a:extLst>
+          </p:cNvPr>
+          <p:cNvSpPr>
+            <a:spLocks noGrp="1"/>
+          </p:cNvSpPr>
+          <p:nvPr>
+            <p:ph type="title"/>
+          </p:nvPr>
+        </p:nvSpPr>
+        <p:spPr/>
+        <p:txBody>
+          <a:bodyPr/>
+          <a:lstStyle/>
+          <a:p>
+            <a:r>
+              <a:rPr lang="en-US" dirty="0"/>
+              <a:t>Cross-Origin Resource Sharing (CORS)</a:t>
+            </a:r>
+          </a:p>
+        </p:txBody>
+      </p:sp>
+      <p:sp>
+        <p:nvSpPr>
+          <p:cNvPr id="3" name="Content Placeholder 2">
+            <a:extLst>
+              <a:ext uri="{FF2B5EF4-FFF2-40B4-BE49-F238E27FC236}">
+                <a16:creationId xmlns:a16="http://schemas.microsoft.com/office/drawing/2014/main" id="{9C22D33E-88EA-48B6-B9D3-D3B5B79656B3}"/>
+              </a:ext>
+            </a:extLst>
+          </p:cNvPr>
+          <p:cNvSpPr>
+            <a:spLocks noGrp="1"/>
+          </p:cNvSpPr>
+          <p:nvPr>
+            <p:ph idx="1"/>
+          </p:nvPr>
+        </p:nvSpPr>
+        <p:spPr>
+          <a:xfrm>
+            <a:off x="581192" y="2180497"/>
+            <a:ext cx="11029615" cy="1880758"/>
+          </a:xfrm>
+        </p:spPr>
+        <p:txBody>
+          <a:bodyPr/>
+          <a:lstStyle/>
+          <a:p>
+            <a:r>
+              <a:rPr lang="en-US" dirty="0"/>
+              <a:t>Install-Package </a:t>
+            </a:r>
+            <a:r>
+              <a:rPr lang="en-US" dirty="0" err="1"/>
+              <a:t>Microsoft.AspNet.WebApi.Cors</a:t>
+            </a:r>
+            <a:endParaRPr lang="th-TH" dirty="0"/>
+          </a:p>
+          <a:p>
+            <a:r>
+              <a:rPr lang="en-US" dirty="0"/>
+              <a:t> </a:t>
+            </a:r>
+            <a:r>
+              <a:rPr lang="en-US" dirty="0" err="1"/>
+              <a:t>App_Start</a:t>
+            </a:r>
+            <a:r>
+              <a:rPr lang="en-US" dirty="0"/>
+              <a:t>/</a:t>
+            </a:r>
+            <a:r>
+              <a:rPr lang="en-US" dirty="0" err="1"/>
+              <a:t>WebApiConfig.cs</a:t>
+            </a:r>
+            <a:r>
+              <a:rPr lang="en-US" dirty="0"/>
+              <a:t>. Add the following code to the </a:t>
+            </a:r>
+            <a:r>
+              <a:rPr lang="en-US" b="1" dirty="0" err="1"/>
+              <a:t>WebApiConfig.Register</a:t>
+            </a:r>
+            <a:endParaRPr lang="th-TH" b="1" dirty="0"/>
+          </a:p>
+          <a:p>
+            <a:r>
+              <a:rPr lang="en-US" dirty="0" err="1"/>
+              <a:t>config.EnableCors</a:t>
+            </a:r>
+            <a:r>
+              <a:rPr lang="en-US" dirty="0"/>
+              <a:t>();</a:t>
+            </a:r>
+          </a:p>
+        </p:txBody>
+      </p:sp>
+      <p:sp>
+        <p:nvSpPr>
+          <p:cNvPr id="4" name="TextBox 3">
+            <a:extLst>
+              <a:ext uri="{FF2B5EF4-FFF2-40B4-BE49-F238E27FC236}">
+                <a16:creationId xmlns:a16="http://schemas.microsoft.com/office/drawing/2014/main" id="{C5919CF3-48E9-43F3-B8AE-EF4D1AB14CCC}"/>
+              </a:ext>
+            </a:extLst>
+          </p:cNvPr>
+          <p:cNvSpPr txBox="1"/>
+          <p:nvPr/>
+        </p:nvSpPr>
+        <p:spPr>
+          <a:xfrm>
+            <a:off x="5585063" y="6465250"/>
+            <a:ext cx="6407523" cy="430887"/>
+          </a:xfrm>
+          <a:prstGeom prst="rect">
+            <a:avLst/>
+          </a:prstGeom>
+          <a:noFill/>
+        </p:spPr>
+        <p:txBody>
+          <a:bodyPr wrap="none" rtlCol="0">
+            <a:spAutoFit/>
+          </a:bodyPr>
+          <a:lstStyle/>
+          <a:p>
+            <a:r>
+              <a:rPr lang="en-US" sz="1100" dirty="0">
+                <a:hlinkClick r:id="rId2"/>
+              </a:rPr>
+              <a:t>https://docs.microsoft.com/en-us/aspnet/web-api/overview/security/enabling-cross-origin-requests-in-web-api</a:t>
+            </a:r>
+            <a:endParaRPr lang="th-TH" sz="1100" dirty="0"/>
+          </a:p>
+          <a:p>
+            <a:endParaRPr lang="en-US" sz="1100" dirty="0"/>
+          </a:p>
+        </p:txBody>
+      </p:sp>
+    </p:spTree>
+    <p:extLst>
+      <p:ext uri="{BB962C8B-B14F-4D97-AF65-F5344CB8AC3E}">
+        <p14:creationId xmlns:p14="http://schemas.microsoft.com/office/powerpoint/2010/main" val="3439886951"/>
+      </p:ext>
+    </p:extLst>
+  </p:cSld>
+  <p:clrMapOvr>
+    <a:masterClrMapping/>
+  </p:clrMapOvr>
+</p:sld>
+</file>
+
+<file path=ppt/slides/slide14.xml><?xml version="1.0" encoding="utf-8"?>
 <p:sld xmlns:a="http://schemas.openxmlformats.org/drawingml/2006/main" xmlns:r="http://schemas.openxmlformats.org/officeDocument/2006/relationships" xmlns:p="http://schemas.openxmlformats.org/presentationml/2006/main">
   <p:cSld>
     <p:spTree>
@@ -5748,6 +5118,1700 @@
 </p:sld>
 </file>
 
+<file path=ppt/slides/slide15.xml><?xml version="1.0" encoding="utf-8"?>
+<p:sld xmlns:a="http://schemas.openxmlformats.org/drawingml/2006/main" xmlns:r="http://schemas.openxmlformats.org/officeDocument/2006/relationships" xmlns:p="http://schemas.openxmlformats.org/presentationml/2006/main">
+  <p:cSld>
+    <p:spTree>
+      <p:nvGrpSpPr>
+        <p:cNvPr id="1" name=""/>
+        <p:cNvGrpSpPr/>
+        <p:nvPr/>
+      </p:nvGrpSpPr>
+      <p:grpSpPr>
+        <a:xfrm>
+          <a:off x="0" y="0"/>
+          <a:ext cx="0" cy="0"/>
+          <a:chOff x="0" y="0"/>
+          <a:chExt cx="0" cy="0"/>
+        </a:xfrm>
+      </p:grpSpPr>
+      <p:sp>
+        <p:nvSpPr>
+          <p:cNvPr id="2" name="Title 1">
+            <a:extLst>
+              <a:ext uri="{FF2B5EF4-FFF2-40B4-BE49-F238E27FC236}">
+                <a16:creationId xmlns:a16="http://schemas.microsoft.com/office/drawing/2014/main" id="{62971A82-0015-4D5F-8E98-8A56FA7CE5A7}"/>
+              </a:ext>
+            </a:extLst>
+          </p:cNvPr>
+          <p:cNvSpPr>
+            <a:spLocks noGrp="1"/>
+          </p:cNvSpPr>
+          <p:nvPr>
+            <p:ph type="title"/>
+          </p:nvPr>
+        </p:nvSpPr>
+        <p:spPr/>
+        <p:txBody>
+          <a:bodyPr/>
+          <a:lstStyle/>
+          <a:p>
+            <a:r>
+              <a:rPr lang="en-US" dirty="0"/>
+              <a:t>assignment</a:t>
+            </a:r>
+          </a:p>
+        </p:txBody>
+      </p:sp>
+      <p:sp>
+        <p:nvSpPr>
+          <p:cNvPr id="3" name="Content Placeholder 2">
+            <a:extLst>
+              <a:ext uri="{FF2B5EF4-FFF2-40B4-BE49-F238E27FC236}">
+                <a16:creationId xmlns:a16="http://schemas.microsoft.com/office/drawing/2014/main" id="{B125871F-9408-4333-A7A0-3692BA133989}"/>
+              </a:ext>
+            </a:extLst>
+          </p:cNvPr>
+          <p:cNvSpPr>
+            <a:spLocks noGrp="1"/>
+          </p:cNvSpPr>
+          <p:nvPr>
+            <p:ph idx="1"/>
+          </p:nvPr>
+        </p:nvSpPr>
+        <p:spPr/>
+        <p:txBody>
+          <a:bodyPr/>
+          <a:lstStyle/>
+          <a:p>
+            <a:r>
+              <a:rPr lang="en-US" dirty="0"/>
+              <a:t>Create Project web </a:t>
+            </a:r>
+            <a:r>
+              <a:rPr lang="en-US" dirty="0" err="1"/>
+              <a:t>api</a:t>
+            </a:r>
+            <a:endParaRPr lang="en-US" dirty="0"/>
+          </a:p>
+          <a:p>
+            <a:r>
+              <a:rPr lang="en-US" dirty="0"/>
+              <a:t>Create Controller that contain method for GET, POST, PUT, DELETE</a:t>
+            </a:r>
+            <a:endParaRPr lang="th-TH" dirty="0"/>
+          </a:p>
+          <a:p>
+            <a:endParaRPr lang="en-US" dirty="0"/>
+          </a:p>
+          <a:p>
+            <a:endParaRPr lang="en-US" dirty="0"/>
+          </a:p>
+        </p:txBody>
+      </p:sp>
+    </p:spTree>
+    <p:extLst>
+      <p:ext uri="{BB962C8B-B14F-4D97-AF65-F5344CB8AC3E}">
+        <p14:creationId xmlns:p14="http://schemas.microsoft.com/office/powerpoint/2010/main" val="2889871087"/>
+      </p:ext>
+    </p:extLst>
+  </p:cSld>
+  <p:clrMapOvr>
+    <a:masterClrMapping/>
+  </p:clrMapOvr>
+</p:sld>
+</file>
+
+<file path=ppt/slides/slide2.xml><?xml version="1.0" encoding="utf-8"?>
+<p:sld xmlns:a="http://schemas.openxmlformats.org/drawingml/2006/main" xmlns:r="http://schemas.openxmlformats.org/officeDocument/2006/relationships" xmlns:p="http://schemas.openxmlformats.org/presentationml/2006/main">
+  <p:cSld>
+    <p:spTree>
+      <p:nvGrpSpPr>
+        <p:cNvPr id="1" name=""/>
+        <p:cNvGrpSpPr/>
+        <p:nvPr/>
+      </p:nvGrpSpPr>
+      <p:grpSpPr>
+        <a:xfrm>
+          <a:off x="0" y="0"/>
+          <a:ext cx="0" cy="0"/>
+          <a:chOff x="0" y="0"/>
+          <a:chExt cx="0" cy="0"/>
+        </a:xfrm>
+      </p:grpSpPr>
+      <p:sp>
+        <p:nvSpPr>
+          <p:cNvPr id="2" name="Title 1">
+            <a:extLst>
+              <a:ext uri="{FF2B5EF4-FFF2-40B4-BE49-F238E27FC236}">
+                <a16:creationId xmlns:a16="http://schemas.microsoft.com/office/drawing/2014/main" id="{3C5DF63E-40EB-43FC-9342-517B5AF0FC5F}"/>
+              </a:ext>
+            </a:extLst>
+          </p:cNvPr>
+          <p:cNvSpPr>
+            <a:spLocks noGrp="1"/>
+          </p:cNvSpPr>
+          <p:nvPr>
+            <p:ph type="title"/>
+          </p:nvPr>
+        </p:nvSpPr>
+        <p:spPr/>
+        <p:txBody>
+          <a:bodyPr/>
+          <a:lstStyle/>
+          <a:p>
+            <a:r>
+              <a:rPr lang="en-US" dirty="0"/>
+              <a:t>Topic</a:t>
+            </a:r>
+          </a:p>
+        </p:txBody>
+      </p:sp>
+      <p:sp>
+        <p:nvSpPr>
+          <p:cNvPr id="3" name="Content Placeholder 2">
+            <a:extLst>
+              <a:ext uri="{FF2B5EF4-FFF2-40B4-BE49-F238E27FC236}">
+                <a16:creationId xmlns:a16="http://schemas.microsoft.com/office/drawing/2014/main" id="{7381C32C-4C18-4CCD-9049-4A4BBE0DFE37}"/>
+              </a:ext>
+            </a:extLst>
+          </p:cNvPr>
+          <p:cNvSpPr>
+            <a:spLocks noGrp="1"/>
+          </p:cNvSpPr>
+          <p:nvPr>
+            <p:ph idx="1"/>
+          </p:nvPr>
+        </p:nvSpPr>
+        <p:spPr/>
+        <p:txBody>
+          <a:bodyPr/>
+          <a:lstStyle/>
+          <a:p>
+            <a:r>
+              <a:rPr lang="en-US" dirty="0"/>
+              <a:t>What is Web </a:t>
+            </a:r>
+            <a:r>
+              <a:rPr lang="en-US" dirty="0" err="1"/>
+              <a:t>api</a:t>
+            </a:r>
+            <a:endParaRPr lang="en-US" dirty="0"/>
+          </a:p>
+          <a:p>
+            <a:r>
+              <a:rPr lang="en-US" dirty="0"/>
+              <a:t>Web API components</a:t>
+            </a:r>
+          </a:p>
+          <a:p>
+            <a:r>
+              <a:rPr lang="en-US" dirty="0"/>
+              <a:t>How web </a:t>
+            </a:r>
+            <a:r>
+              <a:rPr lang="en-US" dirty="0" err="1"/>
+              <a:t>api</a:t>
+            </a:r>
+            <a:r>
+              <a:rPr lang="en-US" dirty="0"/>
+              <a:t> works</a:t>
+            </a:r>
+          </a:p>
+          <a:p>
+            <a:r>
+              <a:rPr lang="en-US" dirty="0"/>
+              <a:t>Data Formats</a:t>
+            </a:r>
+          </a:p>
+          <a:p>
+            <a:r>
+              <a:rPr lang="en-US" dirty="0"/>
+              <a:t>Cross-Origin Resource Sharing (CORS)</a:t>
+            </a:r>
+          </a:p>
+          <a:p>
+            <a:r>
+              <a:rPr lang="en-US" dirty="0"/>
+              <a:t>Assignment</a:t>
+            </a:r>
+          </a:p>
+          <a:p>
+            <a:endParaRPr lang="en-US" dirty="0"/>
+          </a:p>
+        </p:txBody>
+      </p:sp>
+    </p:spTree>
+    <p:extLst>
+      <p:ext uri="{BB962C8B-B14F-4D97-AF65-F5344CB8AC3E}">
+        <p14:creationId xmlns:p14="http://schemas.microsoft.com/office/powerpoint/2010/main" val="3279377774"/>
+      </p:ext>
+    </p:extLst>
+  </p:cSld>
+  <p:clrMapOvr>
+    <a:masterClrMapping/>
+  </p:clrMapOvr>
+</p:sld>
+</file>
+
+<file path=ppt/slides/slide3.xml><?xml version="1.0" encoding="utf-8"?>
+<p:sld xmlns:a="http://schemas.openxmlformats.org/drawingml/2006/main" xmlns:r="http://schemas.openxmlformats.org/officeDocument/2006/relationships" xmlns:p="http://schemas.openxmlformats.org/presentationml/2006/main">
+  <p:cSld>
+    <p:spTree>
+      <p:nvGrpSpPr>
+        <p:cNvPr id="1" name=""/>
+        <p:cNvGrpSpPr/>
+        <p:nvPr/>
+      </p:nvGrpSpPr>
+      <p:grpSpPr>
+        <a:xfrm>
+          <a:off x="0" y="0"/>
+          <a:ext cx="0" cy="0"/>
+          <a:chOff x="0" y="0"/>
+          <a:chExt cx="0" cy="0"/>
+        </a:xfrm>
+      </p:grpSpPr>
+      <p:sp>
+        <p:nvSpPr>
+          <p:cNvPr id="2" name="Title 1">
+            <a:extLst>
+              <a:ext uri="{FF2B5EF4-FFF2-40B4-BE49-F238E27FC236}">
+                <a16:creationId xmlns:a16="http://schemas.microsoft.com/office/drawing/2014/main" id="{60E1E694-D481-4886-81E0-508BE1CFCF35}"/>
+              </a:ext>
+            </a:extLst>
+          </p:cNvPr>
+          <p:cNvSpPr>
+            <a:spLocks noGrp="1"/>
+          </p:cNvSpPr>
+          <p:nvPr>
+            <p:ph type="title"/>
+          </p:nvPr>
+        </p:nvSpPr>
+        <p:spPr/>
+        <p:txBody>
+          <a:bodyPr/>
+          <a:lstStyle/>
+          <a:p>
+            <a:r>
+              <a:rPr lang="en-US" dirty="0"/>
+              <a:t>What is Web </a:t>
+            </a:r>
+            <a:r>
+              <a:rPr lang="en-US" dirty="0" err="1"/>
+              <a:t>api</a:t>
+            </a:r>
+            <a:endParaRPr lang="en-US" dirty="0"/>
+          </a:p>
+        </p:txBody>
+      </p:sp>
+      <p:sp>
+        <p:nvSpPr>
+          <p:cNvPr id="3" name="Content Placeholder 2">
+            <a:extLst>
+              <a:ext uri="{FF2B5EF4-FFF2-40B4-BE49-F238E27FC236}">
+                <a16:creationId xmlns:a16="http://schemas.microsoft.com/office/drawing/2014/main" id="{5AD1122B-8C06-4F83-8D20-D01D7CB64AEF}"/>
+              </a:ext>
+            </a:extLst>
+          </p:cNvPr>
+          <p:cNvSpPr>
+            <a:spLocks noGrp="1"/>
+          </p:cNvSpPr>
+          <p:nvPr>
+            <p:ph idx="1"/>
+          </p:nvPr>
+        </p:nvSpPr>
+        <p:spPr>
+          <a:xfrm>
+            <a:off x="581192" y="2180496"/>
+            <a:ext cx="11029615" cy="1921947"/>
+          </a:xfrm>
+        </p:spPr>
+        <p:txBody>
+          <a:bodyPr/>
+          <a:lstStyle/>
+          <a:p>
+            <a:r>
+              <a:rPr lang="en-US" dirty="0"/>
+              <a:t>Web API is a framework for building HTTP services that can be consumed by a broad range of clients including browsers, mobiles, </a:t>
+            </a:r>
+            <a:r>
+              <a:rPr lang="en-US" dirty="0" err="1"/>
+              <a:t>iphone</a:t>
+            </a:r>
+            <a:r>
+              <a:rPr lang="en-US" dirty="0"/>
+              <a:t> and tablets. </a:t>
+            </a:r>
+          </a:p>
+          <a:p>
+            <a:r>
+              <a:rPr lang="en-US" dirty="0"/>
+              <a:t>Web API is the great framework for exposing your data and service to different-different devices. </a:t>
+            </a:r>
+          </a:p>
+          <a:p>
+            <a:endParaRPr lang="en-US" dirty="0"/>
+          </a:p>
+        </p:txBody>
+      </p:sp>
+      <p:pic>
+        <p:nvPicPr>
+          <p:cNvPr id="5" name="Picture 4">
+            <a:extLst>
+              <a:ext uri="{FF2B5EF4-FFF2-40B4-BE49-F238E27FC236}">
+                <a16:creationId xmlns:a16="http://schemas.microsoft.com/office/drawing/2014/main" id="{6E65CE2F-8C2D-4A51-8E93-56FEE7C39204}"/>
+              </a:ext>
+            </a:extLst>
+          </p:cNvPr>
+          <p:cNvPicPr>
+            <a:picLocks noChangeAspect="1"/>
+          </p:cNvPicPr>
+          <p:nvPr/>
+        </p:nvPicPr>
+        <p:blipFill>
+          <a:blip r:embed="rId2"/>
+          <a:stretch>
+            <a:fillRect/>
+          </a:stretch>
+        </p:blipFill>
+        <p:spPr>
+          <a:xfrm>
+            <a:off x="2213687" y="3787744"/>
+            <a:ext cx="7764624" cy="2517032"/>
+          </a:xfrm>
+          <a:prstGeom prst="rect">
+            <a:avLst/>
+          </a:prstGeom>
+        </p:spPr>
+      </p:pic>
+    </p:spTree>
+    <p:extLst>
+      <p:ext uri="{BB962C8B-B14F-4D97-AF65-F5344CB8AC3E}">
+        <p14:creationId xmlns:p14="http://schemas.microsoft.com/office/powerpoint/2010/main" val="4120816385"/>
+      </p:ext>
+    </p:extLst>
+  </p:cSld>
+  <p:clrMapOvr>
+    <a:masterClrMapping/>
+  </p:clrMapOvr>
+</p:sld>
+</file>
+
+<file path=ppt/slides/slide4.xml><?xml version="1.0" encoding="utf-8"?>
+<p:sld xmlns:a="http://schemas.openxmlformats.org/drawingml/2006/main" xmlns:r="http://schemas.openxmlformats.org/officeDocument/2006/relationships" xmlns:p="http://schemas.openxmlformats.org/presentationml/2006/main">
+  <p:cSld>
+    <p:spTree>
+      <p:nvGrpSpPr>
+        <p:cNvPr id="1" name=""/>
+        <p:cNvGrpSpPr/>
+        <p:nvPr/>
+      </p:nvGrpSpPr>
+      <p:grpSpPr>
+        <a:xfrm>
+          <a:off x="0" y="0"/>
+          <a:ext cx="0" cy="0"/>
+          <a:chOff x="0" y="0"/>
+          <a:chExt cx="0" cy="0"/>
+        </a:xfrm>
+      </p:grpSpPr>
+      <p:sp>
+        <p:nvSpPr>
+          <p:cNvPr id="2" name="Title 1">
+            <a:extLst>
+              <a:ext uri="{FF2B5EF4-FFF2-40B4-BE49-F238E27FC236}">
+                <a16:creationId xmlns:a16="http://schemas.microsoft.com/office/drawing/2014/main" id="{D5328B9A-7E23-41D9-AD0D-72FFE9DBB0AA}"/>
+              </a:ext>
+            </a:extLst>
+          </p:cNvPr>
+          <p:cNvSpPr>
+            <a:spLocks noGrp="1"/>
+          </p:cNvSpPr>
+          <p:nvPr>
+            <p:ph type="title"/>
+          </p:nvPr>
+        </p:nvSpPr>
+        <p:spPr/>
+        <p:txBody>
+          <a:bodyPr/>
+          <a:lstStyle/>
+          <a:p>
+            <a:r>
+              <a:rPr lang="en-US" dirty="0"/>
+              <a:t>Web API components</a:t>
+            </a:r>
+          </a:p>
+        </p:txBody>
+      </p:sp>
+      <p:sp>
+        <p:nvSpPr>
+          <p:cNvPr id="3" name="Content Placeholder 2">
+            <a:extLst>
+              <a:ext uri="{FF2B5EF4-FFF2-40B4-BE49-F238E27FC236}">
+                <a16:creationId xmlns:a16="http://schemas.microsoft.com/office/drawing/2014/main" id="{CF26505D-D5CA-4FCD-8FF7-DE8121B74DFE}"/>
+              </a:ext>
+            </a:extLst>
+          </p:cNvPr>
+          <p:cNvSpPr>
+            <a:spLocks noGrp="1"/>
+          </p:cNvSpPr>
+          <p:nvPr>
+            <p:ph idx="1"/>
+          </p:nvPr>
+        </p:nvSpPr>
+        <p:spPr>
+          <a:xfrm>
+            <a:off x="575259" y="2011211"/>
+            <a:ext cx="3002267" cy="937525"/>
+          </a:xfrm>
+        </p:spPr>
+        <p:txBody>
+          <a:bodyPr>
+            <a:normAutofit/>
+          </a:bodyPr>
+          <a:lstStyle/>
+          <a:p>
+            <a:r>
+              <a:rPr lang="en-US" b="1" dirty="0"/>
+              <a:t>HTTP Request</a:t>
+            </a:r>
+          </a:p>
+          <a:p>
+            <a:pPr marL="0" indent="0">
+              <a:buNone/>
+            </a:pPr>
+            <a:endParaRPr lang="en-US" dirty="0"/>
+          </a:p>
+          <a:p>
+            <a:pPr lvl="1"/>
+            <a:endParaRPr lang="en-US" dirty="0"/>
+          </a:p>
+        </p:txBody>
+      </p:sp>
+      <p:pic>
+        <p:nvPicPr>
+          <p:cNvPr id="7" name="Picture 6">
+            <a:extLst>
+              <a:ext uri="{FF2B5EF4-FFF2-40B4-BE49-F238E27FC236}">
+                <a16:creationId xmlns:a16="http://schemas.microsoft.com/office/drawing/2014/main" id="{304D3C93-7B93-4550-A691-FA13A3786B63}"/>
+              </a:ext>
+            </a:extLst>
+          </p:cNvPr>
+          <p:cNvPicPr>
+            <a:picLocks noChangeAspect="1"/>
+          </p:cNvPicPr>
+          <p:nvPr/>
+        </p:nvPicPr>
+        <p:blipFill rotWithShape="1">
+          <a:blip r:embed="rId2"/>
+          <a:srcRect t="5411" r="6209"/>
+          <a:stretch/>
+        </p:blipFill>
+        <p:spPr>
+          <a:xfrm>
+            <a:off x="575259" y="2376829"/>
+            <a:ext cx="5221028" cy="3685811"/>
+          </a:xfrm>
+          <a:prstGeom prst="rect">
+            <a:avLst/>
+          </a:prstGeom>
+        </p:spPr>
+      </p:pic>
+      <p:pic>
+        <p:nvPicPr>
+          <p:cNvPr id="9" name="Picture 8">
+            <a:extLst>
+              <a:ext uri="{FF2B5EF4-FFF2-40B4-BE49-F238E27FC236}">
+                <a16:creationId xmlns:a16="http://schemas.microsoft.com/office/drawing/2014/main" id="{97390264-9CCF-42F8-A43C-B2B90B26E9C7}"/>
+              </a:ext>
+            </a:extLst>
+          </p:cNvPr>
+          <p:cNvPicPr>
+            <a:picLocks noChangeAspect="1"/>
+          </p:cNvPicPr>
+          <p:nvPr/>
+        </p:nvPicPr>
+        <p:blipFill rotWithShape="1">
+          <a:blip r:embed="rId3"/>
+          <a:srcRect t="6172" r="7919" b="2297"/>
+          <a:stretch/>
+        </p:blipFill>
+        <p:spPr>
+          <a:xfrm>
+            <a:off x="6395715" y="2479974"/>
+            <a:ext cx="5123698" cy="3055854"/>
+          </a:xfrm>
+          <a:prstGeom prst="rect">
+            <a:avLst/>
+          </a:prstGeom>
+        </p:spPr>
+      </p:pic>
+      <p:sp>
+        <p:nvSpPr>
+          <p:cNvPr id="10" name="Content Placeholder 2">
+            <a:extLst>
+              <a:ext uri="{FF2B5EF4-FFF2-40B4-BE49-F238E27FC236}">
+                <a16:creationId xmlns:a16="http://schemas.microsoft.com/office/drawing/2014/main" id="{9FB9DE3B-7262-4DCC-B2AF-E2A2673DA659}"/>
+              </a:ext>
+            </a:extLst>
+          </p:cNvPr>
+          <p:cNvSpPr txBox="1">
+            <a:spLocks/>
+          </p:cNvSpPr>
+          <p:nvPr/>
+        </p:nvSpPr>
+        <p:spPr>
+          <a:xfrm>
+            <a:off x="7505094" y="2011212"/>
+            <a:ext cx="3002267" cy="937525"/>
+          </a:xfrm>
+          <a:prstGeom prst="rect">
+            <a:avLst/>
+          </a:prstGeom>
+        </p:spPr>
+        <p:txBody>
+          <a:bodyPr vert="horz" lIns="91440" tIns="45720" rIns="91440" bIns="45720" rtlCol="0" anchor="ctr">
+            <a:normAutofit/>
+          </a:bodyPr>
+          <a:lstStyle>
+            <a:lvl1pPr marL="306000" indent="-306000" algn="l" defTabSz="457200" rtl="0" eaLnBrk="1" latinLnBrk="0" hangingPunct="1">
+              <a:spcBef>
+                <a:spcPct val="20000"/>
+              </a:spcBef>
+              <a:spcAft>
+                <a:spcPts val="600"/>
+              </a:spcAft>
+              <a:buClr>
+                <a:schemeClr val="accent2"/>
+              </a:buClr>
+              <a:buSzPct val="92000"/>
+              <a:buFont typeface="Wingdings 2" panose="05020102010507070707" pitchFamily="18" charset="2"/>
+              <a:buChar char=""/>
+              <a:defRPr sz="1800" kern="1200">
+                <a:solidFill>
+                  <a:schemeClr val="tx2"/>
+                </a:solidFill>
+                <a:latin typeface="+mn-lt"/>
+                <a:ea typeface="+mn-ea"/>
+                <a:cs typeface="+mn-cs"/>
+              </a:defRPr>
+            </a:lvl1pPr>
+            <a:lvl2pPr marL="630000" indent="-306000" algn="l" defTabSz="457200" rtl="0" eaLnBrk="1" latinLnBrk="0" hangingPunct="1">
+              <a:spcBef>
+                <a:spcPct val="20000"/>
+              </a:spcBef>
+              <a:spcAft>
+                <a:spcPts val="600"/>
+              </a:spcAft>
+              <a:buClr>
+                <a:schemeClr val="accent2"/>
+              </a:buClr>
+              <a:buSzPct val="92000"/>
+              <a:buFont typeface="Wingdings 2" panose="05020102010507070707" pitchFamily="18" charset="2"/>
+              <a:buChar char=""/>
+              <a:defRPr sz="1600" kern="1200">
+                <a:solidFill>
+                  <a:schemeClr val="tx2"/>
+                </a:solidFill>
+                <a:latin typeface="+mn-lt"/>
+                <a:ea typeface="+mn-ea"/>
+                <a:cs typeface="+mn-cs"/>
+              </a:defRPr>
+            </a:lvl2pPr>
+            <a:lvl3pPr marL="900000" indent="-270000" algn="l" defTabSz="457200" rtl="0" eaLnBrk="1" latinLnBrk="0" hangingPunct="1">
+              <a:spcBef>
+                <a:spcPct val="20000"/>
+              </a:spcBef>
+              <a:spcAft>
+                <a:spcPts val="600"/>
+              </a:spcAft>
+              <a:buClr>
+                <a:schemeClr val="accent2"/>
+              </a:buClr>
+              <a:buSzPct val="92000"/>
+              <a:buFont typeface="Wingdings 2" panose="05020102010507070707" pitchFamily="18" charset="2"/>
+              <a:buChar char=""/>
+              <a:defRPr sz="1400" kern="1200">
+                <a:solidFill>
+                  <a:schemeClr val="tx2"/>
+                </a:solidFill>
+                <a:latin typeface="+mn-lt"/>
+                <a:ea typeface="+mn-ea"/>
+                <a:cs typeface="+mn-cs"/>
+              </a:defRPr>
+            </a:lvl3pPr>
+            <a:lvl4pPr marL="1242000" indent="-234000" algn="l" defTabSz="457200" rtl="0" eaLnBrk="1" latinLnBrk="0" hangingPunct="1">
+              <a:spcBef>
+                <a:spcPct val="20000"/>
+              </a:spcBef>
+              <a:spcAft>
+                <a:spcPts val="600"/>
+              </a:spcAft>
+              <a:buClr>
+                <a:schemeClr val="accent2"/>
+              </a:buClr>
+              <a:buSzPct val="92000"/>
+              <a:buFont typeface="Wingdings 2" panose="05020102010507070707" pitchFamily="18" charset="2"/>
+              <a:buChar char=""/>
+              <a:defRPr sz="1200" kern="1200">
+                <a:solidFill>
+                  <a:schemeClr val="tx2"/>
+                </a:solidFill>
+                <a:latin typeface="+mn-lt"/>
+                <a:ea typeface="+mn-ea"/>
+                <a:cs typeface="+mn-cs"/>
+              </a:defRPr>
+            </a:lvl4pPr>
+            <a:lvl5pPr marL="1602000" indent="-234000" algn="l" defTabSz="457200" rtl="0" eaLnBrk="1" latinLnBrk="0" hangingPunct="1">
+              <a:spcBef>
+                <a:spcPct val="20000"/>
+              </a:spcBef>
+              <a:spcAft>
+                <a:spcPts val="600"/>
+              </a:spcAft>
+              <a:buClr>
+                <a:schemeClr val="accent2"/>
+              </a:buClr>
+              <a:buSzPct val="92000"/>
+              <a:buFont typeface="Wingdings 2" panose="05020102010507070707" pitchFamily="18" charset="2"/>
+              <a:buChar char=""/>
+              <a:defRPr sz="1200" kern="1200">
+                <a:solidFill>
+                  <a:schemeClr val="tx2"/>
+                </a:solidFill>
+                <a:latin typeface="+mn-lt"/>
+                <a:ea typeface="+mn-ea"/>
+                <a:cs typeface="+mn-cs"/>
+              </a:defRPr>
+            </a:lvl5pPr>
+            <a:lvl6pPr marL="1900000" indent="-228600" algn="l" defTabSz="457200" rtl="0" eaLnBrk="1" latinLnBrk="0" hangingPunct="1">
+              <a:spcBef>
+                <a:spcPct val="20000"/>
+              </a:spcBef>
+              <a:spcAft>
+                <a:spcPts val="600"/>
+              </a:spcAft>
+              <a:buClr>
+                <a:schemeClr val="accent2"/>
+              </a:buClr>
+              <a:buSzPct val="92000"/>
+              <a:buFont typeface="Wingdings 2" panose="05020102010507070707" pitchFamily="18" charset="2"/>
+              <a:buChar char=""/>
+              <a:defRPr sz="1200" kern="1200">
+                <a:solidFill>
+                  <a:schemeClr val="tx2"/>
+                </a:solidFill>
+                <a:latin typeface="+mn-lt"/>
+                <a:ea typeface="+mn-ea"/>
+                <a:cs typeface="+mn-cs"/>
+              </a:defRPr>
+            </a:lvl6pPr>
+            <a:lvl7pPr marL="2200000" indent="-228600" algn="l" defTabSz="457200" rtl="0" eaLnBrk="1" latinLnBrk="0" hangingPunct="1">
+              <a:spcBef>
+                <a:spcPct val="20000"/>
+              </a:spcBef>
+              <a:spcAft>
+                <a:spcPts val="600"/>
+              </a:spcAft>
+              <a:buClr>
+                <a:schemeClr val="accent2"/>
+              </a:buClr>
+              <a:buSzPct val="92000"/>
+              <a:buFont typeface="Wingdings 2" panose="05020102010507070707" pitchFamily="18" charset="2"/>
+              <a:buChar char=""/>
+              <a:defRPr sz="1200" kern="1200">
+                <a:solidFill>
+                  <a:schemeClr val="tx2"/>
+                </a:solidFill>
+                <a:latin typeface="+mn-lt"/>
+                <a:ea typeface="+mn-ea"/>
+                <a:cs typeface="+mn-cs"/>
+              </a:defRPr>
+            </a:lvl7pPr>
+            <a:lvl8pPr marL="2500000" indent="-228600" algn="l" defTabSz="457200" rtl="0" eaLnBrk="1" latinLnBrk="0" hangingPunct="1">
+              <a:spcBef>
+                <a:spcPct val="20000"/>
+              </a:spcBef>
+              <a:spcAft>
+                <a:spcPts val="600"/>
+              </a:spcAft>
+              <a:buClr>
+                <a:schemeClr val="accent2"/>
+              </a:buClr>
+              <a:buSzPct val="92000"/>
+              <a:buFont typeface="Wingdings 2" panose="05020102010507070707" pitchFamily="18" charset="2"/>
+              <a:buChar char=""/>
+              <a:defRPr sz="1200" kern="1200">
+                <a:solidFill>
+                  <a:schemeClr val="tx2"/>
+                </a:solidFill>
+                <a:latin typeface="+mn-lt"/>
+                <a:ea typeface="+mn-ea"/>
+                <a:cs typeface="+mn-cs"/>
+              </a:defRPr>
+            </a:lvl8pPr>
+            <a:lvl9pPr marL="2800000" indent="-228600" algn="l" defTabSz="457200" rtl="0" eaLnBrk="1" latinLnBrk="0" hangingPunct="1">
+              <a:spcBef>
+                <a:spcPct val="20000"/>
+              </a:spcBef>
+              <a:spcAft>
+                <a:spcPts val="600"/>
+              </a:spcAft>
+              <a:buClr>
+                <a:schemeClr val="accent2"/>
+              </a:buClr>
+              <a:buSzPct val="92000"/>
+              <a:buFont typeface="Wingdings 2" panose="05020102010507070707" pitchFamily="18" charset="2"/>
+              <a:buChar char=""/>
+              <a:defRPr sz="1200" kern="1200">
+                <a:solidFill>
+                  <a:schemeClr val="tx2"/>
+                </a:solidFill>
+                <a:latin typeface="+mn-lt"/>
+                <a:ea typeface="+mn-ea"/>
+                <a:cs typeface="+mn-cs"/>
+              </a:defRPr>
+            </a:lvl9pPr>
+          </a:lstStyle>
+          <a:p>
+            <a:r>
+              <a:rPr lang="en-US" b="1" dirty="0"/>
+              <a:t>HTTP Response</a:t>
+            </a:r>
+          </a:p>
+          <a:p>
+            <a:pPr marL="0" indent="0">
+              <a:buFont typeface="Wingdings 2" panose="05020102010507070707" pitchFamily="18" charset="2"/>
+              <a:buNone/>
+            </a:pPr>
+            <a:endParaRPr lang="en-US" dirty="0"/>
+          </a:p>
+          <a:p>
+            <a:pPr lvl="1"/>
+            <a:endParaRPr lang="en-US" dirty="0"/>
+          </a:p>
+        </p:txBody>
+      </p:sp>
+    </p:spTree>
+    <p:extLst>
+      <p:ext uri="{BB962C8B-B14F-4D97-AF65-F5344CB8AC3E}">
+        <p14:creationId xmlns:p14="http://schemas.microsoft.com/office/powerpoint/2010/main" val="4025200346"/>
+      </p:ext>
+    </p:extLst>
+  </p:cSld>
+  <p:clrMapOvr>
+    <a:masterClrMapping/>
+  </p:clrMapOvr>
+</p:sld>
+</file>
+
+<file path=ppt/slides/slide5.xml><?xml version="1.0" encoding="utf-8"?>
+<p:sld xmlns:a="http://schemas.openxmlformats.org/drawingml/2006/main" xmlns:r="http://schemas.openxmlformats.org/officeDocument/2006/relationships" xmlns:p="http://schemas.openxmlformats.org/presentationml/2006/main">
+  <p:cSld>
+    <p:spTree>
+      <p:nvGrpSpPr>
+        <p:cNvPr id="1" name=""/>
+        <p:cNvGrpSpPr/>
+        <p:nvPr/>
+      </p:nvGrpSpPr>
+      <p:grpSpPr>
+        <a:xfrm>
+          <a:off x="0" y="0"/>
+          <a:ext cx="0" cy="0"/>
+          <a:chOff x="0" y="0"/>
+          <a:chExt cx="0" cy="0"/>
+        </a:xfrm>
+      </p:grpSpPr>
+      <p:sp>
+        <p:nvSpPr>
+          <p:cNvPr id="2" name="Title 1">
+            <a:extLst>
+              <a:ext uri="{FF2B5EF4-FFF2-40B4-BE49-F238E27FC236}">
+                <a16:creationId xmlns:a16="http://schemas.microsoft.com/office/drawing/2014/main" id="{D5328B9A-7E23-41D9-AD0D-72FFE9DBB0AA}"/>
+              </a:ext>
+            </a:extLst>
+          </p:cNvPr>
+          <p:cNvSpPr>
+            <a:spLocks noGrp="1"/>
+          </p:cNvSpPr>
+          <p:nvPr>
+            <p:ph type="title"/>
+          </p:nvPr>
+        </p:nvSpPr>
+        <p:spPr/>
+        <p:txBody>
+          <a:bodyPr/>
+          <a:lstStyle/>
+          <a:p>
+            <a:r>
+              <a:rPr lang="en-US" dirty="0"/>
+              <a:t>Web API components</a:t>
+            </a:r>
+          </a:p>
+        </p:txBody>
+      </p:sp>
+      <p:sp>
+        <p:nvSpPr>
+          <p:cNvPr id="6" name="Content Placeholder 2">
+            <a:extLst>
+              <a:ext uri="{FF2B5EF4-FFF2-40B4-BE49-F238E27FC236}">
+                <a16:creationId xmlns:a16="http://schemas.microsoft.com/office/drawing/2014/main" id="{AD545B91-5301-44A5-BB20-762A3E8D0B88}"/>
+              </a:ext>
+            </a:extLst>
+          </p:cNvPr>
+          <p:cNvSpPr txBox="1">
+            <a:spLocks/>
+          </p:cNvSpPr>
+          <p:nvPr/>
+        </p:nvSpPr>
+        <p:spPr>
+          <a:xfrm>
+            <a:off x="444844" y="2180496"/>
+            <a:ext cx="11261124" cy="4467439"/>
+          </a:xfrm>
+          <a:prstGeom prst="rect">
+            <a:avLst/>
+          </a:prstGeom>
+        </p:spPr>
+        <p:txBody>
+          <a:bodyPr vert="horz" lIns="91440" tIns="45720" rIns="91440" bIns="45720" rtlCol="0" anchor="ctr">
+            <a:normAutofit fontScale="92500" lnSpcReduction="20000"/>
+          </a:bodyPr>
+          <a:lstStyle>
+            <a:lvl1pPr marL="306000" indent="-306000" algn="l" defTabSz="457200" rtl="0" eaLnBrk="1" latinLnBrk="0" hangingPunct="1">
+              <a:spcBef>
+                <a:spcPct val="20000"/>
+              </a:spcBef>
+              <a:spcAft>
+                <a:spcPts val="600"/>
+              </a:spcAft>
+              <a:buClr>
+                <a:schemeClr val="accent2"/>
+              </a:buClr>
+              <a:buSzPct val="92000"/>
+              <a:buFont typeface="Wingdings 2" panose="05020102010507070707" pitchFamily="18" charset="2"/>
+              <a:buChar char=""/>
+              <a:defRPr sz="1800" kern="1200">
+                <a:solidFill>
+                  <a:schemeClr val="tx2"/>
+                </a:solidFill>
+                <a:latin typeface="+mn-lt"/>
+                <a:ea typeface="+mn-ea"/>
+                <a:cs typeface="+mn-cs"/>
+              </a:defRPr>
+            </a:lvl1pPr>
+            <a:lvl2pPr marL="630000" indent="-306000" algn="l" defTabSz="457200" rtl="0" eaLnBrk="1" latinLnBrk="0" hangingPunct="1">
+              <a:spcBef>
+                <a:spcPct val="20000"/>
+              </a:spcBef>
+              <a:spcAft>
+                <a:spcPts val="600"/>
+              </a:spcAft>
+              <a:buClr>
+                <a:schemeClr val="accent2"/>
+              </a:buClr>
+              <a:buSzPct val="92000"/>
+              <a:buFont typeface="Wingdings 2" panose="05020102010507070707" pitchFamily="18" charset="2"/>
+              <a:buChar char=""/>
+              <a:defRPr sz="1600" kern="1200">
+                <a:solidFill>
+                  <a:schemeClr val="tx2"/>
+                </a:solidFill>
+                <a:latin typeface="+mn-lt"/>
+                <a:ea typeface="+mn-ea"/>
+                <a:cs typeface="+mn-cs"/>
+              </a:defRPr>
+            </a:lvl2pPr>
+            <a:lvl3pPr marL="900000" indent="-270000" algn="l" defTabSz="457200" rtl="0" eaLnBrk="1" latinLnBrk="0" hangingPunct="1">
+              <a:spcBef>
+                <a:spcPct val="20000"/>
+              </a:spcBef>
+              <a:spcAft>
+                <a:spcPts val="600"/>
+              </a:spcAft>
+              <a:buClr>
+                <a:schemeClr val="accent2"/>
+              </a:buClr>
+              <a:buSzPct val="92000"/>
+              <a:buFont typeface="Wingdings 2" panose="05020102010507070707" pitchFamily="18" charset="2"/>
+              <a:buChar char=""/>
+              <a:defRPr sz="1400" kern="1200">
+                <a:solidFill>
+                  <a:schemeClr val="tx2"/>
+                </a:solidFill>
+                <a:latin typeface="+mn-lt"/>
+                <a:ea typeface="+mn-ea"/>
+                <a:cs typeface="+mn-cs"/>
+              </a:defRPr>
+            </a:lvl3pPr>
+            <a:lvl4pPr marL="1242000" indent="-234000" algn="l" defTabSz="457200" rtl="0" eaLnBrk="1" latinLnBrk="0" hangingPunct="1">
+              <a:spcBef>
+                <a:spcPct val="20000"/>
+              </a:spcBef>
+              <a:spcAft>
+                <a:spcPts val="600"/>
+              </a:spcAft>
+              <a:buClr>
+                <a:schemeClr val="accent2"/>
+              </a:buClr>
+              <a:buSzPct val="92000"/>
+              <a:buFont typeface="Wingdings 2" panose="05020102010507070707" pitchFamily="18" charset="2"/>
+              <a:buChar char=""/>
+              <a:defRPr sz="1200" kern="1200">
+                <a:solidFill>
+                  <a:schemeClr val="tx2"/>
+                </a:solidFill>
+                <a:latin typeface="+mn-lt"/>
+                <a:ea typeface="+mn-ea"/>
+                <a:cs typeface="+mn-cs"/>
+              </a:defRPr>
+            </a:lvl4pPr>
+            <a:lvl5pPr marL="1602000" indent="-234000" algn="l" defTabSz="457200" rtl="0" eaLnBrk="1" latinLnBrk="0" hangingPunct="1">
+              <a:spcBef>
+                <a:spcPct val="20000"/>
+              </a:spcBef>
+              <a:spcAft>
+                <a:spcPts val="600"/>
+              </a:spcAft>
+              <a:buClr>
+                <a:schemeClr val="accent2"/>
+              </a:buClr>
+              <a:buSzPct val="92000"/>
+              <a:buFont typeface="Wingdings 2" panose="05020102010507070707" pitchFamily="18" charset="2"/>
+              <a:buChar char=""/>
+              <a:defRPr sz="1200" kern="1200">
+                <a:solidFill>
+                  <a:schemeClr val="tx2"/>
+                </a:solidFill>
+                <a:latin typeface="+mn-lt"/>
+                <a:ea typeface="+mn-ea"/>
+                <a:cs typeface="+mn-cs"/>
+              </a:defRPr>
+            </a:lvl5pPr>
+            <a:lvl6pPr marL="1900000" indent="-228600" algn="l" defTabSz="457200" rtl="0" eaLnBrk="1" latinLnBrk="0" hangingPunct="1">
+              <a:spcBef>
+                <a:spcPct val="20000"/>
+              </a:spcBef>
+              <a:spcAft>
+                <a:spcPts val="600"/>
+              </a:spcAft>
+              <a:buClr>
+                <a:schemeClr val="accent2"/>
+              </a:buClr>
+              <a:buSzPct val="92000"/>
+              <a:buFont typeface="Wingdings 2" panose="05020102010507070707" pitchFamily="18" charset="2"/>
+              <a:buChar char=""/>
+              <a:defRPr sz="1200" kern="1200">
+                <a:solidFill>
+                  <a:schemeClr val="tx2"/>
+                </a:solidFill>
+                <a:latin typeface="+mn-lt"/>
+                <a:ea typeface="+mn-ea"/>
+                <a:cs typeface="+mn-cs"/>
+              </a:defRPr>
+            </a:lvl6pPr>
+            <a:lvl7pPr marL="2200000" indent="-228600" algn="l" defTabSz="457200" rtl="0" eaLnBrk="1" latinLnBrk="0" hangingPunct="1">
+              <a:spcBef>
+                <a:spcPct val="20000"/>
+              </a:spcBef>
+              <a:spcAft>
+                <a:spcPts val="600"/>
+              </a:spcAft>
+              <a:buClr>
+                <a:schemeClr val="accent2"/>
+              </a:buClr>
+              <a:buSzPct val="92000"/>
+              <a:buFont typeface="Wingdings 2" panose="05020102010507070707" pitchFamily="18" charset="2"/>
+              <a:buChar char=""/>
+              <a:defRPr sz="1200" kern="1200">
+                <a:solidFill>
+                  <a:schemeClr val="tx2"/>
+                </a:solidFill>
+                <a:latin typeface="+mn-lt"/>
+                <a:ea typeface="+mn-ea"/>
+                <a:cs typeface="+mn-cs"/>
+              </a:defRPr>
+            </a:lvl7pPr>
+            <a:lvl8pPr marL="2500000" indent="-228600" algn="l" defTabSz="457200" rtl="0" eaLnBrk="1" latinLnBrk="0" hangingPunct="1">
+              <a:spcBef>
+                <a:spcPct val="20000"/>
+              </a:spcBef>
+              <a:spcAft>
+                <a:spcPts val="600"/>
+              </a:spcAft>
+              <a:buClr>
+                <a:schemeClr val="accent2"/>
+              </a:buClr>
+              <a:buSzPct val="92000"/>
+              <a:buFont typeface="Wingdings 2" panose="05020102010507070707" pitchFamily="18" charset="2"/>
+              <a:buChar char=""/>
+              <a:defRPr sz="1200" kern="1200">
+                <a:solidFill>
+                  <a:schemeClr val="tx2"/>
+                </a:solidFill>
+                <a:latin typeface="+mn-lt"/>
+                <a:ea typeface="+mn-ea"/>
+                <a:cs typeface="+mn-cs"/>
+              </a:defRPr>
+            </a:lvl8pPr>
+            <a:lvl9pPr marL="2800000" indent="-228600" algn="l" defTabSz="457200" rtl="0" eaLnBrk="1" latinLnBrk="0" hangingPunct="1">
+              <a:spcBef>
+                <a:spcPct val="20000"/>
+              </a:spcBef>
+              <a:spcAft>
+                <a:spcPts val="600"/>
+              </a:spcAft>
+              <a:buClr>
+                <a:schemeClr val="accent2"/>
+              </a:buClr>
+              <a:buSzPct val="92000"/>
+              <a:buFont typeface="Wingdings 2" panose="05020102010507070707" pitchFamily="18" charset="2"/>
+              <a:buChar char=""/>
+              <a:defRPr sz="1200" kern="1200">
+                <a:solidFill>
+                  <a:schemeClr val="tx2"/>
+                </a:solidFill>
+                <a:latin typeface="+mn-lt"/>
+                <a:ea typeface="+mn-ea"/>
+                <a:cs typeface="+mn-cs"/>
+              </a:defRPr>
+            </a:lvl9pPr>
+          </a:lstStyle>
+          <a:p>
+            <a:r>
+              <a:rPr lang="en-US" b="1" dirty="0"/>
+              <a:t>URL</a:t>
+            </a:r>
+          </a:p>
+          <a:p>
+            <a:pPr lvl="1"/>
+            <a:r>
+              <a:rPr lang="en-US" dirty="0"/>
+              <a:t>URLs become an easy way for the client to tell the server which things it wants to interact with, called </a:t>
+            </a:r>
+            <a:r>
+              <a:rPr lang="en-US" b="1" dirty="0"/>
+              <a:t>resources</a:t>
+            </a:r>
+            <a:r>
+              <a:rPr lang="en-US" dirty="0"/>
+              <a:t>.</a:t>
+            </a:r>
+          </a:p>
+          <a:p>
+            <a:r>
+              <a:rPr lang="en-US" b="1" dirty="0"/>
+              <a:t>Method</a:t>
+            </a:r>
+          </a:p>
+          <a:p>
+            <a:pPr lvl="1"/>
+            <a:r>
+              <a:rPr lang="en-US" dirty="0"/>
+              <a:t>The method request tells the server what kind of action the client wants the server to take in. The four most commonly seen in API’s are:</a:t>
+            </a:r>
+          </a:p>
+          <a:p>
+            <a:pPr lvl="1"/>
+            <a:r>
+              <a:rPr lang="en-US" dirty="0"/>
+              <a:t>GET — Asks the server to retrieve a resource.</a:t>
+            </a:r>
+            <a:br>
+              <a:rPr lang="en-US" dirty="0"/>
+            </a:br>
+            <a:r>
+              <a:rPr lang="en-US" dirty="0"/>
+              <a:t>POST — Asks the server to create a new resource.</a:t>
+            </a:r>
+            <a:br>
+              <a:rPr lang="en-US" dirty="0"/>
+            </a:br>
+            <a:r>
+              <a:rPr lang="en-US" dirty="0"/>
+              <a:t>PUT — Asks the server to edit/update an existing resource.</a:t>
+            </a:r>
+            <a:br>
+              <a:rPr lang="en-US" dirty="0"/>
+            </a:br>
+            <a:r>
+              <a:rPr lang="en-US" dirty="0"/>
+              <a:t>DELETE — Asks the server to delete a resource.</a:t>
+            </a:r>
+          </a:p>
+          <a:p>
+            <a:r>
+              <a:rPr lang="en-US" b="1" dirty="0"/>
+              <a:t>Headers</a:t>
+            </a:r>
+          </a:p>
+          <a:p>
+            <a:pPr lvl="1"/>
+            <a:r>
+              <a:rPr lang="en-US" dirty="0"/>
+              <a:t>Headers provide meta-information about a request.</a:t>
+            </a:r>
+          </a:p>
+          <a:p>
+            <a:r>
+              <a:rPr lang="en-US" b="1" dirty="0"/>
+              <a:t>Body</a:t>
+            </a:r>
+          </a:p>
+          <a:p>
+            <a:pPr lvl="1"/>
+            <a:r>
+              <a:rPr lang="en-US" dirty="0"/>
+              <a:t>The request body contains the data the client wants to send the server.</a:t>
+            </a:r>
+          </a:p>
+          <a:p>
+            <a:r>
+              <a:rPr lang="en-US" b="1" dirty="0"/>
+              <a:t>Status code </a:t>
+            </a:r>
+          </a:p>
+          <a:p>
+            <a:pPr lvl="1"/>
+            <a:r>
+              <a:rPr lang="en-US" dirty="0"/>
+              <a:t>Status code are three-digit numbers.</a:t>
+            </a:r>
+          </a:p>
+        </p:txBody>
+      </p:sp>
+    </p:spTree>
+    <p:extLst>
+      <p:ext uri="{BB962C8B-B14F-4D97-AF65-F5344CB8AC3E}">
+        <p14:creationId xmlns:p14="http://schemas.microsoft.com/office/powerpoint/2010/main" val="1449793550"/>
+      </p:ext>
+    </p:extLst>
+  </p:cSld>
+  <p:clrMapOvr>
+    <a:masterClrMapping/>
+  </p:clrMapOvr>
+</p:sld>
+</file>
+
+<file path=ppt/slides/slide6.xml><?xml version="1.0" encoding="utf-8"?>
+<p:sld xmlns:a="http://schemas.openxmlformats.org/drawingml/2006/main" xmlns:r="http://schemas.openxmlformats.org/officeDocument/2006/relationships" xmlns:p="http://schemas.openxmlformats.org/presentationml/2006/main">
+  <p:cSld>
+    <p:spTree>
+      <p:nvGrpSpPr>
+        <p:cNvPr id="1" name=""/>
+        <p:cNvGrpSpPr/>
+        <p:nvPr/>
+      </p:nvGrpSpPr>
+      <p:grpSpPr>
+        <a:xfrm>
+          <a:off x="0" y="0"/>
+          <a:ext cx="0" cy="0"/>
+          <a:chOff x="0" y="0"/>
+          <a:chExt cx="0" cy="0"/>
+        </a:xfrm>
+      </p:grpSpPr>
+      <p:sp>
+        <p:nvSpPr>
+          <p:cNvPr id="2" name="Title 1">
+            <a:extLst>
+              <a:ext uri="{FF2B5EF4-FFF2-40B4-BE49-F238E27FC236}">
+                <a16:creationId xmlns:a16="http://schemas.microsoft.com/office/drawing/2014/main" id="{D5328B9A-7E23-41D9-AD0D-72FFE9DBB0AA}"/>
+              </a:ext>
+            </a:extLst>
+          </p:cNvPr>
+          <p:cNvSpPr>
+            <a:spLocks noGrp="1"/>
+          </p:cNvSpPr>
+          <p:nvPr>
+            <p:ph type="title"/>
+          </p:nvPr>
+        </p:nvSpPr>
+        <p:spPr/>
+        <p:txBody>
+          <a:bodyPr/>
+          <a:lstStyle/>
+          <a:p>
+            <a:r>
+              <a:rPr lang="en-US" dirty="0"/>
+              <a:t>HTTP VERB / Http method</a:t>
+            </a:r>
+          </a:p>
+        </p:txBody>
+      </p:sp>
+      <p:sp>
+        <p:nvSpPr>
+          <p:cNvPr id="6" name="Content Placeholder 2">
+            <a:extLst>
+              <a:ext uri="{FF2B5EF4-FFF2-40B4-BE49-F238E27FC236}">
+                <a16:creationId xmlns:a16="http://schemas.microsoft.com/office/drawing/2014/main" id="{AD545B91-5301-44A5-BB20-762A3E8D0B88}"/>
+              </a:ext>
+            </a:extLst>
+          </p:cNvPr>
+          <p:cNvSpPr txBox="1">
+            <a:spLocks/>
+          </p:cNvSpPr>
+          <p:nvPr/>
+        </p:nvSpPr>
+        <p:spPr>
+          <a:xfrm>
+            <a:off x="444844" y="1878228"/>
+            <a:ext cx="11261124" cy="4769708"/>
+          </a:xfrm>
+          <a:prstGeom prst="rect">
+            <a:avLst/>
+          </a:prstGeom>
+        </p:spPr>
+        <p:txBody>
+          <a:bodyPr vert="horz" lIns="91440" tIns="45720" rIns="91440" bIns="45720" rtlCol="0" anchor="ctr">
+            <a:normAutofit/>
+          </a:bodyPr>
+          <a:lstStyle>
+            <a:lvl1pPr marL="306000" indent="-306000" algn="l" defTabSz="457200" rtl="0" eaLnBrk="1" latinLnBrk="0" hangingPunct="1">
+              <a:spcBef>
+                <a:spcPct val="20000"/>
+              </a:spcBef>
+              <a:spcAft>
+                <a:spcPts val="600"/>
+              </a:spcAft>
+              <a:buClr>
+                <a:schemeClr val="accent2"/>
+              </a:buClr>
+              <a:buSzPct val="92000"/>
+              <a:buFont typeface="Wingdings 2" panose="05020102010507070707" pitchFamily="18" charset="2"/>
+              <a:buChar char=""/>
+              <a:defRPr sz="1800" kern="1200">
+                <a:solidFill>
+                  <a:schemeClr val="tx2"/>
+                </a:solidFill>
+                <a:latin typeface="+mn-lt"/>
+                <a:ea typeface="+mn-ea"/>
+                <a:cs typeface="+mn-cs"/>
+              </a:defRPr>
+            </a:lvl1pPr>
+            <a:lvl2pPr marL="630000" indent="-306000" algn="l" defTabSz="457200" rtl="0" eaLnBrk="1" latinLnBrk="0" hangingPunct="1">
+              <a:spcBef>
+                <a:spcPct val="20000"/>
+              </a:spcBef>
+              <a:spcAft>
+                <a:spcPts val="600"/>
+              </a:spcAft>
+              <a:buClr>
+                <a:schemeClr val="accent2"/>
+              </a:buClr>
+              <a:buSzPct val="92000"/>
+              <a:buFont typeface="Wingdings 2" panose="05020102010507070707" pitchFamily="18" charset="2"/>
+              <a:buChar char=""/>
+              <a:defRPr sz="1600" kern="1200">
+                <a:solidFill>
+                  <a:schemeClr val="tx2"/>
+                </a:solidFill>
+                <a:latin typeface="+mn-lt"/>
+                <a:ea typeface="+mn-ea"/>
+                <a:cs typeface="+mn-cs"/>
+              </a:defRPr>
+            </a:lvl2pPr>
+            <a:lvl3pPr marL="900000" indent="-270000" algn="l" defTabSz="457200" rtl="0" eaLnBrk="1" latinLnBrk="0" hangingPunct="1">
+              <a:spcBef>
+                <a:spcPct val="20000"/>
+              </a:spcBef>
+              <a:spcAft>
+                <a:spcPts val="600"/>
+              </a:spcAft>
+              <a:buClr>
+                <a:schemeClr val="accent2"/>
+              </a:buClr>
+              <a:buSzPct val="92000"/>
+              <a:buFont typeface="Wingdings 2" panose="05020102010507070707" pitchFamily="18" charset="2"/>
+              <a:buChar char=""/>
+              <a:defRPr sz="1400" kern="1200">
+                <a:solidFill>
+                  <a:schemeClr val="tx2"/>
+                </a:solidFill>
+                <a:latin typeface="+mn-lt"/>
+                <a:ea typeface="+mn-ea"/>
+                <a:cs typeface="+mn-cs"/>
+              </a:defRPr>
+            </a:lvl3pPr>
+            <a:lvl4pPr marL="1242000" indent="-234000" algn="l" defTabSz="457200" rtl="0" eaLnBrk="1" latinLnBrk="0" hangingPunct="1">
+              <a:spcBef>
+                <a:spcPct val="20000"/>
+              </a:spcBef>
+              <a:spcAft>
+                <a:spcPts val="600"/>
+              </a:spcAft>
+              <a:buClr>
+                <a:schemeClr val="accent2"/>
+              </a:buClr>
+              <a:buSzPct val="92000"/>
+              <a:buFont typeface="Wingdings 2" panose="05020102010507070707" pitchFamily="18" charset="2"/>
+              <a:buChar char=""/>
+              <a:defRPr sz="1200" kern="1200">
+                <a:solidFill>
+                  <a:schemeClr val="tx2"/>
+                </a:solidFill>
+                <a:latin typeface="+mn-lt"/>
+                <a:ea typeface="+mn-ea"/>
+                <a:cs typeface="+mn-cs"/>
+              </a:defRPr>
+            </a:lvl4pPr>
+            <a:lvl5pPr marL="1602000" indent="-234000" algn="l" defTabSz="457200" rtl="0" eaLnBrk="1" latinLnBrk="0" hangingPunct="1">
+              <a:spcBef>
+                <a:spcPct val="20000"/>
+              </a:spcBef>
+              <a:spcAft>
+                <a:spcPts val="600"/>
+              </a:spcAft>
+              <a:buClr>
+                <a:schemeClr val="accent2"/>
+              </a:buClr>
+              <a:buSzPct val="92000"/>
+              <a:buFont typeface="Wingdings 2" panose="05020102010507070707" pitchFamily="18" charset="2"/>
+              <a:buChar char=""/>
+              <a:defRPr sz="1200" kern="1200">
+                <a:solidFill>
+                  <a:schemeClr val="tx2"/>
+                </a:solidFill>
+                <a:latin typeface="+mn-lt"/>
+                <a:ea typeface="+mn-ea"/>
+                <a:cs typeface="+mn-cs"/>
+              </a:defRPr>
+            </a:lvl5pPr>
+            <a:lvl6pPr marL="1900000" indent="-228600" algn="l" defTabSz="457200" rtl="0" eaLnBrk="1" latinLnBrk="0" hangingPunct="1">
+              <a:spcBef>
+                <a:spcPct val="20000"/>
+              </a:spcBef>
+              <a:spcAft>
+                <a:spcPts val="600"/>
+              </a:spcAft>
+              <a:buClr>
+                <a:schemeClr val="accent2"/>
+              </a:buClr>
+              <a:buSzPct val="92000"/>
+              <a:buFont typeface="Wingdings 2" panose="05020102010507070707" pitchFamily="18" charset="2"/>
+              <a:buChar char=""/>
+              <a:defRPr sz="1200" kern="1200">
+                <a:solidFill>
+                  <a:schemeClr val="tx2"/>
+                </a:solidFill>
+                <a:latin typeface="+mn-lt"/>
+                <a:ea typeface="+mn-ea"/>
+                <a:cs typeface="+mn-cs"/>
+              </a:defRPr>
+            </a:lvl6pPr>
+            <a:lvl7pPr marL="2200000" indent="-228600" algn="l" defTabSz="457200" rtl="0" eaLnBrk="1" latinLnBrk="0" hangingPunct="1">
+              <a:spcBef>
+                <a:spcPct val="20000"/>
+              </a:spcBef>
+              <a:spcAft>
+                <a:spcPts val="600"/>
+              </a:spcAft>
+              <a:buClr>
+                <a:schemeClr val="accent2"/>
+              </a:buClr>
+              <a:buSzPct val="92000"/>
+              <a:buFont typeface="Wingdings 2" panose="05020102010507070707" pitchFamily="18" charset="2"/>
+              <a:buChar char=""/>
+              <a:defRPr sz="1200" kern="1200">
+                <a:solidFill>
+                  <a:schemeClr val="tx2"/>
+                </a:solidFill>
+                <a:latin typeface="+mn-lt"/>
+                <a:ea typeface="+mn-ea"/>
+                <a:cs typeface="+mn-cs"/>
+              </a:defRPr>
+            </a:lvl7pPr>
+            <a:lvl8pPr marL="2500000" indent="-228600" algn="l" defTabSz="457200" rtl="0" eaLnBrk="1" latinLnBrk="0" hangingPunct="1">
+              <a:spcBef>
+                <a:spcPct val="20000"/>
+              </a:spcBef>
+              <a:spcAft>
+                <a:spcPts val="600"/>
+              </a:spcAft>
+              <a:buClr>
+                <a:schemeClr val="accent2"/>
+              </a:buClr>
+              <a:buSzPct val="92000"/>
+              <a:buFont typeface="Wingdings 2" panose="05020102010507070707" pitchFamily="18" charset="2"/>
+              <a:buChar char=""/>
+              <a:defRPr sz="1200" kern="1200">
+                <a:solidFill>
+                  <a:schemeClr val="tx2"/>
+                </a:solidFill>
+                <a:latin typeface="+mn-lt"/>
+                <a:ea typeface="+mn-ea"/>
+                <a:cs typeface="+mn-cs"/>
+              </a:defRPr>
+            </a:lvl8pPr>
+            <a:lvl9pPr marL="2800000" indent="-228600" algn="l" defTabSz="457200" rtl="0" eaLnBrk="1" latinLnBrk="0" hangingPunct="1">
+              <a:spcBef>
+                <a:spcPct val="20000"/>
+              </a:spcBef>
+              <a:spcAft>
+                <a:spcPts val="600"/>
+              </a:spcAft>
+              <a:buClr>
+                <a:schemeClr val="accent2"/>
+              </a:buClr>
+              <a:buSzPct val="92000"/>
+              <a:buFont typeface="Wingdings 2" panose="05020102010507070707" pitchFamily="18" charset="2"/>
+              <a:buChar char=""/>
+              <a:defRPr sz="1200" kern="1200">
+                <a:solidFill>
+                  <a:schemeClr val="tx2"/>
+                </a:solidFill>
+                <a:latin typeface="+mn-lt"/>
+                <a:ea typeface="+mn-ea"/>
+                <a:cs typeface="+mn-cs"/>
+              </a:defRPr>
+            </a:lvl9pPr>
+          </a:lstStyle>
+          <a:p>
+            <a:r>
+              <a:rPr lang="en-US" b="1" dirty="0"/>
+              <a:t>HTTP GET</a:t>
+            </a:r>
+          </a:p>
+          <a:p>
+            <a:pPr marL="0" indent="0">
+              <a:buNone/>
+            </a:pPr>
+            <a:r>
+              <a:rPr lang="en-US" dirty="0"/>
+              <a:t>	</a:t>
+            </a:r>
+            <a:r>
+              <a:rPr lang="en-US" b="1" dirty="0"/>
+              <a:t>to retrieve resource representation/information only</a:t>
+            </a:r>
+            <a:endParaRPr lang="en-US" dirty="0"/>
+          </a:p>
+          <a:p>
+            <a:r>
+              <a:rPr lang="en-US" b="1" dirty="0"/>
+              <a:t>HTTP POST</a:t>
+            </a:r>
+          </a:p>
+          <a:p>
+            <a:pPr marL="0" indent="0">
+              <a:buNone/>
+            </a:pPr>
+            <a:r>
+              <a:rPr lang="en-US" dirty="0"/>
+              <a:t>	</a:t>
+            </a:r>
+            <a:r>
+              <a:rPr lang="en-US" b="1" dirty="0"/>
+              <a:t>to create new subordinate resources</a:t>
+            </a:r>
+            <a:r>
+              <a:rPr lang="en-US" dirty="0"/>
+              <a:t>,</a:t>
+            </a:r>
+          </a:p>
+          <a:p>
+            <a:r>
+              <a:rPr lang="en-US" b="1" dirty="0"/>
+              <a:t>HTTP PUT</a:t>
+            </a:r>
+          </a:p>
+          <a:p>
+            <a:pPr marL="0" indent="0">
+              <a:buNone/>
+            </a:pPr>
+            <a:r>
+              <a:rPr lang="en-US" dirty="0"/>
+              <a:t>	 </a:t>
+            </a:r>
+            <a:r>
+              <a:rPr lang="en-US" b="1" dirty="0"/>
+              <a:t>to update existing resource</a:t>
+            </a:r>
+          </a:p>
+          <a:p>
+            <a:r>
+              <a:rPr lang="en-US" b="1" dirty="0"/>
+              <a:t>HTTP DELETE</a:t>
+            </a:r>
+          </a:p>
+          <a:p>
+            <a:pPr marL="0" indent="0">
+              <a:buNone/>
+            </a:pPr>
+            <a:r>
+              <a:rPr lang="en-US" dirty="0"/>
+              <a:t>	</a:t>
+            </a:r>
+            <a:r>
+              <a:rPr lang="en-US" b="1" dirty="0"/>
+              <a:t>to delete resources</a:t>
+            </a:r>
+          </a:p>
+          <a:p>
+            <a:r>
+              <a:rPr lang="en-US" b="1" dirty="0"/>
+              <a:t>HTTP PATCH</a:t>
+            </a:r>
+          </a:p>
+          <a:p>
+            <a:pPr marL="0" indent="0">
+              <a:buNone/>
+            </a:pPr>
+            <a:r>
+              <a:rPr lang="en-US" dirty="0"/>
+              <a:t>	</a:t>
+            </a:r>
+            <a:r>
+              <a:rPr lang="en-US" b="1" dirty="0"/>
+              <a:t>to make partial update on a resource</a:t>
+            </a:r>
+            <a:endParaRPr lang="en-US" dirty="0"/>
+          </a:p>
+          <a:p>
+            <a:endParaRPr lang="en-US" dirty="0"/>
+          </a:p>
+        </p:txBody>
+      </p:sp>
+    </p:spTree>
+    <p:extLst>
+      <p:ext uri="{BB962C8B-B14F-4D97-AF65-F5344CB8AC3E}">
+        <p14:creationId xmlns:p14="http://schemas.microsoft.com/office/powerpoint/2010/main" val="2985826084"/>
+      </p:ext>
+    </p:extLst>
+  </p:cSld>
+  <p:clrMapOvr>
+    <a:masterClrMapping/>
+  </p:clrMapOvr>
+</p:sld>
+</file>
+
+<file path=ppt/slides/slide7.xml><?xml version="1.0" encoding="utf-8"?>
+<p:sld xmlns:a="http://schemas.openxmlformats.org/drawingml/2006/main" xmlns:r="http://schemas.openxmlformats.org/officeDocument/2006/relationships" xmlns:p="http://schemas.openxmlformats.org/presentationml/2006/main">
+  <p:cSld>
+    <p:spTree>
+      <p:nvGrpSpPr>
+        <p:cNvPr id="1" name=""/>
+        <p:cNvGrpSpPr/>
+        <p:nvPr/>
+      </p:nvGrpSpPr>
+      <p:grpSpPr>
+        <a:xfrm>
+          <a:off x="0" y="0"/>
+          <a:ext cx="0" cy="0"/>
+          <a:chOff x="0" y="0"/>
+          <a:chExt cx="0" cy="0"/>
+        </a:xfrm>
+      </p:grpSpPr>
+      <p:sp>
+        <p:nvSpPr>
+          <p:cNvPr id="2" name="Title 1">
+            <a:extLst>
+              <a:ext uri="{FF2B5EF4-FFF2-40B4-BE49-F238E27FC236}">
+                <a16:creationId xmlns:a16="http://schemas.microsoft.com/office/drawing/2014/main" id="{D5328B9A-7E23-41D9-AD0D-72FFE9DBB0AA}"/>
+              </a:ext>
+            </a:extLst>
+          </p:cNvPr>
+          <p:cNvSpPr>
+            <a:spLocks noGrp="1"/>
+          </p:cNvSpPr>
+          <p:nvPr>
+            <p:ph type="title"/>
+          </p:nvPr>
+        </p:nvSpPr>
+        <p:spPr/>
+        <p:txBody>
+          <a:bodyPr/>
+          <a:lstStyle/>
+          <a:p>
+            <a:r>
+              <a:rPr lang="en-US" dirty="0"/>
+              <a:t>Http Status code</a:t>
+            </a:r>
+          </a:p>
+        </p:txBody>
+      </p:sp>
+      <p:pic>
+        <p:nvPicPr>
+          <p:cNvPr id="3" name="Picture 2">
+            <a:extLst>
+              <a:ext uri="{FF2B5EF4-FFF2-40B4-BE49-F238E27FC236}">
+                <a16:creationId xmlns:a16="http://schemas.microsoft.com/office/drawing/2014/main" id="{80E9CC70-EE0F-450C-AA8C-B595C98A7419}"/>
+              </a:ext>
+            </a:extLst>
+          </p:cNvPr>
+          <p:cNvPicPr>
+            <a:picLocks noChangeAspect="1"/>
+          </p:cNvPicPr>
+          <p:nvPr/>
+        </p:nvPicPr>
+        <p:blipFill>
+          <a:blip r:embed="rId2"/>
+          <a:stretch>
+            <a:fillRect/>
+          </a:stretch>
+        </p:blipFill>
+        <p:spPr>
+          <a:xfrm>
+            <a:off x="1875453" y="1827317"/>
+            <a:ext cx="7234918" cy="4761966"/>
+          </a:xfrm>
+          <a:prstGeom prst="rect">
+            <a:avLst/>
+          </a:prstGeom>
+        </p:spPr>
+      </p:pic>
+      <p:sp>
+        <p:nvSpPr>
+          <p:cNvPr id="4" name="TextBox 3">
+            <a:extLst>
+              <a:ext uri="{FF2B5EF4-FFF2-40B4-BE49-F238E27FC236}">
+                <a16:creationId xmlns:a16="http://schemas.microsoft.com/office/drawing/2014/main" id="{32243AFE-3BA6-43F4-A91E-B7E5D7D3107B}"/>
+              </a:ext>
+            </a:extLst>
+          </p:cNvPr>
+          <p:cNvSpPr txBox="1"/>
+          <p:nvPr/>
+        </p:nvSpPr>
+        <p:spPr>
+          <a:xfrm>
+            <a:off x="8522305" y="6589283"/>
+            <a:ext cx="3588483" cy="461665"/>
+          </a:xfrm>
+          <a:prstGeom prst="rect">
+            <a:avLst/>
+          </a:prstGeom>
+          <a:noFill/>
+        </p:spPr>
+        <p:txBody>
+          <a:bodyPr wrap="none" rtlCol="0">
+            <a:spAutoFit/>
+          </a:bodyPr>
+          <a:lstStyle/>
+          <a:p>
+            <a:r>
+              <a:rPr lang="en-US" sz="1200" dirty="0">
+                <a:hlinkClick r:id="rId3"/>
+              </a:rPr>
+              <a:t>https://www.restapitutorial.com/httpstatuscodes.html#</a:t>
+            </a:r>
+            <a:endParaRPr lang="en-US" sz="1200" dirty="0"/>
+          </a:p>
+          <a:p>
+            <a:endParaRPr lang="en-US" sz="1200" dirty="0"/>
+          </a:p>
+        </p:txBody>
+      </p:sp>
+    </p:spTree>
+    <p:extLst>
+      <p:ext uri="{BB962C8B-B14F-4D97-AF65-F5344CB8AC3E}">
+        <p14:creationId xmlns:p14="http://schemas.microsoft.com/office/powerpoint/2010/main" val="4266452774"/>
+      </p:ext>
+    </p:extLst>
+  </p:cSld>
+  <p:clrMapOvr>
+    <a:masterClrMapping/>
+  </p:clrMapOvr>
+</p:sld>
+</file>
+
 <file path=ppt/slides/slide8.xml><?xml version="1.0" encoding="utf-8"?>
 <p:sld xmlns:a="http://schemas.openxmlformats.org/drawingml/2006/main" xmlns:r="http://schemas.openxmlformats.org/officeDocument/2006/relationships" xmlns:p="http://schemas.openxmlformats.org/presentationml/2006/main">
   <p:cSld>
@@ -5770,7 +6834,7 @@
           <p:cNvPr id="2" name="Title 1">
             <a:extLst>
               <a:ext uri="{FF2B5EF4-FFF2-40B4-BE49-F238E27FC236}">
-                <a16:creationId xmlns:a16="http://schemas.microsoft.com/office/drawing/2014/main" id="{62971A82-0015-4D5F-8E98-8A56FA7CE5A7}"/>
+                <a16:creationId xmlns:a16="http://schemas.microsoft.com/office/drawing/2014/main" id="{D5328B9A-7E23-41D9-AD0D-72FFE9DBB0AA}"/>
               </a:ext>
             </a:extLst>
           </p:cNvPr>
@@ -5788,57 +6852,1622 @@
           <a:p>
             <a:r>
               <a:rPr lang="en-US" dirty="0"/>
-              <a:t>assignment</a:t>
-            </a:r>
-          </a:p>
-        </p:txBody>
-      </p:sp>
-      <p:sp>
-        <p:nvSpPr>
-          <p:cNvPr id="3" name="Content Placeholder 2">
+              <a:t>Http Status code</a:t>
+            </a:r>
+          </a:p>
+        </p:txBody>
+      </p:sp>
+      <p:sp>
+        <p:nvSpPr>
+          <p:cNvPr id="4" name="TextBox 3">
             <a:extLst>
               <a:ext uri="{FF2B5EF4-FFF2-40B4-BE49-F238E27FC236}">
-                <a16:creationId xmlns:a16="http://schemas.microsoft.com/office/drawing/2014/main" id="{B125871F-9408-4333-A7A0-3692BA133989}"/>
+                <a16:creationId xmlns:a16="http://schemas.microsoft.com/office/drawing/2014/main" id="{32243AFE-3BA6-43F4-A91E-B7E5D7D3107B}"/>
               </a:ext>
             </a:extLst>
           </p:cNvPr>
-          <p:cNvSpPr>
-            <a:spLocks noGrp="1"/>
-          </p:cNvSpPr>
-          <p:nvPr>
-            <p:ph idx="1"/>
-          </p:nvPr>
-        </p:nvSpPr>
-        <p:spPr/>
-        <p:txBody>
-          <a:bodyPr/>
+          <p:cNvSpPr txBox="1"/>
+          <p:nvPr/>
+        </p:nvSpPr>
+        <p:spPr>
+          <a:xfrm>
+            <a:off x="8151602" y="6602453"/>
+            <a:ext cx="3804888" cy="461665"/>
+          </a:xfrm>
+          <a:prstGeom prst="rect">
+            <a:avLst/>
+          </a:prstGeom>
+          <a:noFill/>
+        </p:spPr>
+        <p:txBody>
+          <a:bodyPr wrap="none" rtlCol="0">
+            <a:spAutoFit/>
+          </a:bodyPr>
           <a:lstStyle/>
           <a:p>
             <a:r>
-              <a:rPr lang="en-US" dirty="0"/>
-              <a:t>Create Project web </a:t>
-            </a:r>
-            <a:r>
-              <a:rPr lang="en-US" dirty="0" err="1"/>
-              <a:t>api</a:t>
-            </a:r>
-            <a:endParaRPr lang="en-US" dirty="0"/>
-          </a:p>
-          <a:p>
-            <a:r>
-              <a:rPr lang="en-US" dirty="0"/>
-              <a:t>Create Controller that contain method for GET, POST, PUT, DELETE</a:t>
-            </a:r>
-          </a:p>
-          <a:p>
-            <a:endParaRPr lang="en-US" dirty="0"/>
-          </a:p>
-        </p:txBody>
-      </p:sp>
+              <a:rPr lang="en-US" sz="1200" dirty="0">
+                <a:hlinkClick r:id="rId2"/>
+              </a:rPr>
+              <a:t>https://www.restapitutorial.com/lessons/httpmethods.html</a:t>
+            </a:r>
+            <a:endParaRPr lang="en-US" sz="1200" dirty="0"/>
+          </a:p>
+          <a:p>
+            <a:endParaRPr lang="en-US" sz="1200" dirty="0"/>
+          </a:p>
+        </p:txBody>
+      </p:sp>
+      <p:graphicFrame>
+        <p:nvGraphicFramePr>
+          <p:cNvPr id="5" name="Table 4">
+            <a:extLst>
+              <a:ext uri="{FF2B5EF4-FFF2-40B4-BE49-F238E27FC236}">
+                <a16:creationId xmlns:a16="http://schemas.microsoft.com/office/drawing/2014/main" id="{85D03F6E-FEAE-421C-96EB-2749583379FD}"/>
+              </a:ext>
+            </a:extLst>
+          </p:cNvPr>
+          <p:cNvGraphicFramePr>
+            <a:graphicFrameLocks noGrp="1"/>
+          </p:cNvGraphicFramePr>
+          <p:nvPr>
+            <p:extLst>
+              <p:ext uri="{D42A27DB-BD31-4B8C-83A1-F6EECF244321}">
+                <p14:modId xmlns:p14="http://schemas.microsoft.com/office/powerpoint/2010/main" val="3462556769"/>
+              </p:ext>
+            </p:extLst>
+          </p:nvPr>
+        </p:nvGraphicFramePr>
+        <p:xfrm>
+          <a:off x="510746" y="2027152"/>
+          <a:ext cx="11170508" cy="4390123"/>
+        </p:xfrm>
+        <a:graphic>
+          <a:graphicData uri="http://schemas.openxmlformats.org/drawingml/2006/table">
+            <a:tbl>
+              <a:tblPr/>
+              <a:tblGrid>
+                <a:gridCol w="1169773">
+                  <a:extLst>
+                    <a:ext uri="{9D8B030D-6E8A-4147-A177-3AD203B41FA5}">
+                      <a16:colId xmlns:a16="http://schemas.microsoft.com/office/drawing/2014/main" val="522076097"/>
+                    </a:ext>
+                  </a:extLst>
+                </a:gridCol>
+                <a:gridCol w="1210962">
+                  <a:extLst>
+                    <a:ext uri="{9D8B030D-6E8A-4147-A177-3AD203B41FA5}">
+                      <a16:colId xmlns:a16="http://schemas.microsoft.com/office/drawing/2014/main" val="2022827422"/>
+                    </a:ext>
+                  </a:extLst>
+                </a:gridCol>
+                <a:gridCol w="4497860">
+                  <a:extLst>
+                    <a:ext uri="{9D8B030D-6E8A-4147-A177-3AD203B41FA5}">
+                      <a16:colId xmlns:a16="http://schemas.microsoft.com/office/drawing/2014/main" val="348947988"/>
+                    </a:ext>
+                  </a:extLst>
+                </a:gridCol>
+                <a:gridCol w="4291913">
+                  <a:extLst>
+                    <a:ext uri="{9D8B030D-6E8A-4147-A177-3AD203B41FA5}">
+                      <a16:colId xmlns:a16="http://schemas.microsoft.com/office/drawing/2014/main" val="3580186882"/>
+                    </a:ext>
+                  </a:extLst>
+                </a:gridCol>
+              </a:tblGrid>
+              <a:tr h="461064">
+                <a:tc>
+                  <a:txBody>
+                    <a:bodyPr/>
+                    <a:lstStyle/>
+                    <a:p>
+                      <a:pPr algn="l" fontAlgn="b"/>
+                      <a:r>
+                        <a:rPr lang="en-US" sz="1200" b="1">
+                          <a:effectLst/>
+                        </a:rPr>
+                        <a:t>HTTP Verb</a:t>
+                      </a:r>
+                    </a:p>
+                  </a:txBody>
+                  <a:tcPr marL="40231" marR="40231" marT="40231" marB="40231" anchor="b">
+                    <a:lnL w="9525" cap="flat" cmpd="sng" algn="ctr">
+                      <a:solidFill>
+                        <a:srgbClr val="DDDDDD"/>
+                      </a:solidFill>
+                      <a:prstDash val="solid"/>
+                      <a:round/>
+                      <a:headEnd type="none" w="med" len="med"/>
+                      <a:tailEnd type="none" w="med" len="med"/>
+                    </a:lnL>
+                    <a:lnR w="9525" cap="flat" cmpd="sng" algn="ctr">
+                      <a:solidFill>
+                        <a:srgbClr val="DDDDDD"/>
+                      </a:solidFill>
+                      <a:prstDash val="solid"/>
+                      <a:round/>
+                      <a:headEnd type="none" w="med" len="med"/>
+                      <a:tailEnd type="none" w="med" len="med"/>
+                    </a:lnR>
+                    <a:lnT w="9525" cap="flat" cmpd="sng" algn="ctr">
+                      <a:solidFill>
+                        <a:srgbClr val="DDDDDD"/>
+                      </a:solidFill>
+                      <a:prstDash val="solid"/>
+                      <a:round/>
+                      <a:headEnd type="none" w="med" len="med"/>
+                      <a:tailEnd type="none" w="med" len="med"/>
+                    </a:lnT>
+                    <a:lnB w="9525" cap="flat" cmpd="sng" algn="ctr">
+                      <a:solidFill>
+                        <a:srgbClr val="DDDDDD"/>
+                      </a:solidFill>
+                      <a:prstDash val="solid"/>
+                      <a:round/>
+                      <a:headEnd type="none" w="med" len="med"/>
+                      <a:tailEnd type="none" w="med" len="med"/>
+                    </a:lnB>
+                    <a:solidFill>
+                      <a:srgbClr val="FFFFFF"/>
+                    </a:solidFill>
+                  </a:tcPr>
+                </a:tc>
+                <a:tc>
+                  <a:txBody>
+                    <a:bodyPr/>
+                    <a:lstStyle/>
+                    <a:p>
+                      <a:pPr algn="l" fontAlgn="b"/>
+                      <a:r>
+                        <a:rPr lang="en-US" sz="1200" b="1">
+                          <a:effectLst/>
+                        </a:rPr>
+                        <a:t>CRUD</a:t>
+                      </a:r>
+                    </a:p>
+                  </a:txBody>
+                  <a:tcPr marL="40231" marR="40231" marT="40231" marB="40231" anchor="b">
+                    <a:lnL w="9525" cap="flat" cmpd="sng" algn="ctr">
+                      <a:solidFill>
+                        <a:srgbClr val="DDDDDD"/>
+                      </a:solidFill>
+                      <a:prstDash val="solid"/>
+                      <a:round/>
+                      <a:headEnd type="none" w="med" len="med"/>
+                      <a:tailEnd type="none" w="med" len="med"/>
+                    </a:lnL>
+                    <a:lnR w="9525" cap="flat" cmpd="sng" algn="ctr">
+                      <a:solidFill>
+                        <a:srgbClr val="DDDDDD"/>
+                      </a:solidFill>
+                      <a:prstDash val="solid"/>
+                      <a:round/>
+                      <a:headEnd type="none" w="med" len="med"/>
+                      <a:tailEnd type="none" w="med" len="med"/>
+                    </a:lnR>
+                    <a:lnT w="9525" cap="flat" cmpd="sng" algn="ctr">
+                      <a:solidFill>
+                        <a:srgbClr val="DDDDDD"/>
+                      </a:solidFill>
+                      <a:prstDash val="solid"/>
+                      <a:round/>
+                      <a:headEnd type="none" w="med" len="med"/>
+                      <a:tailEnd type="none" w="med" len="med"/>
+                    </a:lnT>
+                    <a:lnB w="9525" cap="flat" cmpd="sng" algn="ctr">
+                      <a:solidFill>
+                        <a:srgbClr val="DDDDDD"/>
+                      </a:solidFill>
+                      <a:prstDash val="solid"/>
+                      <a:round/>
+                      <a:headEnd type="none" w="med" len="med"/>
+                      <a:tailEnd type="none" w="med" len="med"/>
+                    </a:lnB>
+                    <a:solidFill>
+                      <a:srgbClr val="FFFFFF"/>
+                    </a:solidFill>
+                  </a:tcPr>
+                </a:tc>
+                <a:tc>
+                  <a:txBody>
+                    <a:bodyPr/>
+                    <a:lstStyle/>
+                    <a:p>
+                      <a:pPr algn="l" fontAlgn="b"/>
+                      <a:r>
+                        <a:rPr lang="en-US" sz="1200" b="1">
+                          <a:effectLst/>
+                        </a:rPr>
+                        <a:t>Entire Collection (e.g. /customers)</a:t>
+                      </a:r>
+                    </a:p>
+                  </a:txBody>
+                  <a:tcPr marL="40231" marR="40231" marT="40231" marB="40231" anchor="b">
+                    <a:lnL w="9525" cap="flat" cmpd="sng" algn="ctr">
+                      <a:solidFill>
+                        <a:srgbClr val="DDDDDD"/>
+                      </a:solidFill>
+                      <a:prstDash val="solid"/>
+                      <a:round/>
+                      <a:headEnd type="none" w="med" len="med"/>
+                      <a:tailEnd type="none" w="med" len="med"/>
+                    </a:lnL>
+                    <a:lnR w="9525" cap="flat" cmpd="sng" algn="ctr">
+                      <a:solidFill>
+                        <a:srgbClr val="DDDDDD"/>
+                      </a:solidFill>
+                      <a:prstDash val="solid"/>
+                      <a:round/>
+                      <a:headEnd type="none" w="med" len="med"/>
+                      <a:tailEnd type="none" w="med" len="med"/>
+                    </a:lnR>
+                    <a:lnT w="9525" cap="flat" cmpd="sng" algn="ctr">
+                      <a:solidFill>
+                        <a:srgbClr val="DDDDDD"/>
+                      </a:solidFill>
+                      <a:prstDash val="solid"/>
+                      <a:round/>
+                      <a:headEnd type="none" w="med" len="med"/>
+                      <a:tailEnd type="none" w="med" len="med"/>
+                    </a:lnT>
+                    <a:lnB w="9525" cap="flat" cmpd="sng" algn="ctr">
+                      <a:solidFill>
+                        <a:srgbClr val="DDDDDD"/>
+                      </a:solidFill>
+                      <a:prstDash val="solid"/>
+                      <a:round/>
+                      <a:headEnd type="none" w="med" len="med"/>
+                      <a:tailEnd type="none" w="med" len="med"/>
+                    </a:lnB>
+                    <a:solidFill>
+                      <a:srgbClr val="FFFFFF"/>
+                    </a:solidFill>
+                  </a:tcPr>
+                </a:tc>
+                <a:tc>
+                  <a:txBody>
+                    <a:bodyPr/>
+                    <a:lstStyle/>
+                    <a:p>
+                      <a:pPr algn="l" fontAlgn="b"/>
+                      <a:r>
+                        <a:rPr lang="en-US" sz="1200" b="1">
+                          <a:effectLst/>
+                        </a:rPr>
+                        <a:t>Specific Item (e.g. /customers/{id})</a:t>
+                      </a:r>
+                    </a:p>
+                  </a:txBody>
+                  <a:tcPr marL="40231" marR="40231" marT="40231" marB="40231" anchor="b">
+                    <a:lnL w="9525" cap="flat" cmpd="sng" algn="ctr">
+                      <a:solidFill>
+                        <a:srgbClr val="DDDDDD"/>
+                      </a:solidFill>
+                      <a:prstDash val="solid"/>
+                      <a:round/>
+                      <a:headEnd type="none" w="med" len="med"/>
+                      <a:tailEnd type="none" w="med" len="med"/>
+                    </a:lnL>
+                    <a:lnR w="9525" cap="flat" cmpd="sng" algn="ctr">
+                      <a:solidFill>
+                        <a:srgbClr val="DDDDDD"/>
+                      </a:solidFill>
+                      <a:prstDash val="solid"/>
+                      <a:round/>
+                      <a:headEnd type="none" w="med" len="med"/>
+                      <a:tailEnd type="none" w="med" len="med"/>
+                    </a:lnR>
+                    <a:lnT w="9525" cap="flat" cmpd="sng" algn="ctr">
+                      <a:solidFill>
+                        <a:srgbClr val="DDDDDD"/>
+                      </a:solidFill>
+                      <a:prstDash val="solid"/>
+                      <a:round/>
+                      <a:headEnd type="none" w="med" len="med"/>
+                      <a:tailEnd type="none" w="med" len="med"/>
+                    </a:lnT>
+                    <a:lnB w="9525" cap="flat" cmpd="sng" algn="ctr">
+                      <a:solidFill>
+                        <a:srgbClr val="DDDDDD"/>
+                      </a:solidFill>
+                      <a:prstDash val="solid"/>
+                      <a:round/>
+                      <a:headEnd type="none" w="med" len="med"/>
+                      <a:tailEnd type="none" w="med" len="med"/>
+                    </a:lnB>
+                    <a:solidFill>
+                      <a:srgbClr val="FFFFFF"/>
+                    </a:solidFill>
+                  </a:tcPr>
+                </a:tc>
+                <a:extLst>
+                  <a:ext uri="{0D108BD9-81ED-4DB2-BD59-A6C34878D82A}">
+                    <a16:rowId xmlns:a16="http://schemas.microsoft.com/office/drawing/2014/main" val="2923445522"/>
+                  </a:ext>
+                </a:extLst>
+              </a:tr>
+              <a:tr h="821895">
+                <a:tc>
+                  <a:txBody>
+                    <a:bodyPr/>
+                    <a:lstStyle/>
+                    <a:p>
+                      <a:pPr algn="l" fontAlgn="t"/>
+                      <a:r>
+                        <a:rPr lang="en-US" sz="1200">
+                          <a:effectLst/>
+                        </a:rPr>
+                        <a:t>POST</a:t>
+                      </a:r>
+                    </a:p>
+                  </a:txBody>
+                  <a:tcPr marL="40231" marR="40231" marT="40231" marB="40231">
+                    <a:lnL w="9525" cap="flat" cmpd="sng" algn="ctr">
+                      <a:solidFill>
+                        <a:srgbClr val="DDDDDD"/>
+                      </a:solidFill>
+                      <a:prstDash val="solid"/>
+                      <a:round/>
+                      <a:headEnd type="none" w="med" len="med"/>
+                      <a:tailEnd type="none" w="med" len="med"/>
+                    </a:lnL>
+                    <a:lnR w="9525" cap="flat" cmpd="sng" algn="ctr">
+                      <a:solidFill>
+                        <a:srgbClr val="DDDDDD"/>
+                      </a:solidFill>
+                      <a:prstDash val="solid"/>
+                      <a:round/>
+                      <a:headEnd type="none" w="med" len="med"/>
+                      <a:tailEnd type="none" w="med" len="med"/>
+                    </a:lnR>
+                    <a:lnT w="9525" cap="flat" cmpd="sng" algn="ctr">
+                      <a:solidFill>
+                        <a:srgbClr val="DDDDDD"/>
+                      </a:solidFill>
+                      <a:prstDash val="solid"/>
+                      <a:round/>
+                      <a:headEnd type="none" w="med" len="med"/>
+                      <a:tailEnd type="none" w="med" len="med"/>
+                    </a:lnT>
+                    <a:lnB w="9525" cap="flat" cmpd="sng" algn="ctr">
+                      <a:solidFill>
+                        <a:srgbClr val="DDDDDD"/>
+                      </a:solidFill>
+                      <a:prstDash val="solid"/>
+                      <a:round/>
+                      <a:headEnd type="none" w="med" len="med"/>
+                      <a:tailEnd type="none" w="med" len="med"/>
+                    </a:lnB>
+                    <a:solidFill>
+                      <a:srgbClr val="F9F9F9"/>
+                    </a:solidFill>
+                  </a:tcPr>
+                </a:tc>
+                <a:tc>
+                  <a:txBody>
+                    <a:bodyPr/>
+                    <a:lstStyle/>
+                    <a:p>
+                      <a:pPr algn="l" fontAlgn="t"/>
+                      <a:r>
+                        <a:rPr lang="en-US" sz="1200">
+                          <a:effectLst/>
+                        </a:rPr>
+                        <a:t>Create</a:t>
+                      </a:r>
+                    </a:p>
+                  </a:txBody>
+                  <a:tcPr marL="40231" marR="40231" marT="40231" marB="40231">
+                    <a:lnL w="9525" cap="flat" cmpd="sng" algn="ctr">
+                      <a:solidFill>
+                        <a:srgbClr val="DDDDDD"/>
+                      </a:solidFill>
+                      <a:prstDash val="solid"/>
+                      <a:round/>
+                      <a:headEnd type="none" w="med" len="med"/>
+                      <a:tailEnd type="none" w="med" len="med"/>
+                    </a:lnL>
+                    <a:lnR w="9525" cap="flat" cmpd="sng" algn="ctr">
+                      <a:solidFill>
+                        <a:srgbClr val="DDDDDD"/>
+                      </a:solidFill>
+                      <a:prstDash val="solid"/>
+                      <a:round/>
+                      <a:headEnd type="none" w="med" len="med"/>
+                      <a:tailEnd type="none" w="med" len="med"/>
+                    </a:lnR>
+                    <a:lnT w="9525" cap="flat" cmpd="sng" algn="ctr">
+                      <a:solidFill>
+                        <a:srgbClr val="DDDDDD"/>
+                      </a:solidFill>
+                      <a:prstDash val="solid"/>
+                      <a:round/>
+                      <a:headEnd type="none" w="med" len="med"/>
+                      <a:tailEnd type="none" w="med" len="med"/>
+                    </a:lnT>
+                    <a:lnB w="9525" cap="flat" cmpd="sng" algn="ctr">
+                      <a:solidFill>
+                        <a:srgbClr val="DDDDDD"/>
+                      </a:solidFill>
+                      <a:prstDash val="solid"/>
+                      <a:round/>
+                      <a:headEnd type="none" w="med" len="med"/>
+                      <a:tailEnd type="none" w="med" len="med"/>
+                    </a:lnB>
+                    <a:solidFill>
+                      <a:srgbClr val="F9F9F9"/>
+                    </a:solidFill>
+                  </a:tcPr>
+                </a:tc>
+                <a:tc>
+                  <a:txBody>
+                    <a:bodyPr/>
+                    <a:lstStyle/>
+                    <a:p>
+                      <a:pPr algn="l" fontAlgn="t"/>
+                      <a:r>
+                        <a:rPr lang="en-US" sz="1200" dirty="0">
+                          <a:effectLst/>
+                        </a:rPr>
+                        <a:t>201 (Created), 'Location' header with link to /customers/{id} containing new ID.</a:t>
+                      </a:r>
+                    </a:p>
+                  </a:txBody>
+                  <a:tcPr marL="40231" marR="40231" marT="40231" marB="40231">
+                    <a:lnL w="9525" cap="flat" cmpd="sng" algn="ctr">
+                      <a:solidFill>
+                        <a:srgbClr val="DDDDDD"/>
+                      </a:solidFill>
+                      <a:prstDash val="solid"/>
+                      <a:round/>
+                      <a:headEnd type="none" w="med" len="med"/>
+                      <a:tailEnd type="none" w="med" len="med"/>
+                    </a:lnL>
+                    <a:lnR w="9525" cap="flat" cmpd="sng" algn="ctr">
+                      <a:solidFill>
+                        <a:srgbClr val="DDDDDD"/>
+                      </a:solidFill>
+                      <a:prstDash val="solid"/>
+                      <a:round/>
+                      <a:headEnd type="none" w="med" len="med"/>
+                      <a:tailEnd type="none" w="med" len="med"/>
+                    </a:lnR>
+                    <a:lnT w="9525" cap="flat" cmpd="sng" algn="ctr">
+                      <a:solidFill>
+                        <a:srgbClr val="DDDDDD"/>
+                      </a:solidFill>
+                      <a:prstDash val="solid"/>
+                      <a:round/>
+                      <a:headEnd type="none" w="med" len="med"/>
+                      <a:tailEnd type="none" w="med" len="med"/>
+                    </a:lnT>
+                    <a:lnB w="9525" cap="flat" cmpd="sng" algn="ctr">
+                      <a:solidFill>
+                        <a:srgbClr val="DDDDDD"/>
+                      </a:solidFill>
+                      <a:prstDash val="solid"/>
+                      <a:round/>
+                      <a:headEnd type="none" w="med" len="med"/>
+                      <a:tailEnd type="none" w="med" len="med"/>
+                    </a:lnB>
+                    <a:solidFill>
+                      <a:srgbClr val="F9F9F9"/>
+                    </a:solidFill>
+                  </a:tcPr>
+                </a:tc>
+                <a:tc>
+                  <a:txBody>
+                    <a:bodyPr/>
+                    <a:lstStyle/>
+                    <a:p>
+                      <a:pPr algn="l" fontAlgn="t"/>
+                      <a:r>
+                        <a:rPr lang="en-US" sz="1200">
+                          <a:effectLst/>
+                        </a:rPr>
+                        <a:t>404 (Not Found), 409 (Conflict) if resource already exists..</a:t>
+                      </a:r>
+                    </a:p>
+                  </a:txBody>
+                  <a:tcPr marL="40231" marR="40231" marT="40231" marB="40231">
+                    <a:lnL w="9525" cap="flat" cmpd="sng" algn="ctr">
+                      <a:solidFill>
+                        <a:srgbClr val="DDDDDD"/>
+                      </a:solidFill>
+                      <a:prstDash val="solid"/>
+                      <a:round/>
+                      <a:headEnd type="none" w="med" len="med"/>
+                      <a:tailEnd type="none" w="med" len="med"/>
+                    </a:lnL>
+                    <a:lnR w="9525" cap="flat" cmpd="sng" algn="ctr">
+                      <a:solidFill>
+                        <a:srgbClr val="DDDDDD"/>
+                      </a:solidFill>
+                      <a:prstDash val="solid"/>
+                      <a:round/>
+                      <a:headEnd type="none" w="med" len="med"/>
+                      <a:tailEnd type="none" w="med" len="med"/>
+                    </a:lnR>
+                    <a:lnT w="9525" cap="flat" cmpd="sng" algn="ctr">
+                      <a:solidFill>
+                        <a:srgbClr val="DDDDDD"/>
+                      </a:solidFill>
+                      <a:prstDash val="solid"/>
+                      <a:round/>
+                      <a:headEnd type="none" w="med" len="med"/>
+                      <a:tailEnd type="none" w="med" len="med"/>
+                    </a:lnT>
+                    <a:lnB w="9525" cap="flat" cmpd="sng" algn="ctr">
+                      <a:solidFill>
+                        <a:srgbClr val="DDDDDD"/>
+                      </a:solidFill>
+                      <a:prstDash val="solid"/>
+                      <a:round/>
+                      <a:headEnd type="none" w="med" len="med"/>
+                      <a:tailEnd type="none" w="med" len="med"/>
+                    </a:lnB>
+                    <a:solidFill>
+                      <a:srgbClr val="F9F9F9"/>
+                    </a:solidFill>
+                  </a:tcPr>
+                </a:tc>
+                <a:extLst>
+                  <a:ext uri="{0D108BD9-81ED-4DB2-BD59-A6C34878D82A}">
+                    <a16:rowId xmlns:a16="http://schemas.microsoft.com/office/drawing/2014/main" val="3153559807"/>
+                  </a:ext>
+                </a:extLst>
+              </a:tr>
+              <a:tr h="641479">
+                <a:tc>
+                  <a:txBody>
+                    <a:bodyPr/>
+                    <a:lstStyle/>
+                    <a:p>
+                      <a:pPr algn="l" fontAlgn="t"/>
+                      <a:r>
+                        <a:rPr lang="en-US" sz="1200">
+                          <a:effectLst/>
+                        </a:rPr>
+                        <a:t>GET</a:t>
+                      </a:r>
+                    </a:p>
+                  </a:txBody>
+                  <a:tcPr marL="40231" marR="40231" marT="40231" marB="40231">
+                    <a:lnL w="9525" cap="flat" cmpd="sng" algn="ctr">
+                      <a:solidFill>
+                        <a:srgbClr val="DDDDDD"/>
+                      </a:solidFill>
+                      <a:prstDash val="solid"/>
+                      <a:round/>
+                      <a:headEnd type="none" w="med" len="med"/>
+                      <a:tailEnd type="none" w="med" len="med"/>
+                    </a:lnL>
+                    <a:lnR w="9525" cap="flat" cmpd="sng" algn="ctr">
+                      <a:solidFill>
+                        <a:srgbClr val="DDDDDD"/>
+                      </a:solidFill>
+                      <a:prstDash val="solid"/>
+                      <a:round/>
+                      <a:headEnd type="none" w="med" len="med"/>
+                      <a:tailEnd type="none" w="med" len="med"/>
+                    </a:lnR>
+                    <a:lnT w="9525" cap="flat" cmpd="sng" algn="ctr">
+                      <a:solidFill>
+                        <a:srgbClr val="DDDDDD"/>
+                      </a:solidFill>
+                      <a:prstDash val="solid"/>
+                      <a:round/>
+                      <a:headEnd type="none" w="med" len="med"/>
+                      <a:tailEnd type="none" w="med" len="med"/>
+                    </a:lnT>
+                    <a:lnB w="9525" cap="flat" cmpd="sng" algn="ctr">
+                      <a:solidFill>
+                        <a:srgbClr val="DDDDDD"/>
+                      </a:solidFill>
+                      <a:prstDash val="solid"/>
+                      <a:round/>
+                      <a:headEnd type="none" w="med" len="med"/>
+                      <a:tailEnd type="none" w="med" len="med"/>
+                    </a:lnB>
+                    <a:solidFill>
+                      <a:srgbClr val="FFFFFF"/>
+                    </a:solidFill>
+                  </a:tcPr>
+                </a:tc>
+                <a:tc>
+                  <a:txBody>
+                    <a:bodyPr/>
+                    <a:lstStyle/>
+                    <a:p>
+                      <a:pPr algn="l" fontAlgn="t"/>
+                      <a:r>
+                        <a:rPr lang="en-US" sz="1200">
+                          <a:effectLst/>
+                        </a:rPr>
+                        <a:t>Read</a:t>
+                      </a:r>
+                    </a:p>
+                  </a:txBody>
+                  <a:tcPr marL="40231" marR="40231" marT="40231" marB="40231">
+                    <a:lnL w="9525" cap="flat" cmpd="sng" algn="ctr">
+                      <a:solidFill>
+                        <a:srgbClr val="DDDDDD"/>
+                      </a:solidFill>
+                      <a:prstDash val="solid"/>
+                      <a:round/>
+                      <a:headEnd type="none" w="med" len="med"/>
+                      <a:tailEnd type="none" w="med" len="med"/>
+                    </a:lnL>
+                    <a:lnR w="9525" cap="flat" cmpd="sng" algn="ctr">
+                      <a:solidFill>
+                        <a:srgbClr val="DDDDDD"/>
+                      </a:solidFill>
+                      <a:prstDash val="solid"/>
+                      <a:round/>
+                      <a:headEnd type="none" w="med" len="med"/>
+                      <a:tailEnd type="none" w="med" len="med"/>
+                    </a:lnR>
+                    <a:lnT w="9525" cap="flat" cmpd="sng" algn="ctr">
+                      <a:solidFill>
+                        <a:srgbClr val="DDDDDD"/>
+                      </a:solidFill>
+                      <a:prstDash val="solid"/>
+                      <a:round/>
+                      <a:headEnd type="none" w="med" len="med"/>
+                      <a:tailEnd type="none" w="med" len="med"/>
+                    </a:lnT>
+                    <a:lnB w="9525" cap="flat" cmpd="sng" algn="ctr">
+                      <a:solidFill>
+                        <a:srgbClr val="DDDDDD"/>
+                      </a:solidFill>
+                      <a:prstDash val="solid"/>
+                      <a:round/>
+                      <a:headEnd type="none" w="med" len="med"/>
+                      <a:tailEnd type="none" w="med" len="med"/>
+                    </a:lnB>
+                    <a:solidFill>
+                      <a:srgbClr val="FFFFFF"/>
+                    </a:solidFill>
+                  </a:tcPr>
+                </a:tc>
+                <a:tc>
+                  <a:txBody>
+                    <a:bodyPr/>
+                    <a:lstStyle/>
+                    <a:p>
+                      <a:pPr algn="l" fontAlgn="t"/>
+                      <a:r>
+                        <a:rPr lang="en-US" sz="1200">
+                          <a:effectLst/>
+                        </a:rPr>
+                        <a:t>200 (OK), list of customers. Use pagination, sorting and filtering to navigate big lists.</a:t>
+                      </a:r>
+                    </a:p>
+                  </a:txBody>
+                  <a:tcPr marL="40231" marR="40231" marT="40231" marB="40231">
+                    <a:lnL w="9525" cap="flat" cmpd="sng" algn="ctr">
+                      <a:solidFill>
+                        <a:srgbClr val="DDDDDD"/>
+                      </a:solidFill>
+                      <a:prstDash val="solid"/>
+                      <a:round/>
+                      <a:headEnd type="none" w="med" len="med"/>
+                      <a:tailEnd type="none" w="med" len="med"/>
+                    </a:lnL>
+                    <a:lnR w="9525" cap="flat" cmpd="sng" algn="ctr">
+                      <a:solidFill>
+                        <a:srgbClr val="DDDDDD"/>
+                      </a:solidFill>
+                      <a:prstDash val="solid"/>
+                      <a:round/>
+                      <a:headEnd type="none" w="med" len="med"/>
+                      <a:tailEnd type="none" w="med" len="med"/>
+                    </a:lnR>
+                    <a:lnT w="9525" cap="flat" cmpd="sng" algn="ctr">
+                      <a:solidFill>
+                        <a:srgbClr val="DDDDDD"/>
+                      </a:solidFill>
+                      <a:prstDash val="solid"/>
+                      <a:round/>
+                      <a:headEnd type="none" w="med" len="med"/>
+                      <a:tailEnd type="none" w="med" len="med"/>
+                    </a:lnT>
+                    <a:lnB w="9525" cap="flat" cmpd="sng" algn="ctr">
+                      <a:solidFill>
+                        <a:srgbClr val="DDDDDD"/>
+                      </a:solidFill>
+                      <a:prstDash val="solid"/>
+                      <a:round/>
+                      <a:headEnd type="none" w="med" len="med"/>
+                      <a:tailEnd type="none" w="med" len="med"/>
+                    </a:lnB>
+                    <a:solidFill>
+                      <a:srgbClr val="FFFFFF"/>
+                    </a:solidFill>
+                  </a:tcPr>
+                </a:tc>
+                <a:tc>
+                  <a:txBody>
+                    <a:bodyPr/>
+                    <a:lstStyle/>
+                    <a:p>
+                      <a:pPr algn="l" fontAlgn="t"/>
+                      <a:r>
+                        <a:rPr lang="en-US" sz="1200">
+                          <a:effectLst/>
+                        </a:rPr>
+                        <a:t>200 (OK), single customer. 404 (Not Found), if ID not found or invalid.</a:t>
+                      </a:r>
+                    </a:p>
+                  </a:txBody>
+                  <a:tcPr marL="40231" marR="40231" marT="40231" marB="40231">
+                    <a:lnL w="9525" cap="flat" cmpd="sng" algn="ctr">
+                      <a:solidFill>
+                        <a:srgbClr val="DDDDDD"/>
+                      </a:solidFill>
+                      <a:prstDash val="solid"/>
+                      <a:round/>
+                      <a:headEnd type="none" w="med" len="med"/>
+                      <a:tailEnd type="none" w="med" len="med"/>
+                    </a:lnL>
+                    <a:lnR w="9525" cap="flat" cmpd="sng" algn="ctr">
+                      <a:solidFill>
+                        <a:srgbClr val="DDDDDD"/>
+                      </a:solidFill>
+                      <a:prstDash val="solid"/>
+                      <a:round/>
+                      <a:headEnd type="none" w="med" len="med"/>
+                      <a:tailEnd type="none" w="med" len="med"/>
+                    </a:lnR>
+                    <a:lnT w="9525" cap="flat" cmpd="sng" algn="ctr">
+                      <a:solidFill>
+                        <a:srgbClr val="DDDDDD"/>
+                      </a:solidFill>
+                      <a:prstDash val="solid"/>
+                      <a:round/>
+                      <a:headEnd type="none" w="med" len="med"/>
+                      <a:tailEnd type="none" w="med" len="med"/>
+                    </a:lnT>
+                    <a:lnB w="9525" cap="flat" cmpd="sng" algn="ctr">
+                      <a:solidFill>
+                        <a:srgbClr val="DDDDDD"/>
+                      </a:solidFill>
+                      <a:prstDash val="solid"/>
+                      <a:round/>
+                      <a:headEnd type="none" w="med" len="med"/>
+                      <a:tailEnd type="none" w="med" len="med"/>
+                    </a:lnB>
+                    <a:solidFill>
+                      <a:srgbClr val="FFFFFF"/>
+                    </a:solidFill>
+                  </a:tcPr>
+                </a:tc>
+                <a:extLst>
+                  <a:ext uri="{0D108BD9-81ED-4DB2-BD59-A6C34878D82A}">
+                    <a16:rowId xmlns:a16="http://schemas.microsoft.com/office/drawing/2014/main" val="163684992"/>
+                  </a:ext>
+                </a:extLst>
+              </a:tr>
+              <a:tr h="1002311">
+                <a:tc>
+                  <a:txBody>
+                    <a:bodyPr/>
+                    <a:lstStyle/>
+                    <a:p>
+                      <a:pPr algn="l" fontAlgn="t"/>
+                      <a:r>
+                        <a:rPr lang="en-US" sz="1200">
+                          <a:effectLst/>
+                        </a:rPr>
+                        <a:t>PUT</a:t>
+                      </a:r>
+                    </a:p>
+                  </a:txBody>
+                  <a:tcPr marL="40231" marR="40231" marT="40231" marB="40231">
+                    <a:lnL w="9525" cap="flat" cmpd="sng" algn="ctr">
+                      <a:solidFill>
+                        <a:srgbClr val="DDDDDD"/>
+                      </a:solidFill>
+                      <a:prstDash val="solid"/>
+                      <a:round/>
+                      <a:headEnd type="none" w="med" len="med"/>
+                      <a:tailEnd type="none" w="med" len="med"/>
+                    </a:lnL>
+                    <a:lnR w="9525" cap="flat" cmpd="sng" algn="ctr">
+                      <a:solidFill>
+                        <a:srgbClr val="DDDDDD"/>
+                      </a:solidFill>
+                      <a:prstDash val="solid"/>
+                      <a:round/>
+                      <a:headEnd type="none" w="med" len="med"/>
+                      <a:tailEnd type="none" w="med" len="med"/>
+                    </a:lnR>
+                    <a:lnT w="9525" cap="flat" cmpd="sng" algn="ctr">
+                      <a:solidFill>
+                        <a:srgbClr val="DDDDDD"/>
+                      </a:solidFill>
+                      <a:prstDash val="solid"/>
+                      <a:round/>
+                      <a:headEnd type="none" w="med" len="med"/>
+                      <a:tailEnd type="none" w="med" len="med"/>
+                    </a:lnT>
+                    <a:lnB w="9525" cap="flat" cmpd="sng" algn="ctr">
+                      <a:solidFill>
+                        <a:srgbClr val="DDDDDD"/>
+                      </a:solidFill>
+                      <a:prstDash val="solid"/>
+                      <a:round/>
+                      <a:headEnd type="none" w="med" len="med"/>
+                      <a:tailEnd type="none" w="med" len="med"/>
+                    </a:lnB>
+                    <a:solidFill>
+                      <a:srgbClr val="F9F9F9"/>
+                    </a:solidFill>
+                  </a:tcPr>
+                </a:tc>
+                <a:tc>
+                  <a:txBody>
+                    <a:bodyPr/>
+                    <a:lstStyle/>
+                    <a:p>
+                      <a:pPr algn="l" fontAlgn="t"/>
+                      <a:r>
+                        <a:rPr lang="en-US" sz="1200">
+                          <a:effectLst/>
+                        </a:rPr>
+                        <a:t>Update/Replace</a:t>
+                      </a:r>
+                    </a:p>
+                  </a:txBody>
+                  <a:tcPr marL="40231" marR="40231" marT="40231" marB="40231">
+                    <a:lnL w="9525" cap="flat" cmpd="sng" algn="ctr">
+                      <a:solidFill>
+                        <a:srgbClr val="DDDDDD"/>
+                      </a:solidFill>
+                      <a:prstDash val="solid"/>
+                      <a:round/>
+                      <a:headEnd type="none" w="med" len="med"/>
+                      <a:tailEnd type="none" w="med" len="med"/>
+                    </a:lnL>
+                    <a:lnR w="9525" cap="flat" cmpd="sng" algn="ctr">
+                      <a:solidFill>
+                        <a:srgbClr val="DDDDDD"/>
+                      </a:solidFill>
+                      <a:prstDash val="solid"/>
+                      <a:round/>
+                      <a:headEnd type="none" w="med" len="med"/>
+                      <a:tailEnd type="none" w="med" len="med"/>
+                    </a:lnR>
+                    <a:lnT w="9525" cap="flat" cmpd="sng" algn="ctr">
+                      <a:solidFill>
+                        <a:srgbClr val="DDDDDD"/>
+                      </a:solidFill>
+                      <a:prstDash val="solid"/>
+                      <a:round/>
+                      <a:headEnd type="none" w="med" len="med"/>
+                      <a:tailEnd type="none" w="med" len="med"/>
+                    </a:lnT>
+                    <a:lnB w="9525" cap="flat" cmpd="sng" algn="ctr">
+                      <a:solidFill>
+                        <a:srgbClr val="DDDDDD"/>
+                      </a:solidFill>
+                      <a:prstDash val="solid"/>
+                      <a:round/>
+                      <a:headEnd type="none" w="med" len="med"/>
+                      <a:tailEnd type="none" w="med" len="med"/>
+                    </a:lnB>
+                    <a:solidFill>
+                      <a:srgbClr val="F9F9F9"/>
+                    </a:solidFill>
+                  </a:tcPr>
+                </a:tc>
+                <a:tc>
+                  <a:txBody>
+                    <a:bodyPr/>
+                    <a:lstStyle/>
+                    <a:p>
+                      <a:pPr algn="l" fontAlgn="t"/>
+                      <a:r>
+                        <a:rPr lang="en-US" sz="1200">
+                          <a:effectLst/>
+                        </a:rPr>
+                        <a:t>405 (Method Not Allowed), unless you want to update/replace every resource in the entire collection.</a:t>
+                      </a:r>
+                    </a:p>
+                  </a:txBody>
+                  <a:tcPr marL="40231" marR="40231" marT="40231" marB="40231">
+                    <a:lnL w="9525" cap="flat" cmpd="sng" algn="ctr">
+                      <a:solidFill>
+                        <a:srgbClr val="DDDDDD"/>
+                      </a:solidFill>
+                      <a:prstDash val="solid"/>
+                      <a:round/>
+                      <a:headEnd type="none" w="med" len="med"/>
+                      <a:tailEnd type="none" w="med" len="med"/>
+                    </a:lnL>
+                    <a:lnR w="9525" cap="flat" cmpd="sng" algn="ctr">
+                      <a:solidFill>
+                        <a:srgbClr val="DDDDDD"/>
+                      </a:solidFill>
+                      <a:prstDash val="solid"/>
+                      <a:round/>
+                      <a:headEnd type="none" w="med" len="med"/>
+                      <a:tailEnd type="none" w="med" len="med"/>
+                    </a:lnR>
+                    <a:lnT w="9525" cap="flat" cmpd="sng" algn="ctr">
+                      <a:solidFill>
+                        <a:srgbClr val="DDDDDD"/>
+                      </a:solidFill>
+                      <a:prstDash val="solid"/>
+                      <a:round/>
+                      <a:headEnd type="none" w="med" len="med"/>
+                      <a:tailEnd type="none" w="med" len="med"/>
+                    </a:lnT>
+                    <a:lnB w="9525" cap="flat" cmpd="sng" algn="ctr">
+                      <a:solidFill>
+                        <a:srgbClr val="DDDDDD"/>
+                      </a:solidFill>
+                      <a:prstDash val="solid"/>
+                      <a:round/>
+                      <a:headEnd type="none" w="med" len="med"/>
+                      <a:tailEnd type="none" w="med" len="med"/>
+                    </a:lnB>
+                    <a:solidFill>
+                      <a:srgbClr val="F9F9F9"/>
+                    </a:solidFill>
+                  </a:tcPr>
+                </a:tc>
+                <a:tc>
+                  <a:txBody>
+                    <a:bodyPr/>
+                    <a:lstStyle/>
+                    <a:p>
+                      <a:pPr algn="l" fontAlgn="t"/>
+                      <a:r>
+                        <a:rPr lang="en-US" sz="1200" dirty="0">
+                          <a:effectLst/>
+                        </a:rPr>
+                        <a:t>200 (OK) or 204 (No Content). 404 (Not Found), if ID not found or invalid.</a:t>
+                      </a:r>
+                    </a:p>
+                  </a:txBody>
+                  <a:tcPr marL="40231" marR="40231" marT="40231" marB="40231">
+                    <a:lnL w="9525" cap="flat" cmpd="sng" algn="ctr">
+                      <a:solidFill>
+                        <a:srgbClr val="DDDDDD"/>
+                      </a:solidFill>
+                      <a:prstDash val="solid"/>
+                      <a:round/>
+                      <a:headEnd type="none" w="med" len="med"/>
+                      <a:tailEnd type="none" w="med" len="med"/>
+                    </a:lnL>
+                    <a:lnR w="9525" cap="flat" cmpd="sng" algn="ctr">
+                      <a:solidFill>
+                        <a:srgbClr val="DDDDDD"/>
+                      </a:solidFill>
+                      <a:prstDash val="solid"/>
+                      <a:round/>
+                      <a:headEnd type="none" w="med" len="med"/>
+                      <a:tailEnd type="none" w="med" len="med"/>
+                    </a:lnR>
+                    <a:lnT w="9525" cap="flat" cmpd="sng" algn="ctr">
+                      <a:solidFill>
+                        <a:srgbClr val="DDDDDD"/>
+                      </a:solidFill>
+                      <a:prstDash val="solid"/>
+                      <a:round/>
+                      <a:headEnd type="none" w="med" len="med"/>
+                      <a:tailEnd type="none" w="med" len="med"/>
+                    </a:lnT>
+                    <a:lnB w="9525" cap="flat" cmpd="sng" algn="ctr">
+                      <a:solidFill>
+                        <a:srgbClr val="DDDDDD"/>
+                      </a:solidFill>
+                      <a:prstDash val="solid"/>
+                      <a:round/>
+                      <a:headEnd type="none" w="med" len="med"/>
+                      <a:tailEnd type="none" w="med" len="med"/>
+                    </a:lnB>
+                    <a:solidFill>
+                      <a:srgbClr val="F9F9F9"/>
+                    </a:solidFill>
+                  </a:tcPr>
+                </a:tc>
+                <a:extLst>
+                  <a:ext uri="{0D108BD9-81ED-4DB2-BD59-A6C34878D82A}">
+                    <a16:rowId xmlns:a16="http://schemas.microsoft.com/office/drawing/2014/main" val="4103505637"/>
+                  </a:ext>
+                </a:extLst>
+              </a:tr>
+              <a:tr h="641479">
+                <a:tc>
+                  <a:txBody>
+                    <a:bodyPr/>
+                    <a:lstStyle/>
+                    <a:p>
+                      <a:pPr algn="l" fontAlgn="t"/>
+                      <a:r>
+                        <a:rPr lang="en-US" sz="1200">
+                          <a:effectLst/>
+                        </a:rPr>
+                        <a:t>PATCH</a:t>
+                      </a:r>
+                    </a:p>
+                  </a:txBody>
+                  <a:tcPr marL="40231" marR="40231" marT="40231" marB="40231">
+                    <a:lnL w="9525" cap="flat" cmpd="sng" algn="ctr">
+                      <a:solidFill>
+                        <a:srgbClr val="DDDDDD"/>
+                      </a:solidFill>
+                      <a:prstDash val="solid"/>
+                      <a:round/>
+                      <a:headEnd type="none" w="med" len="med"/>
+                      <a:tailEnd type="none" w="med" len="med"/>
+                    </a:lnL>
+                    <a:lnR w="9525" cap="flat" cmpd="sng" algn="ctr">
+                      <a:solidFill>
+                        <a:srgbClr val="DDDDDD"/>
+                      </a:solidFill>
+                      <a:prstDash val="solid"/>
+                      <a:round/>
+                      <a:headEnd type="none" w="med" len="med"/>
+                      <a:tailEnd type="none" w="med" len="med"/>
+                    </a:lnR>
+                    <a:lnT w="9525" cap="flat" cmpd="sng" algn="ctr">
+                      <a:solidFill>
+                        <a:srgbClr val="DDDDDD"/>
+                      </a:solidFill>
+                      <a:prstDash val="solid"/>
+                      <a:round/>
+                      <a:headEnd type="none" w="med" len="med"/>
+                      <a:tailEnd type="none" w="med" len="med"/>
+                    </a:lnT>
+                    <a:lnB w="9525" cap="flat" cmpd="sng" algn="ctr">
+                      <a:solidFill>
+                        <a:srgbClr val="DDDDDD"/>
+                      </a:solidFill>
+                      <a:prstDash val="solid"/>
+                      <a:round/>
+                      <a:headEnd type="none" w="med" len="med"/>
+                      <a:tailEnd type="none" w="med" len="med"/>
+                    </a:lnB>
+                    <a:solidFill>
+                      <a:srgbClr val="FFFFFF"/>
+                    </a:solidFill>
+                  </a:tcPr>
+                </a:tc>
+                <a:tc>
+                  <a:txBody>
+                    <a:bodyPr/>
+                    <a:lstStyle/>
+                    <a:p>
+                      <a:pPr algn="l" fontAlgn="t"/>
+                      <a:r>
+                        <a:rPr lang="en-US" sz="1200">
+                          <a:effectLst/>
+                        </a:rPr>
+                        <a:t>Update/Modify</a:t>
+                      </a:r>
+                    </a:p>
+                  </a:txBody>
+                  <a:tcPr marL="40231" marR="40231" marT="40231" marB="40231">
+                    <a:lnL w="9525" cap="flat" cmpd="sng" algn="ctr">
+                      <a:solidFill>
+                        <a:srgbClr val="DDDDDD"/>
+                      </a:solidFill>
+                      <a:prstDash val="solid"/>
+                      <a:round/>
+                      <a:headEnd type="none" w="med" len="med"/>
+                      <a:tailEnd type="none" w="med" len="med"/>
+                    </a:lnL>
+                    <a:lnR w="9525" cap="flat" cmpd="sng" algn="ctr">
+                      <a:solidFill>
+                        <a:srgbClr val="DDDDDD"/>
+                      </a:solidFill>
+                      <a:prstDash val="solid"/>
+                      <a:round/>
+                      <a:headEnd type="none" w="med" len="med"/>
+                      <a:tailEnd type="none" w="med" len="med"/>
+                    </a:lnR>
+                    <a:lnT w="9525" cap="flat" cmpd="sng" algn="ctr">
+                      <a:solidFill>
+                        <a:srgbClr val="DDDDDD"/>
+                      </a:solidFill>
+                      <a:prstDash val="solid"/>
+                      <a:round/>
+                      <a:headEnd type="none" w="med" len="med"/>
+                      <a:tailEnd type="none" w="med" len="med"/>
+                    </a:lnT>
+                    <a:lnB w="9525" cap="flat" cmpd="sng" algn="ctr">
+                      <a:solidFill>
+                        <a:srgbClr val="DDDDDD"/>
+                      </a:solidFill>
+                      <a:prstDash val="solid"/>
+                      <a:round/>
+                      <a:headEnd type="none" w="med" len="med"/>
+                      <a:tailEnd type="none" w="med" len="med"/>
+                    </a:lnB>
+                    <a:solidFill>
+                      <a:srgbClr val="FFFFFF"/>
+                    </a:solidFill>
+                  </a:tcPr>
+                </a:tc>
+                <a:tc>
+                  <a:txBody>
+                    <a:bodyPr/>
+                    <a:lstStyle/>
+                    <a:p>
+                      <a:pPr algn="l" fontAlgn="t"/>
+                      <a:r>
+                        <a:rPr lang="en-US" sz="1200">
+                          <a:effectLst/>
+                        </a:rPr>
+                        <a:t>405 (Method Not Allowed), unless you want to modify the collection itself.</a:t>
+                      </a:r>
+                    </a:p>
+                  </a:txBody>
+                  <a:tcPr marL="40231" marR="40231" marT="40231" marB="40231">
+                    <a:lnL w="9525" cap="flat" cmpd="sng" algn="ctr">
+                      <a:solidFill>
+                        <a:srgbClr val="DDDDDD"/>
+                      </a:solidFill>
+                      <a:prstDash val="solid"/>
+                      <a:round/>
+                      <a:headEnd type="none" w="med" len="med"/>
+                      <a:tailEnd type="none" w="med" len="med"/>
+                    </a:lnL>
+                    <a:lnR w="9525" cap="flat" cmpd="sng" algn="ctr">
+                      <a:solidFill>
+                        <a:srgbClr val="DDDDDD"/>
+                      </a:solidFill>
+                      <a:prstDash val="solid"/>
+                      <a:round/>
+                      <a:headEnd type="none" w="med" len="med"/>
+                      <a:tailEnd type="none" w="med" len="med"/>
+                    </a:lnR>
+                    <a:lnT w="9525" cap="flat" cmpd="sng" algn="ctr">
+                      <a:solidFill>
+                        <a:srgbClr val="DDDDDD"/>
+                      </a:solidFill>
+                      <a:prstDash val="solid"/>
+                      <a:round/>
+                      <a:headEnd type="none" w="med" len="med"/>
+                      <a:tailEnd type="none" w="med" len="med"/>
+                    </a:lnT>
+                    <a:lnB w="9525" cap="flat" cmpd="sng" algn="ctr">
+                      <a:solidFill>
+                        <a:srgbClr val="DDDDDD"/>
+                      </a:solidFill>
+                      <a:prstDash val="solid"/>
+                      <a:round/>
+                      <a:headEnd type="none" w="med" len="med"/>
+                      <a:tailEnd type="none" w="med" len="med"/>
+                    </a:lnB>
+                    <a:solidFill>
+                      <a:srgbClr val="FFFFFF"/>
+                    </a:solidFill>
+                  </a:tcPr>
+                </a:tc>
+                <a:tc>
+                  <a:txBody>
+                    <a:bodyPr/>
+                    <a:lstStyle/>
+                    <a:p>
+                      <a:pPr algn="l" fontAlgn="t"/>
+                      <a:r>
+                        <a:rPr lang="en-US" sz="1200">
+                          <a:effectLst/>
+                        </a:rPr>
+                        <a:t>200 (OK) or 204 (No Content). 404 (Not Found), if ID not found or invalid.</a:t>
+                      </a:r>
+                    </a:p>
+                  </a:txBody>
+                  <a:tcPr marL="40231" marR="40231" marT="40231" marB="40231">
+                    <a:lnL w="9525" cap="flat" cmpd="sng" algn="ctr">
+                      <a:solidFill>
+                        <a:srgbClr val="DDDDDD"/>
+                      </a:solidFill>
+                      <a:prstDash val="solid"/>
+                      <a:round/>
+                      <a:headEnd type="none" w="med" len="med"/>
+                      <a:tailEnd type="none" w="med" len="med"/>
+                    </a:lnL>
+                    <a:lnR w="9525" cap="flat" cmpd="sng" algn="ctr">
+                      <a:solidFill>
+                        <a:srgbClr val="DDDDDD"/>
+                      </a:solidFill>
+                      <a:prstDash val="solid"/>
+                      <a:round/>
+                      <a:headEnd type="none" w="med" len="med"/>
+                      <a:tailEnd type="none" w="med" len="med"/>
+                    </a:lnR>
+                    <a:lnT w="9525" cap="flat" cmpd="sng" algn="ctr">
+                      <a:solidFill>
+                        <a:srgbClr val="DDDDDD"/>
+                      </a:solidFill>
+                      <a:prstDash val="solid"/>
+                      <a:round/>
+                      <a:headEnd type="none" w="med" len="med"/>
+                      <a:tailEnd type="none" w="med" len="med"/>
+                    </a:lnT>
+                    <a:lnB w="9525" cap="flat" cmpd="sng" algn="ctr">
+                      <a:solidFill>
+                        <a:srgbClr val="DDDDDD"/>
+                      </a:solidFill>
+                      <a:prstDash val="solid"/>
+                      <a:round/>
+                      <a:headEnd type="none" w="med" len="med"/>
+                      <a:tailEnd type="none" w="med" len="med"/>
+                    </a:lnB>
+                    <a:solidFill>
+                      <a:srgbClr val="FFFFFF"/>
+                    </a:solidFill>
+                  </a:tcPr>
+                </a:tc>
+                <a:extLst>
+                  <a:ext uri="{0D108BD9-81ED-4DB2-BD59-A6C34878D82A}">
+                    <a16:rowId xmlns:a16="http://schemas.microsoft.com/office/drawing/2014/main" val="2797684166"/>
+                  </a:ext>
+                </a:extLst>
+              </a:tr>
+              <a:tr h="821895">
+                <a:tc>
+                  <a:txBody>
+                    <a:bodyPr/>
+                    <a:lstStyle/>
+                    <a:p>
+                      <a:pPr algn="l" fontAlgn="t"/>
+                      <a:r>
+                        <a:rPr lang="en-US" sz="1200">
+                          <a:effectLst/>
+                        </a:rPr>
+                        <a:t>DELETE</a:t>
+                      </a:r>
+                    </a:p>
+                  </a:txBody>
+                  <a:tcPr marL="40231" marR="40231" marT="40231" marB="40231">
+                    <a:lnL w="9525" cap="flat" cmpd="sng" algn="ctr">
+                      <a:solidFill>
+                        <a:srgbClr val="DDDDDD"/>
+                      </a:solidFill>
+                      <a:prstDash val="solid"/>
+                      <a:round/>
+                      <a:headEnd type="none" w="med" len="med"/>
+                      <a:tailEnd type="none" w="med" len="med"/>
+                    </a:lnL>
+                    <a:lnR w="9525" cap="flat" cmpd="sng" algn="ctr">
+                      <a:solidFill>
+                        <a:srgbClr val="DDDDDD"/>
+                      </a:solidFill>
+                      <a:prstDash val="solid"/>
+                      <a:round/>
+                      <a:headEnd type="none" w="med" len="med"/>
+                      <a:tailEnd type="none" w="med" len="med"/>
+                    </a:lnR>
+                    <a:lnT w="9525" cap="flat" cmpd="sng" algn="ctr">
+                      <a:solidFill>
+                        <a:srgbClr val="DDDDDD"/>
+                      </a:solidFill>
+                      <a:prstDash val="solid"/>
+                      <a:round/>
+                      <a:headEnd type="none" w="med" len="med"/>
+                      <a:tailEnd type="none" w="med" len="med"/>
+                    </a:lnT>
+                    <a:lnB w="9525" cap="flat" cmpd="sng" algn="ctr">
+                      <a:solidFill>
+                        <a:srgbClr val="DDDDDD"/>
+                      </a:solidFill>
+                      <a:prstDash val="solid"/>
+                      <a:round/>
+                      <a:headEnd type="none" w="med" len="med"/>
+                      <a:tailEnd type="none" w="med" len="med"/>
+                    </a:lnB>
+                    <a:solidFill>
+                      <a:srgbClr val="F9F9F9"/>
+                    </a:solidFill>
+                  </a:tcPr>
+                </a:tc>
+                <a:tc>
+                  <a:txBody>
+                    <a:bodyPr/>
+                    <a:lstStyle/>
+                    <a:p>
+                      <a:pPr algn="l" fontAlgn="t"/>
+                      <a:r>
+                        <a:rPr lang="en-US" sz="1200">
+                          <a:effectLst/>
+                        </a:rPr>
+                        <a:t>Delete</a:t>
+                      </a:r>
+                    </a:p>
+                  </a:txBody>
+                  <a:tcPr marL="40231" marR="40231" marT="40231" marB="40231">
+                    <a:lnL w="9525" cap="flat" cmpd="sng" algn="ctr">
+                      <a:solidFill>
+                        <a:srgbClr val="DDDDDD"/>
+                      </a:solidFill>
+                      <a:prstDash val="solid"/>
+                      <a:round/>
+                      <a:headEnd type="none" w="med" len="med"/>
+                      <a:tailEnd type="none" w="med" len="med"/>
+                    </a:lnL>
+                    <a:lnR w="9525" cap="flat" cmpd="sng" algn="ctr">
+                      <a:solidFill>
+                        <a:srgbClr val="DDDDDD"/>
+                      </a:solidFill>
+                      <a:prstDash val="solid"/>
+                      <a:round/>
+                      <a:headEnd type="none" w="med" len="med"/>
+                      <a:tailEnd type="none" w="med" len="med"/>
+                    </a:lnR>
+                    <a:lnT w="9525" cap="flat" cmpd="sng" algn="ctr">
+                      <a:solidFill>
+                        <a:srgbClr val="DDDDDD"/>
+                      </a:solidFill>
+                      <a:prstDash val="solid"/>
+                      <a:round/>
+                      <a:headEnd type="none" w="med" len="med"/>
+                      <a:tailEnd type="none" w="med" len="med"/>
+                    </a:lnT>
+                    <a:lnB w="9525" cap="flat" cmpd="sng" algn="ctr">
+                      <a:solidFill>
+                        <a:srgbClr val="DDDDDD"/>
+                      </a:solidFill>
+                      <a:prstDash val="solid"/>
+                      <a:round/>
+                      <a:headEnd type="none" w="med" len="med"/>
+                      <a:tailEnd type="none" w="med" len="med"/>
+                    </a:lnB>
+                    <a:solidFill>
+                      <a:srgbClr val="F9F9F9"/>
+                    </a:solidFill>
+                  </a:tcPr>
+                </a:tc>
+                <a:tc>
+                  <a:txBody>
+                    <a:bodyPr/>
+                    <a:lstStyle/>
+                    <a:p>
+                      <a:pPr algn="l" fontAlgn="t"/>
+                      <a:r>
+                        <a:rPr lang="en-US" sz="1200">
+                          <a:effectLst/>
+                        </a:rPr>
+                        <a:t>405 (Method Not Allowed), unless you want to delete the whole collection—not often desirable.</a:t>
+                      </a:r>
+                    </a:p>
+                  </a:txBody>
+                  <a:tcPr marL="40231" marR="40231" marT="40231" marB="40231">
+                    <a:lnL w="9525" cap="flat" cmpd="sng" algn="ctr">
+                      <a:solidFill>
+                        <a:srgbClr val="DDDDDD"/>
+                      </a:solidFill>
+                      <a:prstDash val="solid"/>
+                      <a:round/>
+                      <a:headEnd type="none" w="med" len="med"/>
+                      <a:tailEnd type="none" w="med" len="med"/>
+                    </a:lnL>
+                    <a:lnR w="9525" cap="flat" cmpd="sng" algn="ctr">
+                      <a:solidFill>
+                        <a:srgbClr val="DDDDDD"/>
+                      </a:solidFill>
+                      <a:prstDash val="solid"/>
+                      <a:round/>
+                      <a:headEnd type="none" w="med" len="med"/>
+                      <a:tailEnd type="none" w="med" len="med"/>
+                    </a:lnR>
+                    <a:lnT w="9525" cap="flat" cmpd="sng" algn="ctr">
+                      <a:solidFill>
+                        <a:srgbClr val="DDDDDD"/>
+                      </a:solidFill>
+                      <a:prstDash val="solid"/>
+                      <a:round/>
+                      <a:headEnd type="none" w="med" len="med"/>
+                      <a:tailEnd type="none" w="med" len="med"/>
+                    </a:lnT>
+                    <a:lnB w="9525" cap="flat" cmpd="sng" algn="ctr">
+                      <a:solidFill>
+                        <a:srgbClr val="DDDDDD"/>
+                      </a:solidFill>
+                      <a:prstDash val="solid"/>
+                      <a:round/>
+                      <a:headEnd type="none" w="med" len="med"/>
+                      <a:tailEnd type="none" w="med" len="med"/>
+                    </a:lnB>
+                    <a:solidFill>
+                      <a:srgbClr val="F9F9F9"/>
+                    </a:solidFill>
+                  </a:tcPr>
+                </a:tc>
+                <a:tc>
+                  <a:txBody>
+                    <a:bodyPr/>
+                    <a:lstStyle/>
+                    <a:p>
+                      <a:pPr algn="l" fontAlgn="t"/>
+                      <a:r>
+                        <a:rPr lang="en-US" sz="1200" dirty="0">
+                          <a:effectLst/>
+                        </a:rPr>
+                        <a:t>200 (OK). 404 (Not Found), if ID not found or invalid.</a:t>
+                      </a:r>
+                    </a:p>
+                  </a:txBody>
+                  <a:tcPr marL="40231" marR="40231" marT="40231" marB="40231">
+                    <a:lnL w="9525" cap="flat" cmpd="sng" algn="ctr">
+                      <a:solidFill>
+                        <a:srgbClr val="DDDDDD"/>
+                      </a:solidFill>
+                      <a:prstDash val="solid"/>
+                      <a:round/>
+                      <a:headEnd type="none" w="med" len="med"/>
+                      <a:tailEnd type="none" w="med" len="med"/>
+                    </a:lnL>
+                    <a:lnR w="9525" cap="flat" cmpd="sng" algn="ctr">
+                      <a:solidFill>
+                        <a:srgbClr val="DDDDDD"/>
+                      </a:solidFill>
+                      <a:prstDash val="solid"/>
+                      <a:round/>
+                      <a:headEnd type="none" w="med" len="med"/>
+                      <a:tailEnd type="none" w="med" len="med"/>
+                    </a:lnR>
+                    <a:lnT w="9525" cap="flat" cmpd="sng" algn="ctr">
+                      <a:solidFill>
+                        <a:srgbClr val="DDDDDD"/>
+                      </a:solidFill>
+                      <a:prstDash val="solid"/>
+                      <a:round/>
+                      <a:headEnd type="none" w="med" len="med"/>
+                      <a:tailEnd type="none" w="med" len="med"/>
+                    </a:lnT>
+                    <a:lnB w="9525" cap="flat" cmpd="sng" algn="ctr">
+                      <a:solidFill>
+                        <a:srgbClr val="DDDDDD"/>
+                      </a:solidFill>
+                      <a:prstDash val="solid"/>
+                      <a:round/>
+                      <a:headEnd type="none" w="med" len="med"/>
+                      <a:tailEnd type="none" w="med" len="med"/>
+                    </a:lnB>
+                    <a:solidFill>
+                      <a:srgbClr val="F9F9F9"/>
+                    </a:solidFill>
+                  </a:tcPr>
+                </a:tc>
+                <a:extLst>
+                  <a:ext uri="{0D108BD9-81ED-4DB2-BD59-A6C34878D82A}">
+                    <a16:rowId xmlns:a16="http://schemas.microsoft.com/office/drawing/2014/main" val="1630667442"/>
+                  </a:ext>
+                </a:extLst>
+              </a:tr>
+            </a:tbl>
+          </a:graphicData>
+        </a:graphic>
+      </p:graphicFrame>
     </p:spTree>
     <p:extLst>
       <p:ext uri="{BB962C8B-B14F-4D97-AF65-F5344CB8AC3E}">
-        <p14:creationId xmlns:p14="http://schemas.microsoft.com/office/powerpoint/2010/main" val="2889871087"/>
+        <p14:creationId xmlns:p14="http://schemas.microsoft.com/office/powerpoint/2010/main" val="469003847"/>
+      </p:ext>
+    </p:extLst>
+  </p:cSld>
+  <p:clrMapOvr>
+    <a:masterClrMapping/>
+  </p:clrMapOvr>
+</p:sld>
+</file>
+
+<file path=ppt/slides/slide9.xml><?xml version="1.0" encoding="utf-8"?>
+<p:sld xmlns:a="http://schemas.openxmlformats.org/drawingml/2006/main" xmlns:r="http://schemas.openxmlformats.org/officeDocument/2006/relationships" xmlns:p="http://schemas.openxmlformats.org/presentationml/2006/main">
+  <p:cSld>
+    <p:spTree>
+      <p:nvGrpSpPr>
+        <p:cNvPr id="1" name=""/>
+        <p:cNvGrpSpPr/>
+        <p:nvPr/>
+      </p:nvGrpSpPr>
+      <p:grpSpPr>
+        <a:xfrm>
+          <a:off x="0" y="0"/>
+          <a:ext cx="0" cy="0"/>
+          <a:chOff x="0" y="0"/>
+          <a:chExt cx="0" cy="0"/>
+        </a:xfrm>
+      </p:grpSpPr>
+      <p:sp>
+        <p:nvSpPr>
+          <p:cNvPr id="2" name="Title 1">
+            <a:extLst>
+              <a:ext uri="{FF2B5EF4-FFF2-40B4-BE49-F238E27FC236}">
+                <a16:creationId xmlns:a16="http://schemas.microsoft.com/office/drawing/2014/main" id="{F6600184-32C8-4A2C-B98C-380A10F13970}"/>
+              </a:ext>
+            </a:extLst>
+          </p:cNvPr>
+          <p:cNvSpPr>
+            <a:spLocks noGrp="1"/>
+          </p:cNvSpPr>
+          <p:nvPr>
+            <p:ph type="title"/>
+          </p:nvPr>
+        </p:nvSpPr>
+        <p:spPr/>
+        <p:txBody>
+          <a:bodyPr/>
+          <a:lstStyle/>
+          <a:p>
+            <a:r>
+              <a:rPr lang="en-US" dirty="0"/>
+              <a:t>example</a:t>
+            </a:r>
+          </a:p>
+        </p:txBody>
+      </p:sp>
+      <p:pic>
+        <p:nvPicPr>
+          <p:cNvPr id="4" name="Picture 3">
+            <a:extLst>
+              <a:ext uri="{FF2B5EF4-FFF2-40B4-BE49-F238E27FC236}">
+                <a16:creationId xmlns:a16="http://schemas.microsoft.com/office/drawing/2014/main" id="{522E23F5-A1C4-44B8-B8F3-7074982B500E}"/>
+              </a:ext>
+            </a:extLst>
+          </p:cNvPr>
+          <p:cNvPicPr>
+            <a:picLocks noChangeAspect="1"/>
+          </p:cNvPicPr>
+          <p:nvPr/>
+        </p:nvPicPr>
+        <p:blipFill>
+          <a:blip r:embed="rId2"/>
+          <a:stretch>
+            <a:fillRect/>
+          </a:stretch>
+        </p:blipFill>
+        <p:spPr>
+          <a:xfrm>
+            <a:off x="489468" y="2497882"/>
+            <a:ext cx="8115300" cy="1638300"/>
+          </a:xfrm>
+          <a:prstGeom prst="rect">
+            <a:avLst/>
+          </a:prstGeom>
+        </p:spPr>
+      </p:pic>
+      <p:pic>
+        <p:nvPicPr>
+          <p:cNvPr id="5" name="Picture 4">
+            <a:extLst>
+              <a:ext uri="{FF2B5EF4-FFF2-40B4-BE49-F238E27FC236}">
+                <a16:creationId xmlns:a16="http://schemas.microsoft.com/office/drawing/2014/main" id="{253F05E8-6562-4563-B002-43646EEEBAB8}"/>
+              </a:ext>
+            </a:extLst>
+          </p:cNvPr>
+          <p:cNvPicPr>
+            <a:picLocks noChangeAspect="1"/>
+          </p:cNvPicPr>
+          <p:nvPr/>
+        </p:nvPicPr>
+        <p:blipFill>
+          <a:blip r:embed="rId3"/>
+          <a:stretch>
+            <a:fillRect/>
+          </a:stretch>
+        </p:blipFill>
+        <p:spPr>
+          <a:xfrm>
+            <a:off x="470418" y="4787479"/>
+            <a:ext cx="8134350" cy="1638300"/>
+          </a:xfrm>
+          <a:prstGeom prst="rect">
+            <a:avLst/>
+          </a:prstGeom>
+        </p:spPr>
+      </p:pic>
+    </p:spTree>
+    <p:extLst>
+      <p:ext uri="{BB962C8B-B14F-4D97-AF65-F5344CB8AC3E}">
+        <p14:creationId xmlns:p14="http://schemas.microsoft.com/office/powerpoint/2010/main" val="1121437974"/>
       </p:ext>
     </p:extLst>
   </p:cSld>
